--- a/01_DipolesSources/TD_01_Girouette/images/Figures.pptx
+++ b/01_DipolesSources/TD_01_Girouette/images/Figures.pptx
@@ -6,6 +6,8 @@
   </p:sldMasterIdLst>
   <p:sldIdLst>
     <p:sldId id="256" r:id="rId2"/>
+    <p:sldId id="257" r:id="rId3"/>
+    <p:sldId id="258" r:id="rId4"/>
   </p:sldIdLst>
   <p:sldSz cx="9144000" cy="6858000" type="screen4x3"/>
   <p:notesSz cx="6858000" cy="9144000"/>
@@ -288,7 +290,7 @@
           <a:p>
             <a:fld id="{47C414CA-3B1E-4C42-B862-7A4C61ED653A}" type="datetimeFigureOut">
               <a:rPr lang="fr-FR" smtClean="0"/>
-              <a:t>17/09/2014</a:t>
+              <a:t>22/09/2014</a:t>
             </a:fld>
             <a:endParaRPr lang="fr-FR"/>
           </a:p>
@@ -458,7 +460,7 @@
           <a:p>
             <a:fld id="{47C414CA-3B1E-4C42-B862-7A4C61ED653A}" type="datetimeFigureOut">
               <a:rPr lang="fr-FR" smtClean="0"/>
-              <a:t>17/09/2014</a:t>
+              <a:t>22/09/2014</a:t>
             </a:fld>
             <a:endParaRPr lang="fr-FR"/>
           </a:p>
@@ -638,7 +640,7 @@
           <a:p>
             <a:fld id="{47C414CA-3B1E-4C42-B862-7A4C61ED653A}" type="datetimeFigureOut">
               <a:rPr lang="fr-FR" smtClean="0"/>
-              <a:t>17/09/2014</a:t>
+              <a:t>22/09/2014</a:t>
             </a:fld>
             <a:endParaRPr lang="fr-FR"/>
           </a:p>
@@ -808,7 +810,7 @@
           <a:p>
             <a:fld id="{47C414CA-3B1E-4C42-B862-7A4C61ED653A}" type="datetimeFigureOut">
               <a:rPr lang="fr-FR" smtClean="0"/>
-              <a:t>17/09/2014</a:t>
+              <a:t>22/09/2014</a:t>
             </a:fld>
             <a:endParaRPr lang="fr-FR"/>
           </a:p>
@@ -1054,7 +1056,7 @@
           <a:p>
             <a:fld id="{47C414CA-3B1E-4C42-B862-7A4C61ED653A}" type="datetimeFigureOut">
               <a:rPr lang="fr-FR" smtClean="0"/>
-              <a:t>17/09/2014</a:t>
+              <a:t>22/09/2014</a:t>
             </a:fld>
             <a:endParaRPr lang="fr-FR"/>
           </a:p>
@@ -1342,7 +1344,7 @@
           <a:p>
             <a:fld id="{47C414CA-3B1E-4C42-B862-7A4C61ED653A}" type="datetimeFigureOut">
               <a:rPr lang="fr-FR" smtClean="0"/>
-              <a:t>17/09/2014</a:t>
+              <a:t>22/09/2014</a:t>
             </a:fld>
             <a:endParaRPr lang="fr-FR"/>
           </a:p>
@@ -1764,7 +1766,7 @@
           <a:p>
             <a:fld id="{47C414CA-3B1E-4C42-B862-7A4C61ED653A}" type="datetimeFigureOut">
               <a:rPr lang="fr-FR" smtClean="0"/>
-              <a:t>17/09/2014</a:t>
+              <a:t>22/09/2014</a:t>
             </a:fld>
             <a:endParaRPr lang="fr-FR"/>
           </a:p>
@@ -1882,7 +1884,7 @@
           <a:p>
             <a:fld id="{47C414CA-3B1E-4C42-B862-7A4C61ED653A}" type="datetimeFigureOut">
               <a:rPr lang="fr-FR" smtClean="0"/>
-              <a:t>17/09/2014</a:t>
+              <a:t>22/09/2014</a:t>
             </a:fld>
             <a:endParaRPr lang="fr-FR"/>
           </a:p>
@@ -1977,7 +1979,7 @@
           <a:p>
             <a:fld id="{47C414CA-3B1E-4C42-B862-7A4C61ED653A}" type="datetimeFigureOut">
               <a:rPr lang="fr-FR" smtClean="0"/>
-              <a:t>17/09/2014</a:t>
+              <a:t>22/09/2014</a:t>
             </a:fld>
             <a:endParaRPr lang="fr-FR"/>
           </a:p>
@@ -2254,7 +2256,7 @@
           <a:p>
             <a:fld id="{47C414CA-3B1E-4C42-B862-7A4C61ED653A}" type="datetimeFigureOut">
               <a:rPr lang="fr-FR" smtClean="0"/>
-              <a:t>17/09/2014</a:t>
+              <a:t>22/09/2014</a:t>
             </a:fld>
             <a:endParaRPr lang="fr-FR"/>
           </a:p>
@@ -2507,7 +2509,7 @@
           <a:p>
             <a:fld id="{47C414CA-3B1E-4C42-B862-7A4C61ED653A}" type="datetimeFigureOut">
               <a:rPr lang="fr-FR" smtClean="0"/>
-              <a:t>17/09/2014</a:t>
+              <a:t>22/09/2014</a:t>
             </a:fld>
             <a:endParaRPr lang="fr-FR"/>
           </a:p>
@@ -2720,7 +2722,7 @@
           <a:p>
             <a:fld id="{47C414CA-3B1E-4C42-B862-7A4C61ED653A}" type="datetimeFigureOut">
               <a:rPr lang="fr-FR" smtClean="0"/>
-              <a:t>17/09/2014</a:t>
+              <a:t>22/09/2014</a:t>
             </a:fld>
             <a:endParaRPr lang="fr-FR"/>
           </a:p>
@@ -3095,6 +3097,1115 @@
           <a:chExt cx="0" cy="0"/>
         </a:xfrm>
       </p:grpSpPr>
+      <p:grpSp>
+        <p:nvGrpSpPr>
+          <p:cNvPr id="15" name="Groupe 14"/>
+          <p:cNvGrpSpPr/>
+          <p:nvPr/>
+        </p:nvGrpSpPr>
+        <p:grpSpPr>
+          <a:xfrm>
+            <a:off x="1205616" y="719118"/>
+            <a:ext cx="2214256" cy="1815295"/>
+            <a:chOff x="1205616" y="719118"/>
+            <a:chExt cx="2214256" cy="1815295"/>
+          </a:xfrm>
+        </p:grpSpPr>
+        <p:cxnSp>
+          <p:nvCxnSpPr>
+            <p:cNvPr id="47" name="Connecteur droit 46"/>
+            <p:cNvCxnSpPr/>
+            <p:nvPr/>
+          </p:nvCxnSpPr>
+          <p:spPr>
+            <a:xfrm flipV="1">
+              <a:off x="2681036" y="2295608"/>
+              <a:ext cx="0" cy="130805"/>
+            </a:xfrm>
+            <a:prstGeom prst="line">
+              <a:avLst/>
+            </a:prstGeom>
+            <a:noFill/>
+            <a:ln w="12700">
+              <a:solidFill>
+                <a:srgbClr val="0070C0"/>
+              </a:solidFill>
+            </a:ln>
+          </p:spPr>
+          <p:style>
+            <a:lnRef idx="2">
+              <a:schemeClr val="accent1">
+                <a:shade val="50000"/>
+              </a:schemeClr>
+            </a:lnRef>
+            <a:fillRef idx="1">
+              <a:schemeClr val="accent1"/>
+            </a:fillRef>
+            <a:effectRef idx="0">
+              <a:schemeClr val="accent1"/>
+            </a:effectRef>
+            <a:fontRef idx="minor">
+              <a:schemeClr val="lt1"/>
+            </a:fontRef>
+          </p:style>
+        </p:cxnSp>
+        <p:sp>
+          <p:nvSpPr>
+            <p:cNvPr id="4" name="Rectangle 3"/>
+            <p:cNvSpPr/>
+            <p:nvPr/>
+          </p:nvSpPr>
+          <p:spPr>
+            <a:xfrm>
+              <a:off x="1619672" y="1268760"/>
+              <a:ext cx="180000" cy="360000"/>
+            </a:xfrm>
+            <a:prstGeom prst="rect">
+              <a:avLst/>
+            </a:prstGeom>
+            <a:noFill/>
+            <a:ln w="12700">
+              <a:solidFill>
+                <a:srgbClr val="0070C0"/>
+              </a:solidFill>
+            </a:ln>
+          </p:spPr>
+          <p:style>
+            <a:lnRef idx="2">
+              <a:schemeClr val="accent1">
+                <a:shade val="50000"/>
+              </a:schemeClr>
+            </a:lnRef>
+            <a:fillRef idx="1">
+              <a:schemeClr val="accent1"/>
+            </a:fillRef>
+            <a:effectRef idx="0">
+              <a:schemeClr val="accent1"/>
+            </a:effectRef>
+            <a:fontRef idx="minor">
+              <a:schemeClr val="lt1"/>
+            </a:fontRef>
+          </p:style>
+          <p:txBody>
+            <a:bodyPr rtlCol="0" anchor="ctr"/>
+            <a:lstStyle/>
+            <a:p>
+              <a:pPr algn="ctr"/>
+              <a:endParaRPr lang="fr-FR"/>
+            </a:p>
+          </p:txBody>
+        </p:sp>
+        <p:sp>
+          <p:nvSpPr>
+            <p:cNvPr id="5" name="Rectangle 4"/>
+            <p:cNvSpPr/>
+            <p:nvPr/>
+          </p:nvSpPr>
+          <p:spPr>
+            <a:xfrm>
+              <a:off x="2339752" y="1268760"/>
+              <a:ext cx="180000" cy="360000"/>
+            </a:xfrm>
+            <a:prstGeom prst="rect">
+              <a:avLst/>
+            </a:prstGeom>
+            <a:noFill/>
+            <a:ln w="12700">
+              <a:solidFill>
+                <a:srgbClr val="0070C0"/>
+              </a:solidFill>
+            </a:ln>
+          </p:spPr>
+          <p:style>
+            <a:lnRef idx="2">
+              <a:schemeClr val="accent1">
+                <a:shade val="50000"/>
+              </a:schemeClr>
+            </a:lnRef>
+            <a:fillRef idx="1">
+              <a:schemeClr val="accent1"/>
+            </a:fillRef>
+            <a:effectRef idx="0">
+              <a:schemeClr val="accent1"/>
+            </a:effectRef>
+            <a:fontRef idx="minor">
+              <a:schemeClr val="lt1"/>
+            </a:fontRef>
+          </p:style>
+          <p:txBody>
+            <a:bodyPr rtlCol="0" anchor="ctr"/>
+            <a:lstStyle/>
+            <a:p>
+              <a:pPr algn="ctr"/>
+              <a:endParaRPr lang="fr-FR"/>
+            </a:p>
+          </p:txBody>
+        </p:sp>
+        <p:sp>
+          <p:nvSpPr>
+            <p:cNvPr id="7" name="Ellipse 6"/>
+            <p:cNvSpPr/>
+            <p:nvPr/>
+          </p:nvSpPr>
+          <p:spPr>
+            <a:xfrm>
+              <a:off x="1574652" y="1772816"/>
+              <a:ext cx="270040" cy="270040"/>
+            </a:xfrm>
+            <a:prstGeom prst="ellipse">
+              <a:avLst/>
+            </a:prstGeom>
+            <a:noFill/>
+            <a:ln w="12700">
+              <a:solidFill>
+                <a:srgbClr val="0070C0"/>
+              </a:solidFill>
+            </a:ln>
+          </p:spPr>
+          <p:style>
+            <a:lnRef idx="2">
+              <a:schemeClr val="accent1">
+                <a:shade val="50000"/>
+              </a:schemeClr>
+            </a:lnRef>
+            <a:fillRef idx="1">
+              <a:schemeClr val="accent1"/>
+            </a:fillRef>
+            <a:effectRef idx="0">
+              <a:schemeClr val="accent1"/>
+            </a:effectRef>
+            <a:fontRef idx="minor">
+              <a:schemeClr val="lt1"/>
+            </a:fontRef>
+          </p:style>
+          <p:txBody>
+            <a:bodyPr rtlCol="0" anchor="ctr"/>
+            <a:lstStyle/>
+            <a:p>
+              <a:pPr algn="ctr"/>
+              <a:endParaRPr lang="fr-FR"/>
+            </a:p>
+          </p:txBody>
+        </p:sp>
+        <p:sp>
+          <p:nvSpPr>
+            <p:cNvPr id="8" name="Ellipse 7"/>
+            <p:cNvSpPr/>
+            <p:nvPr/>
+          </p:nvSpPr>
+          <p:spPr>
+            <a:xfrm>
+              <a:off x="2294732" y="1772816"/>
+              <a:ext cx="270040" cy="270040"/>
+            </a:xfrm>
+            <a:prstGeom prst="ellipse">
+              <a:avLst/>
+            </a:prstGeom>
+            <a:noFill/>
+            <a:ln w="12700">
+              <a:solidFill>
+                <a:srgbClr val="0070C0"/>
+              </a:solidFill>
+            </a:ln>
+          </p:spPr>
+          <p:style>
+            <a:lnRef idx="2">
+              <a:schemeClr val="accent1">
+                <a:shade val="50000"/>
+              </a:schemeClr>
+            </a:lnRef>
+            <a:fillRef idx="1">
+              <a:schemeClr val="accent1"/>
+            </a:fillRef>
+            <a:effectRef idx="0">
+              <a:schemeClr val="accent1"/>
+            </a:effectRef>
+            <a:fontRef idx="minor">
+              <a:schemeClr val="lt1"/>
+            </a:fontRef>
+          </p:style>
+          <p:txBody>
+            <a:bodyPr rtlCol="0" anchor="ctr"/>
+            <a:lstStyle/>
+            <a:p>
+              <a:pPr algn="ctr"/>
+              <a:endParaRPr lang="fr-FR"/>
+            </a:p>
+          </p:txBody>
+        </p:sp>
+        <p:cxnSp>
+          <p:nvCxnSpPr>
+            <p:cNvPr id="10" name="Connecteur droit 9"/>
+            <p:cNvCxnSpPr>
+              <a:endCxn id="4" idx="2"/>
+            </p:cNvCxnSpPr>
+            <p:nvPr/>
+          </p:nvCxnSpPr>
+          <p:spPr>
+            <a:xfrm flipV="1">
+              <a:off x="1709672" y="1628760"/>
+              <a:ext cx="0" cy="666848"/>
+            </a:xfrm>
+            <a:prstGeom prst="line">
+              <a:avLst/>
+            </a:prstGeom>
+            <a:noFill/>
+            <a:ln w="12700">
+              <a:solidFill>
+                <a:srgbClr val="0070C0"/>
+              </a:solidFill>
+            </a:ln>
+          </p:spPr>
+          <p:style>
+            <a:lnRef idx="2">
+              <a:schemeClr val="accent1">
+                <a:shade val="50000"/>
+              </a:schemeClr>
+            </a:lnRef>
+            <a:fillRef idx="1">
+              <a:schemeClr val="accent1"/>
+            </a:fillRef>
+            <a:effectRef idx="0">
+              <a:schemeClr val="accent1"/>
+            </a:effectRef>
+            <a:fontRef idx="minor">
+              <a:schemeClr val="lt1"/>
+            </a:fontRef>
+          </p:style>
+        </p:cxnSp>
+        <p:cxnSp>
+          <p:nvCxnSpPr>
+            <p:cNvPr id="12" name="Connecteur droit 11"/>
+            <p:cNvCxnSpPr/>
+            <p:nvPr/>
+          </p:nvCxnSpPr>
+          <p:spPr>
+            <a:xfrm flipV="1">
+              <a:off x="2429752" y="1628760"/>
+              <a:ext cx="0" cy="666848"/>
+            </a:xfrm>
+            <a:prstGeom prst="line">
+              <a:avLst/>
+            </a:prstGeom>
+            <a:noFill/>
+            <a:ln w="12700">
+              <a:solidFill>
+                <a:srgbClr val="0070C0"/>
+              </a:solidFill>
+            </a:ln>
+          </p:spPr>
+          <p:style>
+            <a:lnRef idx="2">
+              <a:schemeClr val="accent1">
+                <a:shade val="50000"/>
+              </a:schemeClr>
+            </a:lnRef>
+            <a:fillRef idx="1">
+              <a:schemeClr val="accent1"/>
+            </a:fillRef>
+            <a:effectRef idx="0">
+              <a:schemeClr val="accent1"/>
+            </a:effectRef>
+            <a:fontRef idx="minor">
+              <a:schemeClr val="lt1"/>
+            </a:fontRef>
+          </p:style>
+        </p:cxnSp>
+        <p:cxnSp>
+          <p:nvCxnSpPr>
+            <p:cNvPr id="14" name="Connecteur droit 13"/>
+            <p:cNvCxnSpPr>
+              <a:endCxn id="44" idx="2"/>
+            </p:cNvCxnSpPr>
+            <p:nvPr/>
+          </p:nvCxnSpPr>
+          <p:spPr>
+            <a:xfrm>
+              <a:off x="1709672" y="2295608"/>
+              <a:ext cx="938200" cy="0"/>
+            </a:xfrm>
+            <a:prstGeom prst="line">
+              <a:avLst/>
+            </a:prstGeom>
+            <a:noFill/>
+            <a:ln w="12700">
+              <a:solidFill>
+                <a:srgbClr val="0070C0"/>
+              </a:solidFill>
+            </a:ln>
+          </p:spPr>
+          <p:style>
+            <a:lnRef idx="2">
+              <a:schemeClr val="accent1">
+                <a:shade val="50000"/>
+              </a:schemeClr>
+            </a:lnRef>
+            <a:fillRef idx="1">
+              <a:schemeClr val="accent1"/>
+            </a:fillRef>
+            <a:effectRef idx="0">
+              <a:schemeClr val="accent1"/>
+            </a:effectRef>
+            <a:fontRef idx="minor">
+              <a:schemeClr val="lt1"/>
+            </a:fontRef>
+          </p:style>
+        </p:cxnSp>
+        <p:cxnSp>
+          <p:nvCxnSpPr>
+            <p:cNvPr id="20" name="Connecteur droit 19"/>
+            <p:cNvCxnSpPr/>
+            <p:nvPr/>
+          </p:nvCxnSpPr>
+          <p:spPr>
+            <a:xfrm>
+              <a:off x="1709672" y="980728"/>
+              <a:ext cx="938200" cy="0"/>
+            </a:xfrm>
+            <a:prstGeom prst="line">
+              <a:avLst/>
+            </a:prstGeom>
+            <a:noFill/>
+            <a:ln w="12700">
+              <a:solidFill>
+                <a:srgbClr val="0070C0"/>
+              </a:solidFill>
+            </a:ln>
+          </p:spPr>
+          <p:style>
+            <a:lnRef idx="2">
+              <a:schemeClr val="accent1">
+                <a:shade val="50000"/>
+              </a:schemeClr>
+            </a:lnRef>
+            <a:fillRef idx="1">
+              <a:schemeClr val="accent1"/>
+            </a:fillRef>
+            <a:effectRef idx="0">
+              <a:schemeClr val="accent1"/>
+            </a:effectRef>
+            <a:fontRef idx="minor">
+              <a:schemeClr val="lt1"/>
+            </a:fontRef>
+          </p:style>
+        </p:cxnSp>
+        <p:cxnSp>
+          <p:nvCxnSpPr>
+            <p:cNvPr id="21" name="Connecteur droit 20"/>
+            <p:cNvCxnSpPr>
+              <a:stCxn id="4" idx="0"/>
+            </p:cNvCxnSpPr>
+            <p:nvPr/>
+          </p:nvCxnSpPr>
+          <p:spPr>
+            <a:xfrm flipV="1">
+              <a:off x="1709672" y="980728"/>
+              <a:ext cx="0" cy="288032"/>
+            </a:xfrm>
+            <a:prstGeom prst="line">
+              <a:avLst/>
+            </a:prstGeom>
+            <a:noFill/>
+            <a:ln w="12700">
+              <a:solidFill>
+                <a:srgbClr val="0070C0"/>
+              </a:solidFill>
+            </a:ln>
+          </p:spPr>
+          <p:style>
+            <a:lnRef idx="2">
+              <a:schemeClr val="accent1">
+                <a:shade val="50000"/>
+              </a:schemeClr>
+            </a:lnRef>
+            <a:fillRef idx="1">
+              <a:schemeClr val="accent1"/>
+            </a:fillRef>
+            <a:effectRef idx="0">
+              <a:schemeClr val="accent1"/>
+            </a:effectRef>
+            <a:fontRef idx="minor">
+              <a:schemeClr val="lt1"/>
+            </a:fontRef>
+          </p:style>
+        </p:cxnSp>
+        <p:cxnSp>
+          <p:nvCxnSpPr>
+            <p:cNvPr id="24" name="Connecteur droit 23"/>
+            <p:cNvCxnSpPr>
+              <a:stCxn id="5" idx="0"/>
+            </p:cNvCxnSpPr>
+            <p:nvPr/>
+          </p:nvCxnSpPr>
+          <p:spPr>
+            <a:xfrm flipV="1">
+              <a:off x="2429752" y="980728"/>
+              <a:ext cx="0" cy="288032"/>
+            </a:xfrm>
+            <a:prstGeom prst="line">
+              <a:avLst/>
+            </a:prstGeom>
+            <a:noFill/>
+            <a:ln w="12700">
+              <a:solidFill>
+                <a:srgbClr val="0070C0"/>
+              </a:solidFill>
+            </a:ln>
+          </p:spPr>
+          <p:style>
+            <a:lnRef idx="2">
+              <a:schemeClr val="accent1">
+                <a:shade val="50000"/>
+              </a:schemeClr>
+            </a:lnRef>
+            <a:fillRef idx="1">
+              <a:schemeClr val="accent1"/>
+            </a:fillRef>
+            <a:effectRef idx="0">
+              <a:schemeClr val="accent1"/>
+            </a:effectRef>
+            <a:fontRef idx="minor">
+              <a:schemeClr val="lt1"/>
+            </a:fontRef>
+          </p:style>
+        </p:cxnSp>
+        <p:cxnSp>
+          <p:nvCxnSpPr>
+            <p:cNvPr id="28" name="Connecteur droit 27"/>
+            <p:cNvCxnSpPr/>
+            <p:nvPr/>
+          </p:nvCxnSpPr>
+          <p:spPr>
+            <a:xfrm flipH="1" flipV="1">
+              <a:off x="1709672" y="1056928"/>
+              <a:ext cx="0" cy="135632"/>
+            </a:xfrm>
+            <a:prstGeom prst="line">
+              <a:avLst/>
+            </a:prstGeom>
+            <a:noFill/>
+            <a:ln w="12700">
+              <a:solidFill>
+                <a:srgbClr val="0070C0"/>
+              </a:solidFill>
+              <a:tailEnd type="triangle"/>
+            </a:ln>
+          </p:spPr>
+          <p:style>
+            <a:lnRef idx="2">
+              <a:schemeClr val="accent1">
+                <a:shade val="50000"/>
+              </a:schemeClr>
+            </a:lnRef>
+            <a:fillRef idx="1">
+              <a:schemeClr val="accent1"/>
+            </a:fillRef>
+            <a:effectRef idx="0">
+              <a:schemeClr val="accent1"/>
+            </a:effectRef>
+            <a:fontRef idx="minor">
+              <a:schemeClr val="lt1"/>
+            </a:fontRef>
+          </p:style>
+        </p:cxnSp>
+        <p:cxnSp>
+          <p:nvCxnSpPr>
+            <p:cNvPr id="30" name="Connecteur droit 29"/>
+            <p:cNvCxnSpPr/>
+            <p:nvPr/>
+          </p:nvCxnSpPr>
+          <p:spPr>
+            <a:xfrm flipH="1" flipV="1">
+              <a:off x="2429752" y="1056928"/>
+              <a:ext cx="0" cy="135632"/>
+            </a:xfrm>
+            <a:prstGeom prst="line">
+              <a:avLst/>
+            </a:prstGeom>
+            <a:noFill/>
+            <a:ln w="12700">
+              <a:solidFill>
+                <a:srgbClr val="0070C0"/>
+              </a:solidFill>
+              <a:tailEnd type="triangle"/>
+            </a:ln>
+          </p:spPr>
+          <p:style>
+            <a:lnRef idx="2">
+              <a:schemeClr val="accent1">
+                <a:shade val="50000"/>
+              </a:schemeClr>
+            </a:lnRef>
+            <a:fillRef idx="1">
+              <a:schemeClr val="accent1"/>
+            </a:fillRef>
+            <a:effectRef idx="0">
+              <a:schemeClr val="accent1"/>
+            </a:effectRef>
+            <a:fontRef idx="minor">
+              <a:schemeClr val="lt1"/>
+            </a:fontRef>
+          </p:style>
+        </p:cxnSp>
+        <p:cxnSp>
+          <p:nvCxnSpPr>
+            <p:cNvPr id="32" name="Connecteur droit 31"/>
+            <p:cNvCxnSpPr/>
+            <p:nvPr/>
+          </p:nvCxnSpPr>
+          <p:spPr>
+            <a:xfrm flipV="1">
+              <a:off x="1481287" y="1736812"/>
+              <a:ext cx="0" cy="342048"/>
+            </a:xfrm>
+            <a:prstGeom prst="line">
+              <a:avLst/>
+            </a:prstGeom>
+            <a:noFill/>
+            <a:ln w="12700">
+              <a:solidFill>
+                <a:srgbClr val="0070C0"/>
+              </a:solidFill>
+              <a:tailEnd type="stealth" w="med" len="lg"/>
+            </a:ln>
+          </p:spPr>
+          <p:style>
+            <a:lnRef idx="2">
+              <a:schemeClr val="accent1">
+                <a:shade val="50000"/>
+              </a:schemeClr>
+            </a:lnRef>
+            <a:fillRef idx="1">
+              <a:schemeClr val="accent1"/>
+            </a:fillRef>
+            <a:effectRef idx="0">
+              <a:schemeClr val="accent1"/>
+            </a:effectRef>
+            <a:fontRef idx="minor">
+              <a:schemeClr val="lt1"/>
+            </a:fontRef>
+          </p:style>
+        </p:cxnSp>
+        <p:cxnSp>
+          <p:nvCxnSpPr>
+            <p:cNvPr id="34" name="Connecteur droit 33"/>
+            <p:cNvCxnSpPr/>
+            <p:nvPr/>
+          </p:nvCxnSpPr>
+          <p:spPr>
+            <a:xfrm flipV="1">
+              <a:off x="2195736" y="1736812"/>
+              <a:ext cx="0" cy="342048"/>
+            </a:xfrm>
+            <a:prstGeom prst="line">
+              <a:avLst/>
+            </a:prstGeom>
+            <a:noFill/>
+            <a:ln w="12700">
+              <a:solidFill>
+                <a:srgbClr val="0070C0"/>
+              </a:solidFill>
+              <a:tailEnd type="stealth" w="med" len="lg"/>
+            </a:ln>
+          </p:spPr>
+          <p:style>
+            <a:lnRef idx="2">
+              <a:schemeClr val="accent1">
+                <a:shade val="50000"/>
+              </a:schemeClr>
+            </a:lnRef>
+            <a:fillRef idx="1">
+              <a:schemeClr val="accent1"/>
+            </a:fillRef>
+            <a:effectRef idx="0">
+              <a:schemeClr val="accent1"/>
+            </a:effectRef>
+            <a:fontRef idx="minor">
+              <a:schemeClr val="lt1"/>
+            </a:fontRef>
+          </p:style>
+        </p:cxnSp>
+        <p:sp>
+          <p:nvSpPr>
+            <p:cNvPr id="35" name="ZoneTexte 34"/>
+            <p:cNvSpPr txBox="1"/>
+            <p:nvPr/>
+          </p:nvSpPr>
+          <p:spPr>
+            <a:xfrm>
+              <a:off x="1205616" y="1781246"/>
+              <a:ext cx="504056" cy="261610"/>
+            </a:xfrm>
+            <a:prstGeom prst="rect">
+              <a:avLst/>
+            </a:prstGeom>
+            <a:noFill/>
+          </p:spPr>
+          <p:txBody>
+            <a:bodyPr wrap="square" rtlCol="0">
+              <a:spAutoFit/>
+            </a:bodyPr>
+            <a:lstStyle/>
+            <a:p>
+              <a:r>
+                <a:rPr lang="fr-FR" sz="1100" dirty="0" smtClean="0"/>
+                <a:t>E</a:t>
+              </a:r>
+              <a:r>
+                <a:rPr lang="fr-FR" sz="1100" baseline="-25000" dirty="0" smtClean="0"/>
+                <a:t>1</a:t>
+              </a:r>
+              <a:endParaRPr lang="fr-FR" sz="1100" baseline="-25000" dirty="0"/>
+            </a:p>
+          </p:txBody>
+        </p:sp>
+        <p:sp>
+          <p:nvSpPr>
+            <p:cNvPr id="36" name="ZoneTexte 35"/>
+            <p:cNvSpPr txBox="1"/>
+            <p:nvPr/>
+          </p:nvSpPr>
+          <p:spPr>
+            <a:xfrm>
+              <a:off x="1943708" y="1781246"/>
+              <a:ext cx="504056" cy="261610"/>
+            </a:xfrm>
+            <a:prstGeom prst="rect">
+              <a:avLst/>
+            </a:prstGeom>
+            <a:noFill/>
+          </p:spPr>
+          <p:txBody>
+            <a:bodyPr wrap="square" rtlCol="0">
+              <a:spAutoFit/>
+            </a:bodyPr>
+            <a:lstStyle/>
+            <a:p>
+              <a:r>
+                <a:rPr lang="fr-FR" sz="1100" dirty="0" smtClean="0"/>
+                <a:t>E</a:t>
+              </a:r>
+              <a:r>
+                <a:rPr lang="fr-FR" sz="1100" baseline="-25000" dirty="0" smtClean="0"/>
+                <a:t>2</a:t>
+              </a:r>
+              <a:endParaRPr lang="fr-FR" sz="1100" baseline="-25000" dirty="0"/>
+            </a:p>
+          </p:txBody>
+        </p:sp>
+        <p:sp>
+          <p:nvSpPr>
+            <p:cNvPr id="37" name="ZoneTexte 36"/>
+            <p:cNvSpPr txBox="1"/>
+            <p:nvPr/>
+          </p:nvSpPr>
+          <p:spPr>
+            <a:xfrm>
+              <a:off x="1295616" y="1317955"/>
+              <a:ext cx="504056" cy="261610"/>
+            </a:xfrm>
+            <a:prstGeom prst="rect">
+              <a:avLst/>
+            </a:prstGeom>
+            <a:noFill/>
+          </p:spPr>
+          <p:txBody>
+            <a:bodyPr wrap="square" rtlCol="0">
+              <a:spAutoFit/>
+            </a:bodyPr>
+            <a:lstStyle/>
+            <a:p>
+              <a:r>
+                <a:rPr lang="fr-FR" sz="1100" dirty="0" smtClean="0"/>
+                <a:t>R</a:t>
+              </a:r>
+              <a:r>
+                <a:rPr lang="fr-FR" sz="1100" baseline="-25000" dirty="0" smtClean="0"/>
+                <a:t>1</a:t>
+              </a:r>
+              <a:endParaRPr lang="fr-FR" sz="1100" baseline="-25000" dirty="0"/>
+            </a:p>
+          </p:txBody>
+        </p:sp>
+        <p:sp>
+          <p:nvSpPr>
+            <p:cNvPr id="38" name="ZoneTexte 37"/>
+            <p:cNvSpPr txBox="1"/>
+            <p:nvPr/>
+          </p:nvSpPr>
+          <p:spPr>
+            <a:xfrm>
+              <a:off x="2015696" y="1318749"/>
+              <a:ext cx="504056" cy="261610"/>
+            </a:xfrm>
+            <a:prstGeom prst="rect">
+              <a:avLst/>
+            </a:prstGeom>
+            <a:noFill/>
+          </p:spPr>
+          <p:txBody>
+            <a:bodyPr wrap="square" rtlCol="0">
+              <a:spAutoFit/>
+            </a:bodyPr>
+            <a:lstStyle/>
+            <a:p>
+              <a:r>
+                <a:rPr lang="fr-FR" sz="1100" dirty="0" smtClean="0"/>
+                <a:t>R</a:t>
+              </a:r>
+              <a:r>
+                <a:rPr lang="fr-FR" sz="1100" baseline="-25000" dirty="0" smtClean="0"/>
+                <a:t>2</a:t>
+              </a:r>
+              <a:endParaRPr lang="fr-FR" sz="1100" baseline="-25000" dirty="0"/>
+            </a:p>
+          </p:txBody>
+        </p:sp>
+        <p:sp>
+          <p:nvSpPr>
+            <p:cNvPr id="43" name="Ellipse 42"/>
+            <p:cNvSpPr/>
+            <p:nvPr/>
+          </p:nvSpPr>
+          <p:spPr>
+            <a:xfrm>
+              <a:off x="2647872" y="946820"/>
+              <a:ext cx="67816" cy="67816"/>
+            </a:xfrm>
+            <a:prstGeom prst="ellipse">
+              <a:avLst/>
+            </a:prstGeom>
+            <a:solidFill>
+              <a:schemeClr val="accent1"/>
+            </a:solidFill>
+            <a:ln>
+              <a:noFill/>
+            </a:ln>
+          </p:spPr>
+          <p:style>
+            <a:lnRef idx="2">
+              <a:schemeClr val="accent1">
+                <a:shade val="50000"/>
+              </a:schemeClr>
+            </a:lnRef>
+            <a:fillRef idx="1">
+              <a:schemeClr val="accent1"/>
+            </a:fillRef>
+            <a:effectRef idx="0">
+              <a:schemeClr val="accent1"/>
+            </a:effectRef>
+            <a:fontRef idx="minor">
+              <a:schemeClr val="lt1"/>
+            </a:fontRef>
+          </p:style>
+          <p:txBody>
+            <a:bodyPr rtlCol="0" anchor="ctr"/>
+            <a:lstStyle/>
+            <a:p>
+              <a:pPr algn="ctr"/>
+              <a:endParaRPr lang="fr-FR"/>
+            </a:p>
+          </p:txBody>
+        </p:sp>
+        <p:sp>
+          <p:nvSpPr>
+            <p:cNvPr id="44" name="Ellipse 43"/>
+            <p:cNvSpPr/>
+            <p:nvPr/>
+          </p:nvSpPr>
+          <p:spPr>
+            <a:xfrm>
+              <a:off x="2647872" y="2261700"/>
+              <a:ext cx="67816" cy="67816"/>
+            </a:xfrm>
+            <a:prstGeom prst="ellipse">
+              <a:avLst/>
+            </a:prstGeom>
+            <a:solidFill>
+              <a:schemeClr val="accent1"/>
+            </a:solidFill>
+            <a:ln>
+              <a:noFill/>
+            </a:ln>
+          </p:spPr>
+          <p:style>
+            <a:lnRef idx="2">
+              <a:schemeClr val="accent1">
+                <a:shade val="50000"/>
+              </a:schemeClr>
+            </a:lnRef>
+            <a:fillRef idx="1">
+              <a:schemeClr val="accent1"/>
+            </a:fillRef>
+            <a:effectRef idx="0">
+              <a:schemeClr val="accent1"/>
+            </a:effectRef>
+            <a:fontRef idx="minor">
+              <a:schemeClr val="lt1"/>
+            </a:fontRef>
+          </p:style>
+          <p:txBody>
+            <a:bodyPr rtlCol="0" anchor="ctr"/>
+            <a:lstStyle/>
+            <a:p>
+              <a:pPr algn="ctr"/>
+              <a:endParaRPr lang="fr-FR"/>
+            </a:p>
+          </p:txBody>
+        </p:sp>
+        <p:sp>
+          <p:nvSpPr>
+            <p:cNvPr id="45" name="ZoneTexte 44"/>
+            <p:cNvSpPr txBox="1"/>
+            <p:nvPr/>
+          </p:nvSpPr>
+          <p:spPr>
+            <a:xfrm>
+              <a:off x="2545871" y="719118"/>
+              <a:ext cx="504056" cy="261610"/>
+            </a:xfrm>
+            <a:prstGeom prst="rect">
+              <a:avLst/>
+            </a:prstGeom>
+            <a:noFill/>
+          </p:spPr>
+          <p:txBody>
+            <a:bodyPr wrap="square" rtlCol="0">
+              <a:spAutoFit/>
+            </a:bodyPr>
+            <a:lstStyle/>
+            <a:p>
+              <a:r>
+                <a:rPr lang="fr-FR" sz="1100" dirty="0" smtClean="0"/>
+                <a:t>B</a:t>
+              </a:r>
+              <a:endParaRPr lang="fr-FR" sz="1100" baseline="-25000" dirty="0"/>
+            </a:p>
+          </p:txBody>
+        </p:sp>
+        <p:sp>
+          <p:nvSpPr>
+            <p:cNvPr id="46" name="ZoneTexte 45"/>
+            <p:cNvSpPr txBox="1"/>
+            <p:nvPr/>
+          </p:nvSpPr>
+          <p:spPr>
+            <a:xfrm>
+              <a:off x="2564772" y="2042856"/>
+              <a:ext cx="504056" cy="205184"/>
+            </a:xfrm>
+            <a:prstGeom prst="rect">
+              <a:avLst/>
+            </a:prstGeom>
+            <a:noFill/>
+          </p:spPr>
+          <p:txBody>
+            <a:bodyPr wrap="square" rtlCol="0">
+              <a:spAutoFit/>
+            </a:bodyPr>
+            <a:lstStyle/>
+            <a:p>
+              <a:r>
+                <a:rPr lang="fr-FR" sz="1100" baseline="-25000" dirty="0" smtClean="0"/>
+                <a:t>M</a:t>
+              </a:r>
+              <a:endParaRPr lang="fr-FR" sz="1100" baseline="-25000" dirty="0"/>
+            </a:p>
+          </p:txBody>
+        </p:sp>
+        <p:sp>
+          <p:nvSpPr>
+            <p:cNvPr id="48" name="Rectangle 47"/>
+            <p:cNvSpPr/>
+            <p:nvPr/>
+          </p:nvSpPr>
+          <p:spPr>
+            <a:xfrm rot="5400000">
+              <a:off x="2627036" y="2372413"/>
+              <a:ext cx="108000" cy="216000"/>
+            </a:xfrm>
+            <a:prstGeom prst="rect">
+              <a:avLst/>
+            </a:prstGeom>
+            <a:pattFill prst="ltUpDiag">
+              <a:fgClr>
+                <a:schemeClr val="accent1"/>
+              </a:fgClr>
+              <a:bgClr>
+                <a:schemeClr val="bg1"/>
+              </a:bgClr>
+            </a:pattFill>
+            <a:ln w="12700">
+              <a:noFill/>
+            </a:ln>
+          </p:spPr>
+          <p:style>
+            <a:lnRef idx="2">
+              <a:schemeClr val="accent1">
+                <a:shade val="50000"/>
+              </a:schemeClr>
+            </a:lnRef>
+            <a:fillRef idx="1">
+              <a:schemeClr val="accent1"/>
+            </a:fillRef>
+            <a:effectRef idx="0">
+              <a:schemeClr val="accent1"/>
+            </a:effectRef>
+            <a:fontRef idx="minor">
+              <a:schemeClr val="lt1"/>
+            </a:fontRef>
+          </p:style>
+          <p:txBody>
+            <a:bodyPr rtlCol="0" anchor="ctr"/>
+            <a:lstStyle/>
+            <a:p>
+              <a:pPr algn="ctr"/>
+              <a:endParaRPr lang="fr-FR"/>
+            </a:p>
+          </p:txBody>
+        </p:sp>
+        <p:cxnSp>
+          <p:nvCxnSpPr>
+            <p:cNvPr id="49" name="Connecteur droit 48"/>
+            <p:cNvCxnSpPr/>
+            <p:nvPr/>
+          </p:nvCxnSpPr>
+          <p:spPr>
+            <a:xfrm rot="5400000" flipV="1">
+              <a:off x="2681036" y="2318413"/>
+              <a:ext cx="0" cy="216000"/>
+            </a:xfrm>
+            <a:prstGeom prst="line">
+              <a:avLst/>
+            </a:prstGeom>
+            <a:noFill/>
+            <a:ln w="12700">
+              <a:solidFill>
+                <a:srgbClr val="0070C0"/>
+              </a:solidFill>
+            </a:ln>
+          </p:spPr>
+          <p:style>
+            <a:lnRef idx="2">
+              <a:schemeClr val="accent1">
+                <a:shade val="50000"/>
+              </a:schemeClr>
+            </a:lnRef>
+            <a:fillRef idx="1">
+              <a:schemeClr val="accent1"/>
+            </a:fillRef>
+            <a:effectRef idx="0">
+              <a:schemeClr val="accent1"/>
+            </a:effectRef>
+            <a:fontRef idx="minor">
+              <a:schemeClr val="lt1"/>
+            </a:fontRef>
+          </p:style>
+        </p:cxnSp>
+        <p:cxnSp>
+          <p:nvCxnSpPr>
+            <p:cNvPr id="50" name="Connecteur droit 49"/>
+            <p:cNvCxnSpPr/>
+            <p:nvPr/>
+          </p:nvCxnSpPr>
+          <p:spPr>
+            <a:xfrm flipV="1">
+              <a:off x="2844403" y="988274"/>
+              <a:ext cx="0" cy="1280972"/>
+            </a:xfrm>
+            <a:prstGeom prst="line">
+              <a:avLst/>
+            </a:prstGeom>
+            <a:noFill/>
+            <a:ln w="12700">
+              <a:solidFill>
+                <a:srgbClr val="0070C0"/>
+              </a:solidFill>
+              <a:tailEnd type="stealth" w="med" len="lg"/>
+            </a:ln>
+          </p:spPr>
+          <p:style>
+            <a:lnRef idx="2">
+              <a:schemeClr val="accent1">
+                <a:shade val="50000"/>
+              </a:schemeClr>
+            </a:lnRef>
+            <a:fillRef idx="1">
+              <a:schemeClr val="accent1"/>
+            </a:fillRef>
+            <a:effectRef idx="0">
+              <a:schemeClr val="accent1"/>
+            </a:effectRef>
+            <a:fontRef idx="minor">
+              <a:schemeClr val="lt1"/>
+            </a:fontRef>
+          </p:style>
+        </p:cxnSp>
+        <p:sp>
+          <p:nvSpPr>
+            <p:cNvPr id="51" name="ZoneTexte 50"/>
+            <p:cNvSpPr txBox="1"/>
+            <p:nvPr/>
+          </p:nvSpPr>
+          <p:spPr>
+            <a:xfrm>
+              <a:off x="2915816" y="1448760"/>
+              <a:ext cx="504056" cy="261610"/>
+            </a:xfrm>
+            <a:prstGeom prst="rect">
+              <a:avLst/>
+            </a:prstGeom>
+            <a:noFill/>
+          </p:spPr>
+          <p:txBody>
+            <a:bodyPr wrap="square" rtlCol="0">
+              <a:spAutoFit/>
+            </a:bodyPr>
+            <a:lstStyle/>
+            <a:p>
+              <a:r>
+                <a:rPr lang="fr-FR" sz="1100" dirty="0" smtClean="0"/>
+                <a:t>V</a:t>
+              </a:r>
+              <a:r>
+                <a:rPr lang="fr-FR" sz="1100" baseline="-25000" dirty="0" smtClean="0"/>
+                <a:t>S</a:t>
+              </a:r>
+              <a:endParaRPr lang="fr-FR" sz="1100" baseline="-25000" dirty="0"/>
+            </a:p>
+          </p:txBody>
+        </p:sp>
+      </p:grpSp>
+    </p:spTree>
+    <p:extLst>
+      <p:ext uri="{BB962C8B-B14F-4D97-AF65-F5344CB8AC3E}">
+        <p14:creationId xmlns:p14="http://schemas.microsoft.com/office/powerpoint/2010/main" val="4178650199"/>
+      </p:ext>
+    </p:extLst>
+  </p:cSld>
+  <p:clrMapOvr>
+    <a:masterClrMapping/>
+  </p:clrMapOvr>
+</p:sld>
+</file>
+
+<file path=ppt/slides/slide2.xml><?xml version="1.0" encoding="utf-8"?>
+<p:sld xmlns:a="http://schemas.openxmlformats.org/drawingml/2006/main" xmlns:r="http://schemas.openxmlformats.org/officeDocument/2006/relationships" xmlns:p="http://schemas.openxmlformats.org/presentationml/2006/main">
+  <p:cSld>
+    <p:spTree>
+      <p:nvGrpSpPr>
+        <p:cNvPr id="1" name=""/>
+        <p:cNvGrpSpPr/>
+        <p:nvPr/>
+      </p:nvGrpSpPr>
+      <p:grpSpPr>
+        <a:xfrm>
+          <a:off x="0" y="0"/>
+          <a:ext cx="0" cy="0"/>
+          <a:chOff x="0" y="0"/>
+          <a:chExt cx="0" cy="0"/>
+        </a:xfrm>
+      </p:grpSpPr>
       <p:sp>
         <p:nvSpPr>
           <p:cNvPr id="4" name="Rectangle 3"/>
@@ -3102,8 +4213,8 @@
           <p:nvPr/>
         </p:nvSpPr>
         <p:spPr>
-          <a:xfrm>
-            <a:off x="1619672" y="1268760"/>
+          <a:xfrm rot="5400000">
+            <a:off x="2213728" y="1795512"/>
             <a:ext cx="180000" cy="360000"/>
           </a:xfrm>
           <a:prstGeom prst="rect">
@@ -3141,202 +4252,18 @@
           </a:p>
         </p:txBody>
       </p:sp>
-      <p:sp>
-        <p:nvSpPr>
-          <p:cNvPr id="5" name="Rectangle 4"/>
-          <p:cNvSpPr/>
-          <p:nvPr/>
-        </p:nvSpPr>
-        <p:spPr>
-          <a:xfrm>
-            <a:off x="2339752" y="1268760"/>
-            <a:ext cx="180000" cy="360000"/>
-          </a:xfrm>
-          <a:prstGeom prst="rect">
-            <a:avLst/>
-          </a:prstGeom>
-          <a:noFill/>
-          <a:ln w="12700">
-            <a:solidFill>
-              <a:srgbClr val="0070C0"/>
-            </a:solidFill>
-          </a:ln>
-        </p:spPr>
-        <p:style>
-          <a:lnRef idx="2">
-            <a:schemeClr val="accent1">
-              <a:shade val="50000"/>
-            </a:schemeClr>
-          </a:lnRef>
-          <a:fillRef idx="1">
-            <a:schemeClr val="accent1"/>
-          </a:fillRef>
-          <a:effectRef idx="0">
-            <a:schemeClr val="accent1"/>
-          </a:effectRef>
-          <a:fontRef idx="minor">
-            <a:schemeClr val="lt1"/>
-          </a:fontRef>
-        </p:style>
-        <p:txBody>
-          <a:bodyPr rtlCol="0" anchor="ctr"/>
-          <a:lstStyle/>
-          <a:p>
-            <a:pPr algn="ctr"/>
-            <a:endParaRPr lang="fr-FR"/>
-          </a:p>
-        </p:txBody>
-      </p:sp>
-      <p:sp>
-        <p:nvSpPr>
-          <p:cNvPr id="6" name="Rectangle 5"/>
-          <p:cNvSpPr/>
-          <p:nvPr/>
-        </p:nvSpPr>
-        <p:spPr>
-          <a:xfrm>
-            <a:off x="3059832" y="1268760"/>
-            <a:ext cx="180000" cy="360000"/>
-          </a:xfrm>
-          <a:prstGeom prst="rect">
-            <a:avLst/>
-          </a:prstGeom>
-          <a:noFill/>
-          <a:ln w="12700">
-            <a:solidFill>
-              <a:srgbClr val="0070C0"/>
-            </a:solidFill>
-          </a:ln>
-        </p:spPr>
-        <p:style>
-          <a:lnRef idx="2">
-            <a:schemeClr val="accent1">
-              <a:shade val="50000"/>
-            </a:schemeClr>
-          </a:lnRef>
-          <a:fillRef idx="1">
-            <a:schemeClr val="accent1"/>
-          </a:fillRef>
-          <a:effectRef idx="0">
-            <a:schemeClr val="accent1"/>
-          </a:effectRef>
-          <a:fontRef idx="minor">
-            <a:schemeClr val="lt1"/>
-          </a:fontRef>
-        </p:style>
-        <p:txBody>
-          <a:bodyPr rtlCol="0" anchor="ctr"/>
-          <a:lstStyle/>
-          <a:p>
-            <a:pPr algn="ctr"/>
-            <a:endParaRPr lang="fr-FR"/>
-          </a:p>
-        </p:txBody>
-      </p:sp>
-      <p:sp>
-        <p:nvSpPr>
-          <p:cNvPr id="7" name="Ellipse 6"/>
-          <p:cNvSpPr/>
-          <p:nvPr/>
-        </p:nvSpPr>
-        <p:spPr>
-          <a:xfrm>
-            <a:off x="1574652" y="1772816"/>
-            <a:ext cx="270040" cy="270040"/>
-          </a:xfrm>
-          <a:prstGeom prst="ellipse">
-            <a:avLst/>
-          </a:prstGeom>
-          <a:noFill/>
-          <a:ln w="12700">
-            <a:solidFill>
-              <a:srgbClr val="0070C0"/>
-            </a:solidFill>
-          </a:ln>
-        </p:spPr>
-        <p:style>
-          <a:lnRef idx="2">
-            <a:schemeClr val="accent1">
-              <a:shade val="50000"/>
-            </a:schemeClr>
-          </a:lnRef>
-          <a:fillRef idx="1">
-            <a:schemeClr val="accent1"/>
-          </a:fillRef>
-          <a:effectRef idx="0">
-            <a:schemeClr val="accent1"/>
-          </a:effectRef>
-          <a:fontRef idx="minor">
-            <a:schemeClr val="lt1"/>
-          </a:fontRef>
-        </p:style>
-        <p:txBody>
-          <a:bodyPr rtlCol="0" anchor="ctr"/>
-          <a:lstStyle/>
-          <a:p>
-            <a:pPr algn="ctr"/>
-            <a:endParaRPr lang="fr-FR"/>
-          </a:p>
-        </p:txBody>
-      </p:sp>
-      <p:sp>
-        <p:nvSpPr>
-          <p:cNvPr id="8" name="Ellipse 7"/>
-          <p:cNvSpPr/>
-          <p:nvPr/>
-        </p:nvSpPr>
-        <p:spPr>
-          <a:xfrm>
-            <a:off x="2294732" y="1772816"/>
-            <a:ext cx="270040" cy="270040"/>
-          </a:xfrm>
-          <a:prstGeom prst="ellipse">
-            <a:avLst/>
-          </a:prstGeom>
-          <a:noFill/>
-          <a:ln w="12700">
-            <a:solidFill>
-              <a:srgbClr val="0070C0"/>
-            </a:solidFill>
-          </a:ln>
-        </p:spPr>
-        <p:style>
-          <a:lnRef idx="2">
-            <a:schemeClr val="accent1">
-              <a:shade val="50000"/>
-            </a:schemeClr>
-          </a:lnRef>
-          <a:fillRef idx="1">
-            <a:schemeClr val="accent1"/>
-          </a:fillRef>
-          <a:effectRef idx="0">
-            <a:schemeClr val="accent1"/>
-          </a:effectRef>
-          <a:fontRef idx="minor">
-            <a:schemeClr val="lt1"/>
-          </a:fontRef>
-        </p:style>
-        <p:txBody>
-          <a:bodyPr rtlCol="0" anchor="ctr"/>
-          <a:lstStyle/>
-          <a:p>
-            <a:pPr algn="ctr"/>
-            <a:endParaRPr lang="fr-FR"/>
-          </a:p>
-        </p:txBody>
-      </p:sp>
       <p:cxnSp>
         <p:nvCxnSpPr>
-          <p:cNvPr id="10" name="Connecteur droit 9"/>
+          <p:cNvPr id="5" name="Connecteur droit 4"/>
           <p:cNvCxnSpPr>
             <a:endCxn id="4" idx="2"/>
           </p:cNvCxnSpPr>
           <p:nvPr/>
         </p:nvCxnSpPr>
         <p:spPr>
-          <a:xfrm flipV="1">
-            <a:off x="1709672" y="1628760"/>
-            <a:ext cx="0" cy="666848"/>
+          <a:xfrm>
+            <a:off x="1763688" y="1975512"/>
+            <a:ext cx="360040" cy="0"/>
           </a:xfrm>
           <a:prstGeom prst="line">
             <a:avLst/>
@@ -3367,14 +4294,149 @@
       </p:cxnSp>
       <p:cxnSp>
         <p:nvCxnSpPr>
-          <p:cNvPr id="12" name="Connecteur droit 11"/>
+          <p:cNvPr id="10" name="Connecteur droit 9"/>
           <p:cNvCxnSpPr/>
           <p:nvPr/>
         </p:nvCxnSpPr>
         <p:spPr>
           <a:xfrm flipV="1">
-            <a:off x="2429752" y="1628760"/>
-            <a:ext cx="0" cy="666848"/>
+            <a:off x="2483728" y="1979628"/>
+            <a:ext cx="146350" cy="0"/>
+          </a:xfrm>
+          <a:prstGeom prst="line">
+            <a:avLst/>
+          </a:prstGeom>
+          <a:noFill/>
+          <a:ln w="12700">
+            <a:solidFill>
+              <a:srgbClr val="0070C0"/>
+            </a:solidFill>
+          </a:ln>
+        </p:spPr>
+        <p:style>
+          <a:lnRef idx="2">
+            <a:schemeClr val="accent1">
+              <a:shade val="50000"/>
+            </a:schemeClr>
+          </a:lnRef>
+          <a:fillRef idx="1">
+            <a:schemeClr val="accent1"/>
+          </a:fillRef>
+          <a:effectRef idx="0">
+            <a:schemeClr val="accent1"/>
+          </a:effectRef>
+          <a:fontRef idx="minor">
+            <a:schemeClr val="lt1"/>
+          </a:fontRef>
+        </p:style>
+      </p:cxnSp>
+      <p:sp>
+        <p:nvSpPr>
+          <p:cNvPr id="15" name="Arc 14"/>
+          <p:cNvSpPr/>
+          <p:nvPr/>
+        </p:nvSpPr>
+        <p:spPr>
+          <a:xfrm>
+            <a:off x="2625225" y="1700808"/>
+            <a:ext cx="792088" cy="792088"/>
+          </a:xfrm>
+          <a:prstGeom prst="arc">
+            <a:avLst>
+              <a:gd name="adj1" fmla="val 11797105"/>
+              <a:gd name="adj2" fmla="val 9987642"/>
+            </a:avLst>
+          </a:prstGeom>
+          <a:noFill/>
+          <a:ln w="38100" cmpd="dbl">
+            <a:solidFill>
+              <a:srgbClr val="0070C0"/>
+            </a:solidFill>
+          </a:ln>
+        </p:spPr>
+        <p:style>
+          <a:lnRef idx="2">
+            <a:schemeClr val="accent1">
+              <a:shade val="50000"/>
+            </a:schemeClr>
+          </a:lnRef>
+          <a:fillRef idx="1">
+            <a:schemeClr val="accent1"/>
+          </a:fillRef>
+          <a:effectRef idx="0">
+            <a:schemeClr val="accent1"/>
+          </a:effectRef>
+          <a:fontRef idx="minor">
+            <a:schemeClr val="lt1"/>
+          </a:fontRef>
+        </p:style>
+        <p:txBody>
+          <a:bodyPr rtlCol="0" anchor="ctr"/>
+          <a:lstStyle/>
+          <a:p>
+            <a:pPr algn="ctr"/>
+            <a:endParaRPr lang="fr-FR" dirty="0"/>
+          </a:p>
+        </p:txBody>
+      </p:sp>
+      <p:sp>
+        <p:nvSpPr>
+          <p:cNvPr id="16" name="Rectangle 15"/>
+          <p:cNvSpPr/>
+          <p:nvPr/>
+        </p:nvSpPr>
+        <p:spPr>
+          <a:xfrm rot="5400000">
+            <a:off x="2213728" y="2006852"/>
+            <a:ext cx="180000" cy="360000"/>
+          </a:xfrm>
+          <a:prstGeom prst="rect">
+            <a:avLst/>
+          </a:prstGeom>
+          <a:noFill/>
+          <a:ln w="12700">
+            <a:solidFill>
+              <a:srgbClr val="0070C0"/>
+            </a:solidFill>
+          </a:ln>
+        </p:spPr>
+        <p:style>
+          <a:lnRef idx="2">
+            <a:schemeClr val="accent1">
+              <a:shade val="50000"/>
+            </a:schemeClr>
+          </a:lnRef>
+          <a:fillRef idx="1">
+            <a:schemeClr val="accent1"/>
+          </a:fillRef>
+          <a:effectRef idx="0">
+            <a:schemeClr val="accent1"/>
+          </a:effectRef>
+          <a:fontRef idx="minor">
+            <a:schemeClr val="lt1"/>
+          </a:fontRef>
+        </p:style>
+        <p:txBody>
+          <a:bodyPr rtlCol="0" anchor="ctr"/>
+          <a:lstStyle/>
+          <a:p>
+            <a:pPr algn="ctr"/>
+            <a:endParaRPr lang="fr-FR"/>
+          </a:p>
+        </p:txBody>
+      </p:sp>
+      <p:cxnSp>
+        <p:nvCxnSpPr>
+          <p:cNvPr id="17" name="Connecteur droit 16"/>
+          <p:cNvCxnSpPr>
+            <a:endCxn id="16" idx="2"/>
+          </p:cNvCxnSpPr>
+          <p:nvPr/>
+        </p:nvCxnSpPr>
+        <p:spPr>
+          <a:xfrm>
+            <a:off x="1763688" y="2186852"/>
+            <a:ext cx="360040" cy="0"/>
           </a:xfrm>
           <a:prstGeom prst="line">
             <a:avLst/>
@@ -3405,14 +4467,14 @@
       </p:cxnSp>
       <p:cxnSp>
         <p:nvCxnSpPr>
-          <p:cNvPr id="13" name="Connecteur droit 12"/>
+          <p:cNvPr id="18" name="Connecteur droit 17"/>
           <p:cNvCxnSpPr/>
           <p:nvPr/>
         </p:nvCxnSpPr>
         <p:spPr>
           <a:xfrm flipV="1">
-            <a:off x="3149832" y="1628760"/>
-            <a:ext cx="0" cy="666848"/>
+            <a:off x="2483728" y="2190968"/>
+            <a:ext cx="146350" cy="0"/>
           </a:xfrm>
           <a:prstGeom prst="line">
             <a:avLst/>
@@ -3422,6 +4484,167 @@
             <a:solidFill>
               <a:srgbClr val="0070C0"/>
             </a:solidFill>
+          </a:ln>
+        </p:spPr>
+        <p:style>
+          <a:lnRef idx="2">
+            <a:schemeClr val="accent1">
+              <a:shade val="50000"/>
+            </a:schemeClr>
+          </a:lnRef>
+          <a:fillRef idx="1">
+            <a:schemeClr val="accent1"/>
+          </a:fillRef>
+          <a:effectRef idx="0">
+            <a:schemeClr val="accent1"/>
+          </a:effectRef>
+          <a:fontRef idx="minor">
+            <a:schemeClr val="lt1"/>
+          </a:fontRef>
+        </p:style>
+      </p:cxnSp>
+      <p:sp>
+        <p:nvSpPr>
+          <p:cNvPr id="19" name="ZoneTexte 18"/>
+          <p:cNvSpPr txBox="1"/>
+          <p:nvPr/>
+        </p:nvSpPr>
+        <p:spPr>
+          <a:xfrm>
+            <a:off x="1691680" y="1772816"/>
+            <a:ext cx="504056" cy="205184"/>
+          </a:xfrm>
+          <a:prstGeom prst="rect">
+            <a:avLst/>
+          </a:prstGeom>
+          <a:noFill/>
+        </p:spPr>
+        <p:txBody>
+          <a:bodyPr wrap="square" rtlCol="0">
+            <a:spAutoFit/>
+          </a:bodyPr>
+          <a:lstStyle/>
+          <a:p>
+            <a:r>
+              <a:rPr lang="fr-FR" sz="1100" baseline="-25000" dirty="0" smtClean="0"/>
+              <a:t>+6 V</a:t>
+            </a:r>
+            <a:endParaRPr lang="fr-FR" sz="1100" baseline="-25000" dirty="0"/>
+          </a:p>
+        </p:txBody>
+      </p:sp>
+      <p:sp>
+        <p:nvSpPr>
+          <p:cNvPr id="20" name="ZoneTexte 19"/>
+          <p:cNvSpPr txBox="1"/>
+          <p:nvPr/>
+        </p:nvSpPr>
+        <p:spPr>
+          <a:xfrm>
+            <a:off x="1691680" y="1999680"/>
+            <a:ext cx="504056" cy="205184"/>
+          </a:xfrm>
+          <a:prstGeom prst="rect">
+            <a:avLst/>
+          </a:prstGeom>
+          <a:noFill/>
+        </p:spPr>
+        <p:txBody>
+          <a:bodyPr wrap="square" rtlCol="0">
+            <a:spAutoFit/>
+          </a:bodyPr>
+          <a:lstStyle/>
+          <a:p>
+            <a:r>
+              <a:rPr lang="fr-FR" sz="1100" baseline="-25000" dirty="0" smtClean="0"/>
+              <a:t>-6 V</a:t>
+            </a:r>
+            <a:endParaRPr lang="fr-FR" sz="1100" baseline="-25000" dirty="0"/>
+          </a:p>
+        </p:txBody>
+      </p:sp>
+      <p:sp>
+        <p:nvSpPr>
+          <p:cNvPr id="21" name="ZoneTexte 20"/>
+          <p:cNvSpPr txBox="1"/>
+          <p:nvPr/>
+        </p:nvSpPr>
+        <p:spPr>
+          <a:xfrm>
+            <a:off x="2051700" y="1700808"/>
+            <a:ext cx="504056" cy="205184"/>
+          </a:xfrm>
+          <a:prstGeom prst="rect">
+            <a:avLst/>
+          </a:prstGeom>
+          <a:noFill/>
+        </p:spPr>
+        <p:txBody>
+          <a:bodyPr wrap="square" rtlCol="0">
+            <a:spAutoFit/>
+          </a:bodyPr>
+          <a:lstStyle/>
+          <a:p>
+            <a:pPr algn="ctr"/>
+            <a:r>
+              <a:rPr lang="fr-FR" sz="1100" baseline="-25000" dirty="0" smtClean="0"/>
+              <a:t>R</a:t>
+            </a:r>
+            <a:endParaRPr lang="fr-FR" sz="1100" baseline="-25000" dirty="0"/>
+          </a:p>
+        </p:txBody>
+      </p:sp>
+      <p:sp>
+        <p:nvSpPr>
+          <p:cNvPr id="22" name="ZoneTexte 21"/>
+          <p:cNvSpPr txBox="1"/>
+          <p:nvPr/>
+        </p:nvSpPr>
+        <p:spPr>
+          <a:xfrm>
+            <a:off x="2051700" y="2204864"/>
+            <a:ext cx="504056" cy="205184"/>
+          </a:xfrm>
+          <a:prstGeom prst="rect">
+            <a:avLst/>
+          </a:prstGeom>
+          <a:noFill/>
+        </p:spPr>
+        <p:txBody>
+          <a:bodyPr wrap="square" rtlCol="0">
+            <a:spAutoFit/>
+          </a:bodyPr>
+          <a:lstStyle/>
+          <a:p>
+            <a:pPr algn="ctr"/>
+            <a:r>
+              <a:rPr lang="fr-FR" sz="1100" baseline="-25000" dirty="0" smtClean="0"/>
+              <a:t>R</a:t>
+            </a:r>
+            <a:endParaRPr lang="fr-FR" sz="1100" baseline="-25000" dirty="0"/>
+          </a:p>
+        </p:txBody>
+      </p:sp>
+      <p:cxnSp>
+        <p:nvCxnSpPr>
+          <p:cNvPr id="23" name="Connecteur droit 22"/>
+          <p:cNvCxnSpPr/>
+          <p:nvPr/>
+        </p:nvCxnSpPr>
+        <p:spPr>
+          <a:xfrm>
+            <a:off x="3021269" y="1628800"/>
+            <a:ext cx="0" cy="936104"/>
+          </a:xfrm>
+          <a:prstGeom prst="line">
+            <a:avLst/>
+          </a:prstGeom>
+          <a:noFill/>
+          <a:ln w="6350">
+            <a:solidFill>
+              <a:srgbClr val="0070C0"/>
+            </a:solidFill>
+            <a:prstDash val="lgDashDot"/>
           </a:ln>
         </p:spPr>
         <p:style>
@@ -3443,22 +4666,204 @@
       </p:cxnSp>
       <p:cxnSp>
         <p:nvCxnSpPr>
-          <p:cNvPr id="14" name="Connecteur droit 13"/>
+          <p:cNvPr id="29" name="Connecteur droit 28"/>
           <p:cNvCxnSpPr/>
           <p:nvPr/>
         </p:nvCxnSpPr>
         <p:spPr>
+          <a:xfrm rot="5400000">
+            <a:off x="3024955" y="1619101"/>
+            <a:ext cx="0" cy="936104"/>
+          </a:xfrm>
+          <a:prstGeom prst="line">
+            <a:avLst/>
+          </a:prstGeom>
+          <a:noFill/>
+          <a:ln w="6350">
+            <a:solidFill>
+              <a:srgbClr val="0070C0"/>
+            </a:solidFill>
+            <a:prstDash val="lgDashDot"/>
+          </a:ln>
+        </p:spPr>
+        <p:style>
+          <a:lnRef idx="2">
+            <a:schemeClr val="accent1">
+              <a:shade val="50000"/>
+            </a:schemeClr>
+          </a:lnRef>
+          <a:fillRef idx="1">
+            <a:schemeClr val="accent1"/>
+          </a:fillRef>
+          <a:effectRef idx="0">
+            <a:schemeClr val="accent1"/>
+          </a:effectRef>
+          <a:fontRef idx="minor">
+            <a:schemeClr val="lt1"/>
+          </a:fontRef>
+        </p:style>
+      </p:cxnSp>
+      <p:sp>
+        <p:nvSpPr>
+          <p:cNvPr id="30" name="Ellipse 29"/>
+          <p:cNvSpPr/>
+          <p:nvPr/>
+        </p:nvSpPr>
+        <p:spPr>
           <a:xfrm>
-            <a:off x="1709672" y="2295608"/>
-            <a:ext cx="1440160" cy="0"/>
-          </a:xfrm>
-          <a:prstGeom prst="line">
+            <a:off x="2975566" y="2041450"/>
+            <a:ext cx="91406" cy="91406"/>
+          </a:xfrm>
+          <a:prstGeom prst="ellipse">
             <a:avLst/>
           </a:prstGeom>
           <a:noFill/>
           <a:ln w="12700">
             <a:solidFill>
-              <a:srgbClr val="0070C0"/>
+              <a:schemeClr val="accent6">
+                <a:lumMod val="75000"/>
+              </a:schemeClr>
+            </a:solidFill>
+          </a:ln>
+        </p:spPr>
+        <p:style>
+          <a:lnRef idx="2">
+            <a:schemeClr val="accent1">
+              <a:shade val="50000"/>
+            </a:schemeClr>
+          </a:lnRef>
+          <a:fillRef idx="1">
+            <a:schemeClr val="accent1"/>
+          </a:fillRef>
+          <a:effectRef idx="0">
+            <a:schemeClr val="accent1"/>
+          </a:effectRef>
+          <a:fontRef idx="minor">
+            <a:schemeClr val="lt1"/>
+          </a:fontRef>
+        </p:style>
+        <p:txBody>
+          <a:bodyPr rtlCol="0" anchor="ctr"/>
+          <a:lstStyle/>
+          <a:p>
+            <a:pPr algn="ctr"/>
+            <a:endParaRPr lang="fr-FR"/>
+          </a:p>
+        </p:txBody>
+      </p:sp>
+      <p:cxnSp>
+        <p:nvCxnSpPr>
+          <p:cNvPr id="31" name="Connecteur droit 30"/>
+          <p:cNvCxnSpPr/>
+          <p:nvPr/>
+        </p:nvCxnSpPr>
+        <p:spPr>
+          <a:xfrm flipV="1">
+            <a:off x="3024955" y="2132852"/>
+            <a:ext cx="0" cy="59157"/>
+          </a:xfrm>
+          <a:prstGeom prst="line">
+            <a:avLst/>
+          </a:prstGeom>
+          <a:noFill/>
+          <a:ln w="12700">
+            <a:solidFill>
+              <a:schemeClr val="accent6">
+                <a:lumMod val="75000"/>
+              </a:schemeClr>
+            </a:solidFill>
+          </a:ln>
+        </p:spPr>
+        <p:style>
+          <a:lnRef idx="2">
+            <a:schemeClr val="accent1">
+              <a:shade val="50000"/>
+            </a:schemeClr>
+          </a:lnRef>
+          <a:fillRef idx="1">
+            <a:schemeClr val="accent1"/>
+          </a:fillRef>
+          <a:effectRef idx="0">
+            <a:schemeClr val="accent1"/>
+          </a:effectRef>
+          <a:fontRef idx="minor">
+            <a:schemeClr val="lt1"/>
+          </a:fontRef>
+        </p:style>
+      </p:cxnSp>
+      <p:sp>
+        <p:nvSpPr>
+          <p:cNvPr id="32" name="Rectangle 31"/>
+          <p:cNvSpPr/>
+          <p:nvPr/>
+        </p:nvSpPr>
+        <p:spPr>
+          <a:xfrm rot="5400000">
+            <a:off x="3000533" y="2167587"/>
+            <a:ext cx="48843" cy="97686"/>
+          </a:xfrm>
+          <a:prstGeom prst="rect">
+            <a:avLst/>
+          </a:prstGeom>
+          <a:pattFill prst="ltUpDiag">
+            <a:fgClr>
+              <a:schemeClr val="accent6">
+                <a:lumMod val="50000"/>
+              </a:schemeClr>
+            </a:fgClr>
+            <a:bgClr>
+              <a:schemeClr val="bg1"/>
+            </a:bgClr>
+          </a:pattFill>
+          <a:ln w="12700">
+            <a:noFill/>
+          </a:ln>
+        </p:spPr>
+        <p:style>
+          <a:lnRef idx="2">
+            <a:schemeClr val="accent1">
+              <a:shade val="50000"/>
+            </a:schemeClr>
+          </a:lnRef>
+          <a:fillRef idx="1">
+            <a:schemeClr val="accent1"/>
+          </a:fillRef>
+          <a:effectRef idx="0">
+            <a:schemeClr val="accent1"/>
+          </a:effectRef>
+          <a:fontRef idx="minor">
+            <a:schemeClr val="lt1"/>
+          </a:fontRef>
+        </p:style>
+        <p:txBody>
+          <a:bodyPr rtlCol="0" anchor="ctr"/>
+          <a:lstStyle/>
+          <a:p>
+            <a:pPr algn="ctr"/>
+            <a:endParaRPr lang="fr-FR"/>
+          </a:p>
+        </p:txBody>
+      </p:sp>
+      <p:cxnSp>
+        <p:nvCxnSpPr>
+          <p:cNvPr id="33" name="Connecteur droit 32"/>
+          <p:cNvCxnSpPr/>
+          <p:nvPr/>
+        </p:nvCxnSpPr>
+        <p:spPr>
+          <a:xfrm rot="5400000" flipV="1">
+            <a:off x="3024955" y="2143166"/>
+            <a:ext cx="0" cy="97686"/>
+          </a:xfrm>
+          <a:prstGeom prst="line">
+            <a:avLst/>
+          </a:prstGeom>
+          <a:noFill/>
+          <a:ln w="12700">
+            <a:solidFill>
+              <a:schemeClr val="accent6">
+                <a:lumMod val="75000"/>
+              </a:schemeClr>
             </a:solidFill>
           </a:ln>
         </p:spPr>
@@ -3481,14 +4886,16 @@
       </p:cxnSp>
       <p:cxnSp>
         <p:nvCxnSpPr>
-          <p:cNvPr id="20" name="Connecteur droit 19"/>
-          <p:cNvCxnSpPr/>
+          <p:cNvPr id="37" name="Connecteur droit 36"/>
+          <p:cNvCxnSpPr>
+            <a:endCxn id="30" idx="7"/>
+          </p:cNvCxnSpPr>
           <p:nvPr/>
         </p:nvCxnSpPr>
         <p:spPr>
-          <a:xfrm>
-            <a:off x="1709672" y="980728"/>
-            <a:ext cx="1440160" cy="0"/>
+          <a:xfrm flipH="1">
+            <a:off x="3053586" y="1803400"/>
+            <a:ext cx="222270" cy="251436"/>
           </a:xfrm>
           <a:prstGeom prst="line">
             <a:avLst/>
@@ -3497,6 +4904,1307 @@
           <a:ln w="12700">
             <a:solidFill>
               <a:srgbClr val="0070C0"/>
+            </a:solidFill>
+          </a:ln>
+        </p:spPr>
+        <p:style>
+          <a:lnRef idx="2">
+            <a:schemeClr val="accent1">
+              <a:shade val="50000"/>
+            </a:schemeClr>
+          </a:lnRef>
+          <a:fillRef idx="1">
+            <a:schemeClr val="accent1"/>
+          </a:fillRef>
+          <a:effectRef idx="0">
+            <a:schemeClr val="accent1"/>
+          </a:effectRef>
+          <a:fontRef idx="minor">
+            <a:schemeClr val="lt1"/>
+          </a:fontRef>
+        </p:style>
+      </p:cxnSp>
+      <p:cxnSp>
+        <p:nvCxnSpPr>
+          <p:cNvPr id="41" name="Connecteur droit 40"/>
+          <p:cNvCxnSpPr/>
+          <p:nvPr/>
+        </p:nvCxnSpPr>
+        <p:spPr>
+          <a:xfrm flipH="1">
+            <a:off x="3301874" y="1628800"/>
+            <a:ext cx="127312" cy="144016"/>
+          </a:xfrm>
+          <a:prstGeom prst="line">
+            <a:avLst/>
+          </a:prstGeom>
+          <a:noFill/>
+          <a:ln w="12700">
+            <a:solidFill>
+              <a:srgbClr val="0070C0"/>
+            </a:solidFill>
+            <a:tailEnd type="stealth" w="sm" len="med"/>
+          </a:ln>
+        </p:spPr>
+        <p:style>
+          <a:lnRef idx="2">
+            <a:schemeClr val="accent1">
+              <a:shade val="50000"/>
+            </a:schemeClr>
+          </a:lnRef>
+          <a:fillRef idx="1">
+            <a:schemeClr val="accent1"/>
+          </a:fillRef>
+          <a:effectRef idx="0">
+            <a:schemeClr val="accent1"/>
+          </a:effectRef>
+          <a:fontRef idx="minor">
+            <a:schemeClr val="lt1"/>
+          </a:fontRef>
+        </p:style>
+      </p:cxnSp>
+      <p:cxnSp>
+        <p:nvCxnSpPr>
+          <p:cNvPr id="45" name="Connecteur droit 44"/>
+          <p:cNvCxnSpPr/>
+          <p:nvPr/>
+        </p:nvCxnSpPr>
+        <p:spPr>
+          <a:xfrm>
+            <a:off x="3429186" y="1628800"/>
+            <a:ext cx="134702" cy="0"/>
+          </a:xfrm>
+          <a:prstGeom prst="line">
+            <a:avLst/>
+          </a:prstGeom>
+          <a:noFill/>
+          <a:ln w="12700">
+            <a:solidFill>
+              <a:srgbClr val="0070C0"/>
+            </a:solidFill>
+          </a:ln>
+        </p:spPr>
+        <p:style>
+          <a:lnRef idx="2">
+            <a:schemeClr val="accent1">
+              <a:shade val="50000"/>
+            </a:schemeClr>
+          </a:lnRef>
+          <a:fillRef idx="1">
+            <a:schemeClr val="accent1"/>
+          </a:fillRef>
+          <a:effectRef idx="0">
+            <a:schemeClr val="accent1"/>
+          </a:effectRef>
+          <a:fontRef idx="minor">
+            <a:schemeClr val="lt1"/>
+          </a:fontRef>
+        </p:style>
+      </p:cxnSp>
+      <p:sp>
+        <p:nvSpPr>
+          <p:cNvPr id="48" name="Ellipse 47"/>
+          <p:cNvSpPr/>
+          <p:nvPr/>
+        </p:nvSpPr>
+        <p:spPr>
+          <a:xfrm>
+            <a:off x="3549770" y="1594892"/>
+            <a:ext cx="67816" cy="67816"/>
+          </a:xfrm>
+          <a:prstGeom prst="ellipse">
+            <a:avLst/>
+          </a:prstGeom>
+          <a:solidFill>
+            <a:srgbClr val="0070C0"/>
+          </a:solidFill>
+          <a:ln>
+            <a:noFill/>
+          </a:ln>
+        </p:spPr>
+        <p:style>
+          <a:lnRef idx="2">
+            <a:schemeClr val="accent1">
+              <a:shade val="50000"/>
+            </a:schemeClr>
+          </a:lnRef>
+          <a:fillRef idx="1">
+            <a:schemeClr val="accent1"/>
+          </a:fillRef>
+          <a:effectRef idx="0">
+            <a:schemeClr val="accent1"/>
+          </a:effectRef>
+          <a:fontRef idx="minor">
+            <a:schemeClr val="lt1"/>
+          </a:fontRef>
+        </p:style>
+        <p:txBody>
+          <a:bodyPr rtlCol="0" anchor="ctr"/>
+          <a:lstStyle/>
+          <a:p>
+            <a:pPr algn="ctr"/>
+            <a:endParaRPr lang="fr-FR"/>
+          </a:p>
+        </p:txBody>
+      </p:sp>
+      <p:sp>
+        <p:nvSpPr>
+          <p:cNvPr id="49" name="ZoneTexte 48"/>
+          <p:cNvSpPr txBox="1"/>
+          <p:nvPr/>
+        </p:nvSpPr>
+        <p:spPr>
+          <a:xfrm>
+            <a:off x="3447769" y="1367190"/>
+            <a:ext cx="504056" cy="261610"/>
+          </a:xfrm>
+          <a:prstGeom prst="rect">
+            <a:avLst/>
+          </a:prstGeom>
+          <a:noFill/>
+          <a:ln>
+            <a:noFill/>
+          </a:ln>
+        </p:spPr>
+        <p:txBody>
+          <a:bodyPr wrap="square" rtlCol="0">
+            <a:spAutoFit/>
+          </a:bodyPr>
+          <a:lstStyle/>
+          <a:p>
+            <a:r>
+              <a:rPr lang="fr-FR" sz="1100" dirty="0" smtClean="0"/>
+              <a:t>B</a:t>
+            </a:r>
+            <a:endParaRPr lang="fr-FR" sz="1100" baseline="-25000" dirty="0"/>
+          </a:p>
+        </p:txBody>
+      </p:sp>
+      <p:cxnSp>
+        <p:nvCxnSpPr>
+          <p:cNvPr id="50" name="Connecteur droit 49"/>
+          <p:cNvCxnSpPr/>
+          <p:nvPr/>
+        </p:nvCxnSpPr>
+        <p:spPr>
+          <a:xfrm flipV="1">
+            <a:off x="3573590" y="2587664"/>
+            <a:ext cx="0" cy="130805"/>
+          </a:xfrm>
+          <a:prstGeom prst="line">
+            <a:avLst/>
+          </a:prstGeom>
+          <a:noFill/>
+          <a:ln w="12700">
+            <a:solidFill>
+              <a:srgbClr val="0070C0"/>
+            </a:solidFill>
+          </a:ln>
+        </p:spPr>
+        <p:style>
+          <a:lnRef idx="2">
+            <a:schemeClr val="accent1">
+              <a:shade val="50000"/>
+            </a:schemeClr>
+          </a:lnRef>
+          <a:fillRef idx="1">
+            <a:schemeClr val="accent1"/>
+          </a:fillRef>
+          <a:effectRef idx="0">
+            <a:schemeClr val="accent1"/>
+          </a:effectRef>
+          <a:fontRef idx="minor">
+            <a:schemeClr val="lt1"/>
+          </a:fontRef>
+        </p:style>
+      </p:cxnSp>
+      <p:sp>
+        <p:nvSpPr>
+          <p:cNvPr id="51" name="Ellipse 50"/>
+          <p:cNvSpPr/>
+          <p:nvPr/>
+        </p:nvSpPr>
+        <p:spPr>
+          <a:xfrm>
+            <a:off x="3540426" y="2553756"/>
+            <a:ext cx="67816" cy="67816"/>
+          </a:xfrm>
+          <a:prstGeom prst="ellipse">
+            <a:avLst/>
+          </a:prstGeom>
+          <a:solidFill>
+            <a:srgbClr val="0070C0"/>
+          </a:solidFill>
+          <a:ln>
+            <a:noFill/>
+          </a:ln>
+        </p:spPr>
+        <p:style>
+          <a:lnRef idx="2">
+            <a:schemeClr val="accent1">
+              <a:shade val="50000"/>
+            </a:schemeClr>
+          </a:lnRef>
+          <a:fillRef idx="1">
+            <a:schemeClr val="accent1"/>
+          </a:fillRef>
+          <a:effectRef idx="0">
+            <a:schemeClr val="accent1"/>
+          </a:effectRef>
+          <a:fontRef idx="minor">
+            <a:schemeClr val="lt1"/>
+          </a:fontRef>
+        </p:style>
+        <p:txBody>
+          <a:bodyPr rtlCol="0" anchor="ctr"/>
+          <a:lstStyle/>
+          <a:p>
+            <a:pPr algn="ctr"/>
+            <a:endParaRPr lang="fr-FR"/>
+          </a:p>
+        </p:txBody>
+      </p:sp>
+      <p:sp>
+        <p:nvSpPr>
+          <p:cNvPr id="52" name="ZoneTexte 51"/>
+          <p:cNvSpPr txBox="1"/>
+          <p:nvPr/>
+        </p:nvSpPr>
+        <p:spPr>
+          <a:xfrm>
+            <a:off x="3429186" y="2348880"/>
+            <a:ext cx="290905" cy="205184"/>
+          </a:xfrm>
+          <a:prstGeom prst="rect">
+            <a:avLst/>
+          </a:prstGeom>
+          <a:noFill/>
+        </p:spPr>
+        <p:txBody>
+          <a:bodyPr wrap="square" rtlCol="0">
+            <a:spAutoFit/>
+          </a:bodyPr>
+          <a:lstStyle/>
+          <a:p>
+            <a:pPr algn="ctr"/>
+            <a:r>
+              <a:rPr lang="fr-FR" sz="1100" baseline="-25000" dirty="0" smtClean="0"/>
+              <a:t>M</a:t>
+            </a:r>
+            <a:endParaRPr lang="fr-FR" sz="1100" baseline="-25000" dirty="0"/>
+          </a:p>
+        </p:txBody>
+      </p:sp>
+      <p:sp>
+        <p:nvSpPr>
+          <p:cNvPr id="53" name="Rectangle 52"/>
+          <p:cNvSpPr/>
+          <p:nvPr/>
+        </p:nvSpPr>
+        <p:spPr>
+          <a:xfrm rot="5400000">
+            <a:off x="3519590" y="2664469"/>
+            <a:ext cx="108000" cy="216000"/>
+          </a:xfrm>
+          <a:prstGeom prst="rect">
+            <a:avLst/>
+          </a:prstGeom>
+          <a:pattFill prst="ltUpDiag">
+            <a:fgClr>
+              <a:schemeClr val="accent1"/>
+            </a:fgClr>
+            <a:bgClr>
+              <a:schemeClr val="bg1"/>
+            </a:bgClr>
+          </a:pattFill>
+          <a:ln w="12700">
+            <a:noFill/>
+          </a:ln>
+        </p:spPr>
+        <p:style>
+          <a:lnRef idx="2">
+            <a:schemeClr val="accent1">
+              <a:shade val="50000"/>
+            </a:schemeClr>
+          </a:lnRef>
+          <a:fillRef idx="1">
+            <a:schemeClr val="accent1"/>
+          </a:fillRef>
+          <a:effectRef idx="0">
+            <a:schemeClr val="accent1"/>
+          </a:effectRef>
+          <a:fontRef idx="minor">
+            <a:schemeClr val="lt1"/>
+          </a:fontRef>
+        </p:style>
+        <p:txBody>
+          <a:bodyPr rtlCol="0" anchor="ctr"/>
+          <a:lstStyle/>
+          <a:p>
+            <a:pPr algn="ctr"/>
+            <a:endParaRPr lang="fr-FR"/>
+          </a:p>
+        </p:txBody>
+      </p:sp>
+      <p:cxnSp>
+        <p:nvCxnSpPr>
+          <p:cNvPr id="54" name="Connecteur droit 53"/>
+          <p:cNvCxnSpPr/>
+          <p:nvPr/>
+        </p:nvCxnSpPr>
+        <p:spPr>
+          <a:xfrm rot="5400000" flipV="1">
+            <a:off x="3573590" y="2610469"/>
+            <a:ext cx="0" cy="216000"/>
+          </a:xfrm>
+          <a:prstGeom prst="line">
+            <a:avLst/>
+          </a:prstGeom>
+          <a:noFill/>
+          <a:ln w="12700">
+            <a:solidFill>
+              <a:srgbClr val="0070C0"/>
+            </a:solidFill>
+          </a:ln>
+        </p:spPr>
+        <p:style>
+          <a:lnRef idx="2">
+            <a:schemeClr val="accent1">
+              <a:shade val="50000"/>
+            </a:schemeClr>
+          </a:lnRef>
+          <a:fillRef idx="1">
+            <a:schemeClr val="accent1"/>
+          </a:fillRef>
+          <a:effectRef idx="0">
+            <a:schemeClr val="accent1"/>
+          </a:effectRef>
+          <a:fontRef idx="minor">
+            <a:schemeClr val="lt1"/>
+          </a:fontRef>
+        </p:style>
+      </p:cxnSp>
+      <p:cxnSp>
+        <p:nvCxnSpPr>
+          <p:cNvPr id="55" name="Connecteur droit 54"/>
+          <p:cNvCxnSpPr/>
+          <p:nvPr/>
+        </p:nvCxnSpPr>
+        <p:spPr>
+          <a:xfrm flipV="1">
+            <a:off x="3681590" y="1636366"/>
+            <a:ext cx="0" cy="951298"/>
+          </a:xfrm>
+          <a:prstGeom prst="line">
+            <a:avLst/>
+          </a:prstGeom>
+          <a:noFill/>
+          <a:ln w="12700">
+            <a:solidFill>
+              <a:srgbClr val="0070C0"/>
+            </a:solidFill>
+            <a:tailEnd type="stealth" w="med" len="lg"/>
+          </a:ln>
+        </p:spPr>
+        <p:style>
+          <a:lnRef idx="2">
+            <a:schemeClr val="accent1">
+              <a:shade val="50000"/>
+            </a:schemeClr>
+          </a:lnRef>
+          <a:fillRef idx="1">
+            <a:schemeClr val="accent1"/>
+          </a:fillRef>
+          <a:effectRef idx="0">
+            <a:schemeClr val="accent1"/>
+          </a:effectRef>
+          <a:fontRef idx="minor">
+            <a:schemeClr val="lt1"/>
+          </a:fontRef>
+        </p:style>
+      </p:cxnSp>
+      <p:sp>
+        <p:nvSpPr>
+          <p:cNvPr id="57" name="ZoneTexte 56"/>
+          <p:cNvSpPr txBox="1"/>
+          <p:nvPr/>
+        </p:nvSpPr>
+        <p:spPr>
+          <a:xfrm>
+            <a:off x="3706818" y="1979242"/>
+            <a:ext cx="504056" cy="261610"/>
+          </a:xfrm>
+          <a:prstGeom prst="rect">
+            <a:avLst/>
+          </a:prstGeom>
+          <a:noFill/>
+        </p:spPr>
+        <p:txBody>
+          <a:bodyPr wrap="square" rtlCol="0">
+            <a:spAutoFit/>
+          </a:bodyPr>
+          <a:lstStyle/>
+          <a:p>
+            <a:r>
+              <a:rPr lang="fr-FR" sz="1100" dirty="0" smtClean="0"/>
+              <a:t>V</a:t>
+            </a:r>
+            <a:r>
+              <a:rPr lang="fr-FR" sz="1100" baseline="-25000" dirty="0" smtClean="0"/>
+              <a:t>S</a:t>
+            </a:r>
+            <a:endParaRPr lang="fr-FR" sz="1100" baseline="-25000" dirty="0"/>
+          </a:p>
+        </p:txBody>
+      </p:sp>
+      <p:sp>
+        <p:nvSpPr>
+          <p:cNvPr id="58" name="Bulle ronde 57"/>
+          <p:cNvSpPr/>
+          <p:nvPr/>
+        </p:nvSpPr>
+        <p:spPr>
+          <a:xfrm>
+            <a:off x="2897904" y="1990063"/>
+            <a:ext cx="248905" cy="286789"/>
+          </a:xfrm>
+          <a:prstGeom prst="wedgeEllipseCallout">
+            <a:avLst>
+              <a:gd name="adj1" fmla="val -179753"/>
+              <a:gd name="adj2" fmla="val 140447"/>
+            </a:avLst>
+          </a:prstGeom>
+          <a:noFill/>
+          <a:ln w="6350">
+            <a:solidFill>
+              <a:schemeClr val="accent6"/>
+            </a:solidFill>
+            <a:prstDash val="dash"/>
+          </a:ln>
+        </p:spPr>
+        <p:style>
+          <a:lnRef idx="2">
+            <a:schemeClr val="accent1">
+              <a:shade val="50000"/>
+            </a:schemeClr>
+          </a:lnRef>
+          <a:fillRef idx="1">
+            <a:schemeClr val="accent1"/>
+          </a:fillRef>
+          <a:effectRef idx="0">
+            <a:schemeClr val="accent1"/>
+          </a:effectRef>
+          <a:fontRef idx="minor">
+            <a:schemeClr val="lt1"/>
+          </a:fontRef>
+        </p:style>
+        <p:txBody>
+          <a:bodyPr rtlCol="0" anchor="ctr"/>
+          <a:lstStyle/>
+          <a:p>
+            <a:pPr algn="ctr"/>
+            <a:endParaRPr lang="fr-FR"/>
+          </a:p>
+        </p:txBody>
+      </p:sp>
+      <p:sp>
+        <p:nvSpPr>
+          <p:cNvPr id="60" name="ZoneTexte 59"/>
+          <p:cNvSpPr txBox="1"/>
+          <p:nvPr/>
+        </p:nvSpPr>
+        <p:spPr>
+          <a:xfrm>
+            <a:off x="1475656" y="2456859"/>
+            <a:ext cx="1368152" cy="430887"/>
+          </a:xfrm>
+          <a:prstGeom prst="rect">
+            <a:avLst/>
+          </a:prstGeom>
+          <a:noFill/>
+        </p:spPr>
+        <p:txBody>
+          <a:bodyPr wrap="square" rtlCol="0">
+            <a:spAutoFit/>
+          </a:bodyPr>
+          <a:lstStyle/>
+          <a:p>
+            <a:r>
+              <a:rPr lang="fr-FR" sz="1100" dirty="0" smtClean="0"/>
+              <a:t>Masse mécanique (bâti)</a:t>
+            </a:r>
+            <a:endParaRPr lang="fr-FR" sz="1100" baseline="-25000" dirty="0"/>
+          </a:p>
+        </p:txBody>
+      </p:sp>
+      <p:sp>
+        <p:nvSpPr>
+          <p:cNvPr id="61" name="ZoneTexte 60"/>
+          <p:cNvSpPr txBox="1"/>
+          <p:nvPr/>
+        </p:nvSpPr>
+        <p:spPr>
+          <a:xfrm>
+            <a:off x="4004283" y="2553756"/>
+            <a:ext cx="1368152" cy="261610"/>
+          </a:xfrm>
+          <a:prstGeom prst="rect">
+            <a:avLst/>
+          </a:prstGeom>
+          <a:noFill/>
+        </p:spPr>
+        <p:txBody>
+          <a:bodyPr wrap="square" rtlCol="0">
+            <a:spAutoFit/>
+          </a:bodyPr>
+          <a:lstStyle/>
+          <a:p>
+            <a:r>
+              <a:rPr lang="fr-FR" sz="1100" dirty="0" smtClean="0"/>
+              <a:t>Masse électrique</a:t>
+            </a:r>
+            <a:endParaRPr lang="fr-FR" sz="1100" baseline="-25000" dirty="0"/>
+          </a:p>
+        </p:txBody>
+      </p:sp>
+      <p:sp>
+        <p:nvSpPr>
+          <p:cNvPr id="62" name="Bulle ronde 61"/>
+          <p:cNvSpPr/>
+          <p:nvPr/>
+        </p:nvSpPr>
+        <p:spPr>
+          <a:xfrm>
+            <a:off x="3449137" y="2431680"/>
+            <a:ext cx="248905" cy="286789"/>
+          </a:xfrm>
+          <a:prstGeom prst="wedgeEllipseCallout">
+            <a:avLst>
+              <a:gd name="adj1" fmla="val 167611"/>
+              <a:gd name="adj2" fmla="val 37850"/>
+            </a:avLst>
+          </a:prstGeom>
+          <a:noFill/>
+          <a:ln w="6350">
+            <a:solidFill>
+              <a:srgbClr val="0070C0"/>
+            </a:solidFill>
+            <a:prstDash val="dash"/>
+          </a:ln>
+        </p:spPr>
+        <p:style>
+          <a:lnRef idx="2">
+            <a:schemeClr val="accent1">
+              <a:shade val="50000"/>
+            </a:schemeClr>
+          </a:lnRef>
+          <a:fillRef idx="1">
+            <a:schemeClr val="accent1"/>
+          </a:fillRef>
+          <a:effectRef idx="0">
+            <a:schemeClr val="accent1"/>
+          </a:effectRef>
+          <a:fontRef idx="minor">
+            <a:schemeClr val="lt1"/>
+          </a:fontRef>
+        </p:style>
+        <p:txBody>
+          <a:bodyPr rtlCol="0" anchor="ctr"/>
+          <a:lstStyle/>
+          <a:p>
+            <a:pPr algn="ctr"/>
+            <a:endParaRPr lang="fr-FR"/>
+          </a:p>
+        </p:txBody>
+      </p:sp>
+    </p:spTree>
+    <p:extLst>
+      <p:ext uri="{BB962C8B-B14F-4D97-AF65-F5344CB8AC3E}">
+        <p14:creationId xmlns:p14="http://schemas.microsoft.com/office/powerpoint/2010/main" val="2633434160"/>
+      </p:ext>
+    </p:extLst>
+  </p:cSld>
+  <p:clrMapOvr>
+    <a:masterClrMapping/>
+  </p:clrMapOvr>
+</p:sld>
+</file>
+
+<file path=ppt/slides/slide3.xml><?xml version="1.0" encoding="utf-8"?>
+<p:sld xmlns:a="http://schemas.openxmlformats.org/drawingml/2006/main" xmlns:r="http://schemas.openxmlformats.org/officeDocument/2006/relationships" xmlns:p="http://schemas.openxmlformats.org/presentationml/2006/main">
+  <p:cSld>
+    <p:spTree>
+      <p:nvGrpSpPr>
+        <p:cNvPr id="1" name=""/>
+        <p:cNvGrpSpPr/>
+        <p:nvPr/>
+      </p:nvGrpSpPr>
+      <p:grpSpPr>
+        <a:xfrm>
+          <a:off x="0" y="0"/>
+          <a:ext cx="0" cy="0"/>
+          <a:chOff x="0" y="0"/>
+          <a:chExt cx="0" cy="0"/>
+        </a:xfrm>
+      </p:grpSpPr>
+      <p:sp>
+        <p:nvSpPr>
+          <p:cNvPr id="4" name="Rectangle 3"/>
+          <p:cNvSpPr/>
+          <p:nvPr/>
+        </p:nvSpPr>
+        <p:spPr>
+          <a:xfrm rot="5400000">
+            <a:off x="2213728" y="1795512"/>
+            <a:ext cx="180000" cy="360000"/>
+          </a:xfrm>
+          <a:prstGeom prst="rect">
+            <a:avLst/>
+          </a:prstGeom>
+          <a:noFill/>
+          <a:ln w="12700">
+            <a:solidFill>
+              <a:srgbClr val="0070C0"/>
+            </a:solidFill>
+          </a:ln>
+        </p:spPr>
+        <p:style>
+          <a:lnRef idx="2">
+            <a:schemeClr val="accent1">
+              <a:shade val="50000"/>
+            </a:schemeClr>
+          </a:lnRef>
+          <a:fillRef idx="1">
+            <a:schemeClr val="accent1"/>
+          </a:fillRef>
+          <a:effectRef idx="0">
+            <a:schemeClr val="accent1"/>
+          </a:effectRef>
+          <a:fontRef idx="minor">
+            <a:schemeClr val="lt1"/>
+          </a:fontRef>
+        </p:style>
+        <p:txBody>
+          <a:bodyPr rtlCol="0" anchor="ctr"/>
+          <a:lstStyle/>
+          <a:p>
+            <a:pPr algn="ctr"/>
+            <a:endParaRPr lang="fr-FR"/>
+          </a:p>
+        </p:txBody>
+      </p:sp>
+      <p:cxnSp>
+        <p:nvCxnSpPr>
+          <p:cNvPr id="5" name="Connecteur droit 4"/>
+          <p:cNvCxnSpPr>
+            <a:endCxn id="4" idx="2"/>
+          </p:cNvCxnSpPr>
+          <p:nvPr/>
+        </p:nvCxnSpPr>
+        <p:spPr>
+          <a:xfrm>
+            <a:off x="1763688" y="1975512"/>
+            <a:ext cx="360040" cy="0"/>
+          </a:xfrm>
+          <a:prstGeom prst="line">
+            <a:avLst/>
+          </a:prstGeom>
+          <a:noFill/>
+          <a:ln w="12700">
+            <a:solidFill>
+              <a:srgbClr val="0070C0"/>
+            </a:solidFill>
+          </a:ln>
+        </p:spPr>
+        <p:style>
+          <a:lnRef idx="2">
+            <a:schemeClr val="accent1">
+              <a:shade val="50000"/>
+            </a:schemeClr>
+          </a:lnRef>
+          <a:fillRef idx="1">
+            <a:schemeClr val="accent1"/>
+          </a:fillRef>
+          <a:effectRef idx="0">
+            <a:schemeClr val="accent1"/>
+          </a:effectRef>
+          <a:fontRef idx="minor">
+            <a:schemeClr val="lt1"/>
+          </a:fontRef>
+        </p:style>
+      </p:cxnSp>
+      <p:cxnSp>
+        <p:nvCxnSpPr>
+          <p:cNvPr id="6" name="Connecteur droit 5"/>
+          <p:cNvCxnSpPr/>
+          <p:nvPr/>
+        </p:nvCxnSpPr>
+        <p:spPr>
+          <a:xfrm flipV="1">
+            <a:off x="2483728" y="1979628"/>
+            <a:ext cx="146350" cy="0"/>
+          </a:xfrm>
+          <a:prstGeom prst="line">
+            <a:avLst/>
+          </a:prstGeom>
+          <a:noFill/>
+          <a:ln w="12700">
+            <a:solidFill>
+              <a:srgbClr val="0070C0"/>
+            </a:solidFill>
+          </a:ln>
+        </p:spPr>
+        <p:style>
+          <a:lnRef idx="2">
+            <a:schemeClr val="accent1">
+              <a:shade val="50000"/>
+            </a:schemeClr>
+          </a:lnRef>
+          <a:fillRef idx="1">
+            <a:schemeClr val="accent1"/>
+          </a:fillRef>
+          <a:effectRef idx="0">
+            <a:schemeClr val="accent1"/>
+          </a:effectRef>
+          <a:fontRef idx="minor">
+            <a:schemeClr val="lt1"/>
+          </a:fontRef>
+        </p:style>
+      </p:cxnSp>
+      <p:sp>
+        <p:nvSpPr>
+          <p:cNvPr id="7" name="Arc 6"/>
+          <p:cNvSpPr/>
+          <p:nvPr/>
+        </p:nvSpPr>
+        <p:spPr>
+          <a:xfrm>
+            <a:off x="2625225" y="1700808"/>
+            <a:ext cx="792088" cy="792088"/>
+          </a:xfrm>
+          <a:prstGeom prst="arc">
+            <a:avLst>
+              <a:gd name="adj1" fmla="val 11797105"/>
+              <a:gd name="adj2" fmla="val 9987642"/>
+            </a:avLst>
+          </a:prstGeom>
+          <a:noFill/>
+          <a:ln w="38100" cmpd="dbl">
+            <a:solidFill>
+              <a:srgbClr val="0070C0"/>
+            </a:solidFill>
+          </a:ln>
+        </p:spPr>
+        <p:style>
+          <a:lnRef idx="2">
+            <a:schemeClr val="accent1">
+              <a:shade val="50000"/>
+            </a:schemeClr>
+          </a:lnRef>
+          <a:fillRef idx="1">
+            <a:schemeClr val="accent1"/>
+          </a:fillRef>
+          <a:effectRef idx="0">
+            <a:schemeClr val="accent1"/>
+          </a:effectRef>
+          <a:fontRef idx="minor">
+            <a:schemeClr val="lt1"/>
+          </a:fontRef>
+        </p:style>
+        <p:txBody>
+          <a:bodyPr rtlCol="0" anchor="ctr"/>
+          <a:lstStyle/>
+          <a:p>
+            <a:pPr algn="ctr"/>
+            <a:endParaRPr lang="fr-FR" dirty="0"/>
+          </a:p>
+        </p:txBody>
+      </p:sp>
+      <p:sp>
+        <p:nvSpPr>
+          <p:cNvPr id="8" name="Rectangle 7"/>
+          <p:cNvSpPr/>
+          <p:nvPr/>
+        </p:nvSpPr>
+        <p:spPr>
+          <a:xfrm rot="5400000">
+            <a:off x="2213728" y="2006852"/>
+            <a:ext cx="180000" cy="360000"/>
+          </a:xfrm>
+          <a:prstGeom prst="rect">
+            <a:avLst/>
+          </a:prstGeom>
+          <a:noFill/>
+          <a:ln w="12700">
+            <a:solidFill>
+              <a:srgbClr val="0070C0"/>
+            </a:solidFill>
+          </a:ln>
+        </p:spPr>
+        <p:style>
+          <a:lnRef idx="2">
+            <a:schemeClr val="accent1">
+              <a:shade val="50000"/>
+            </a:schemeClr>
+          </a:lnRef>
+          <a:fillRef idx="1">
+            <a:schemeClr val="accent1"/>
+          </a:fillRef>
+          <a:effectRef idx="0">
+            <a:schemeClr val="accent1"/>
+          </a:effectRef>
+          <a:fontRef idx="minor">
+            <a:schemeClr val="lt1"/>
+          </a:fontRef>
+        </p:style>
+        <p:txBody>
+          <a:bodyPr rtlCol="0" anchor="ctr"/>
+          <a:lstStyle/>
+          <a:p>
+            <a:pPr algn="ctr"/>
+            <a:endParaRPr lang="fr-FR"/>
+          </a:p>
+        </p:txBody>
+      </p:sp>
+      <p:cxnSp>
+        <p:nvCxnSpPr>
+          <p:cNvPr id="9" name="Connecteur droit 8"/>
+          <p:cNvCxnSpPr>
+            <a:endCxn id="8" idx="2"/>
+          </p:cNvCxnSpPr>
+          <p:nvPr/>
+        </p:nvCxnSpPr>
+        <p:spPr>
+          <a:xfrm>
+            <a:off x="1763688" y="2186852"/>
+            <a:ext cx="360040" cy="0"/>
+          </a:xfrm>
+          <a:prstGeom prst="line">
+            <a:avLst/>
+          </a:prstGeom>
+          <a:noFill/>
+          <a:ln w="12700">
+            <a:solidFill>
+              <a:srgbClr val="0070C0"/>
+            </a:solidFill>
+          </a:ln>
+        </p:spPr>
+        <p:style>
+          <a:lnRef idx="2">
+            <a:schemeClr val="accent1">
+              <a:shade val="50000"/>
+            </a:schemeClr>
+          </a:lnRef>
+          <a:fillRef idx="1">
+            <a:schemeClr val="accent1"/>
+          </a:fillRef>
+          <a:effectRef idx="0">
+            <a:schemeClr val="accent1"/>
+          </a:effectRef>
+          <a:fontRef idx="minor">
+            <a:schemeClr val="lt1"/>
+          </a:fontRef>
+        </p:style>
+      </p:cxnSp>
+      <p:cxnSp>
+        <p:nvCxnSpPr>
+          <p:cNvPr id="10" name="Connecteur droit 9"/>
+          <p:cNvCxnSpPr/>
+          <p:nvPr/>
+        </p:nvCxnSpPr>
+        <p:spPr>
+          <a:xfrm flipV="1">
+            <a:off x="2483728" y="2190968"/>
+            <a:ext cx="146350" cy="0"/>
+          </a:xfrm>
+          <a:prstGeom prst="line">
+            <a:avLst/>
+          </a:prstGeom>
+          <a:noFill/>
+          <a:ln w="12700">
+            <a:solidFill>
+              <a:srgbClr val="0070C0"/>
+            </a:solidFill>
+          </a:ln>
+        </p:spPr>
+        <p:style>
+          <a:lnRef idx="2">
+            <a:schemeClr val="accent1">
+              <a:shade val="50000"/>
+            </a:schemeClr>
+          </a:lnRef>
+          <a:fillRef idx="1">
+            <a:schemeClr val="accent1"/>
+          </a:fillRef>
+          <a:effectRef idx="0">
+            <a:schemeClr val="accent1"/>
+          </a:effectRef>
+          <a:fontRef idx="minor">
+            <a:schemeClr val="lt1"/>
+          </a:fontRef>
+        </p:style>
+      </p:cxnSp>
+      <p:sp>
+        <p:nvSpPr>
+          <p:cNvPr id="11" name="ZoneTexte 10"/>
+          <p:cNvSpPr txBox="1"/>
+          <p:nvPr/>
+        </p:nvSpPr>
+        <p:spPr>
+          <a:xfrm>
+            <a:off x="1691680" y="1772816"/>
+            <a:ext cx="504056" cy="205184"/>
+          </a:xfrm>
+          <a:prstGeom prst="rect">
+            <a:avLst/>
+          </a:prstGeom>
+          <a:noFill/>
+        </p:spPr>
+        <p:txBody>
+          <a:bodyPr wrap="square" rtlCol="0">
+            <a:spAutoFit/>
+          </a:bodyPr>
+          <a:lstStyle/>
+          <a:p>
+            <a:r>
+              <a:rPr lang="fr-FR" sz="1100" baseline="-25000" dirty="0" smtClean="0"/>
+              <a:t>+6 V</a:t>
+            </a:r>
+            <a:endParaRPr lang="fr-FR" sz="1100" baseline="-25000" dirty="0"/>
+          </a:p>
+        </p:txBody>
+      </p:sp>
+      <p:sp>
+        <p:nvSpPr>
+          <p:cNvPr id="12" name="ZoneTexte 11"/>
+          <p:cNvSpPr txBox="1"/>
+          <p:nvPr/>
+        </p:nvSpPr>
+        <p:spPr>
+          <a:xfrm>
+            <a:off x="1691680" y="1999680"/>
+            <a:ext cx="504056" cy="205184"/>
+          </a:xfrm>
+          <a:prstGeom prst="rect">
+            <a:avLst/>
+          </a:prstGeom>
+          <a:noFill/>
+        </p:spPr>
+        <p:txBody>
+          <a:bodyPr wrap="square" rtlCol="0">
+            <a:spAutoFit/>
+          </a:bodyPr>
+          <a:lstStyle/>
+          <a:p>
+            <a:r>
+              <a:rPr lang="fr-FR" sz="1100" baseline="-25000" dirty="0" smtClean="0"/>
+              <a:t>-6 V</a:t>
+            </a:r>
+            <a:endParaRPr lang="fr-FR" sz="1100" baseline="-25000" dirty="0"/>
+          </a:p>
+        </p:txBody>
+      </p:sp>
+      <p:sp>
+        <p:nvSpPr>
+          <p:cNvPr id="13" name="ZoneTexte 12"/>
+          <p:cNvSpPr txBox="1"/>
+          <p:nvPr/>
+        </p:nvSpPr>
+        <p:spPr>
+          <a:xfrm>
+            <a:off x="2051700" y="1700808"/>
+            <a:ext cx="504056" cy="205184"/>
+          </a:xfrm>
+          <a:prstGeom prst="rect">
+            <a:avLst/>
+          </a:prstGeom>
+          <a:noFill/>
+        </p:spPr>
+        <p:txBody>
+          <a:bodyPr wrap="square" rtlCol="0">
+            <a:spAutoFit/>
+          </a:bodyPr>
+          <a:lstStyle/>
+          <a:p>
+            <a:pPr algn="ctr"/>
+            <a:r>
+              <a:rPr lang="fr-FR" sz="1100" baseline="-25000" dirty="0" smtClean="0"/>
+              <a:t>R</a:t>
+            </a:r>
+            <a:endParaRPr lang="fr-FR" sz="1100" baseline="-25000" dirty="0"/>
+          </a:p>
+        </p:txBody>
+      </p:sp>
+      <p:sp>
+        <p:nvSpPr>
+          <p:cNvPr id="14" name="ZoneTexte 13"/>
+          <p:cNvSpPr txBox="1"/>
+          <p:nvPr/>
+        </p:nvSpPr>
+        <p:spPr>
+          <a:xfrm>
+            <a:off x="2051700" y="2204864"/>
+            <a:ext cx="504056" cy="205184"/>
+          </a:xfrm>
+          <a:prstGeom prst="rect">
+            <a:avLst/>
+          </a:prstGeom>
+          <a:noFill/>
+        </p:spPr>
+        <p:txBody>
+          <a:bodyPr wrap="square" rtlCol="0">
+            <a:spAutoFit/>
+          </a:bodyPr>
+          <a:lstStyle/>
+          <a:p>
+            <a:pPr algn="ctr"/>
+            <a:r>
+              <a:rPr lang="fr-FR" sz="1100" baseline="-25000" dirty="0" smtClean="0"/>
+              <a:t>R</a:t>
+            </a:r>
+            <a:endParaRPr lang="fr-FR" sz="1100" baseline="-25000" dirty="0"/>
+          </a:p>
+        </p:txBody>
+      </p:sp>
+      <p:cxnSp>
+        <p:nvCxnSpPr>
+          <p:cNvPr id="15" name="Connecteur droit 14"/>
+          <p:cNvCxnSpPr/>
+          <p:nvPr/>
+        </p:nvCxnSpPr>
+        <p:spPr>
+          <a:xfrm>
+            <a:off x="3021269" y="1628800"/>
+            <a:ext cx="0" cy="936104"/>
+          </a:xfrm>
+          <a:prstGeom prst="line">
+            <a:avLst/>
+          </a:prstGeom>
+          <a:noFill/>
+          <a:ln w="6350">
+            <a:solidFill>
+              <a:srgbClr val="0070C0"/>
+            </a:solidFill>
+            <a:prstDash val="lgDashDot"/>
+          </a:ln>
+        </p:spPr>
+        <p:style>
+          <a:lnRef idx="2">
+            <a:schemeClr val="accent1">
+              <a:shade val="50000"/>
+            </a:schemeClr>
+          </a:lnRef>
+          <a:fillRef idx="1">
+            <a:schemeClr val="accent1"/>
+          </a:fillRef>
+          <a:effectRef idx="0">
+            <a:schemeClr val="accent1"/>
+          </a:effectRef>
+          <a:fontRef idx="minor">
+            <a:schemeClr val="lt1"/>
+          </a:fontRef>
+        </p:style>
+      </p:cxnSp>
+      <p:cxnSp>
+        <p:nvCxnSpPr>
+          <p:cNvPr id="16" name="Connecteur droit 15"/>
+          <p:cNvCxnSpPr/>
+          <p:nvPr/>
+        </p:nvCxnSpPr>
+        <p:spPr>
+          <a:xfrm rot="5400000">
+            <a:off x="3024955" y="1619101"/>
+            <a:ext cx="0" cy="936104"/>
+          </a:xfrm>
+          <a:prstGeom prst="line">
+            <a:avLst/>
+          </a:prstGeom>
+          <a:noFill/>
+          <a:ln w="6350">
+            <a:solidFill>
+              <a:srgbClr val="0070C0"/>
+            </a:solidFill>
+            <a:prstDash val="lgDashDot"/>
+          </a:ln>
+        </p:spPr>
+        <p:style>
+          <a:lnRef idx="2">
+            <a:schemeClr val="accent1">
+              <a:shade val="50000"/>
+            </a:schemeClr>
+          </a:lnRef>
+          <a:fillRef idx="1">
+            <a:schemeClr val="accent1"/>
+          </a:fillRef>
+          <a:effectRef idx="0">
+            <a:schemeClr val="accent1"/>
+          </a:effectRef>
+          <a:fontRef idx="minor">
+            <a:schemeClr val="lt1"/>
+          </a:fontRef>
+        </p:style>
+      </p:cxnSp>
+      <p:sp>
+        <p:nvSpPr>
+          <p:cNvPr id="17" name="Ellipse 16"/>
+          <p:cNvSpPr/>
+          <p:nvPr/>
+        </p:nvSpPr>
+        <p:spPr>
+          <a:xfrm>
+            <a:off x="2975566" y="2041450"/>
+            <a:ext cx="91406" cy="91406"/>
+          </a:xfrm>
+          <a:prstGeom prst="ellipse">
+            <a:avLst/>
+          </a:prstGeom>
+          <a:noFill/>
+          <a:ln w="12700">
+            <a:solidFill>
+              <a:schemeClr val="accent6">
+                <a:lumMod val="75000"/>
+              </a:schemeClr>
+            </a:solidFill>
+          </a:ln>
+        </p:spPr>
+        <p:style>
+          <a:lnRef idx="2">
+            <a:schemeClr val="accent1">
+              <a:shade val="50000"/>
+            </a:schemeClr>
+          </a:lnRef>
+          <a:fillRef idx="1">
+            <a:schemeClr val="accent1"/>
+          </a:fillRef>
+          <a:effectRef idx="0">
+            <a:schemeClr val="accent1"/>
+          </a:effectRef>
+          <a:fontRef idx="minor">
+            <a:schemeClr val="lt1"/>
+          </a:fontRef>
+        </p:style>
+        <p:txBody>
+          <a:bodyPr rtlCol="0" anchor="ctr"/>
+          <a:lstStyle/>
+          <a:p>
+            <a:pPr algn="ctr"/>
+            <a:endParaRPr lang="fr-FR"/>
+          </a:p>
+        </p:txBody>
+      </p:sp>
+      <p:cxnSp>
+        <p:nvCxnSpPr>
+          <p:cNvPr id="18" name="Connecteur droit 17"/>
+          <p:cNvCxnSpPr/>
+          <p:nvPr/>
+        </p:nvCxnSpPr>
+        <p:spPr>
+          <a:xfrm flipV="1">
+            <a:off x="3024955" y="2132852"/>
+            <a:ext cx="0" cy="59157"/>
+          </a:xfrm>
+          <a:prstGeom prst="line">
+            <a:avLst/>
+          </a:prstGeom>
+          <a:noFill/>
+          <a:ln w="12700">
+            <a:solidFill>
+              <a:schemeClr val="accent6">
+                <a:lumMod val="75000"/>
+              </a:schemeClr>
+            </a:solidFill>
+          </a:ln>
+        </p:spPr>
+        <p:style>
+          <a:lnRef idx="2">
+            <a:schemeClr val="accent1">
+              <a:shade val="50000"/>
+            </a:schemeClr>
+          </a:lnRef>
+          <a:fillRef idx="1">
+            <a:schemeClr val="accent1"/>
+          </a:fillRef>
+          <a:effectRef idx="0">
+            <a:schemeClr val="accent1"/>
+          </a:effectRef>
+          <a:fontRef idx="minor">
+            <a:schemeClr val="lt1"/>
+          </a:fontRef>
+        </p:style>
+      </p:cxnSp>
+      <p:sp>
+        <p:nvSpPr>
+          <p:cNvPr id="19" name="Rectangle 18"/>
+          <p:cNvSpPr/>
+          <p:nvPr/>
+        </p:nvSpPr>
+        <p:spPr>
+          <a:xfrm rot="5400000">
+            <a:off x="3000533" y="2167587"/>
+            <a:ext cx="48843" cy="97686"/>
+          </a:xfrm>
+          <a:prstGeom prst="rect">
+            <a:avLst/>
+          </a:prstGeom>
+          <a:pattFill prst="ltUpDiag">
+            <a:fgClr>
+              <a:schemeClr val="accent6">
+                <a:lumMod val="50000"/>
+              </a:schemeClr>
+            </a:fgClr>
+            <a:bgClr>
+              <a:schemeClr val="bg1"/>
+            </a:bgClr>
+          </a:pattFill>
+          <a:ln w="12700">
+            <a:noFill/>
+          </a:ln>
+        </p:spPr>
+        <p:style>
+          <a:lnRef idx="2">
+            <a:schemeClr val="accent1">
+              <a:shade val="50000"/>
+            </a:schemeClr>
+          </a:lnRef>
+          <a:fillRef idx="1">
+            <a:schemeClr val="accent1"/>
+          </a:fillRef>
+          <a:effectRef idx="0">
+            <a:schemeClr val="accent1"/>
+          </a:effectRef>
+          <a:fontRef idx="minor">
+            <a:schemeClr val="lt1"/>
+          </a:fontRef>
+        </p:style>
+        <p:txBody>
+          <a:bodyPr rtlCol="0" anchor="ctr"/>
+          <a:lstStyle/>
+          <a:p>
+            <a:pPr algn="ctr"/>
+            <a:endParaRPr lang="fr-FR"/>
+          </a:p>
+        </p:txBody>
+      </p:sp>
+      <p:cxnSp>
+        <p:nvCxnSpPr>
+          <p:cNvPr id="20" name="Connecteur droit 19"/>
+          <p:cNvCxnSpPr/>
+          <p:nvPr/>
+        </p:nvCxnSpPr>
+        <p:spPr>
+          <a:xfrm rot="5400000" flipV="1">
+            <a:off x="3024955" y="2143166"/>
+            <a:ext cx="0" cy="97686"/>
+          </a:xfrm>
+          <a:prstGeom prst="line">
+            <a:avLst/>
+          </a:prstGeom>
+          <a:noFill/>
+          <a:ln w="12700">
+            <a:solidFill>
+              <a:schemeClr val="accent6">
+                <a:lumMod val="75000"/>
+              </a:schemeClr>
             </a:solidFill>
           </a:ln>
         </p:spPr>
@@ -3521,14 +6229,14 @@
         <p:nvCxnSpPr>
           <p:cNvPr id="21" name="Connecteur droit 20"/>
           <p:cNvCxnSpPr>
-            <a:stCxn id="4" idx="0"/>
+            <a:endCxn id="17" idx="7"/>
           </p:cNvCxnSpPr>
           <p:nvPr/>
         </p:nvCxnSpPr>
         <p:spPr>
-          <a:xfrm flipV="1">
-            <a:off x="1709672" y="980728"/>
-            <a:ext cx="0" cy="288032"/>
+          <a:xfrm flipH="1">
+            <a:off x="3053586" y="1803400"/>
+            <a:ext cx="222270" cy="251436"/>
           </a:xfrm>
           <a:prstGeom prst="line">
             <a:avLst/>
@@ -3559,16 +6267,14 @@
       </p:cxnSp>
       <p:cxnSp>
         <p:nvCxnSpPr>
-          <p:cNvPr id="24" name="Connecteur droit 23"/>
-          <p:cNvCxnSpPr>
-            <a:stCxn id="5" idx="0"/>
-          </p:cNvCxnSpPr>
+          <p:cNvPr id="22" name="Connecteur droit 21"/>
+          <p:cNvCxnSpPr/>
           <p:nvPr/>
         </p:nvCxnSpPr>
         <p:spPr>
-          <a:xfrm flipV="1">
-            <a:off x="2429752" y="980728"/>
-            <a:ext cx="0" cy="288032"/>
+          <a:xfrm flipH="1">
+            <a:off x="3301874" y="1628800"/>
+            <a:ext cx="127312" cy="144016"/>
           </a:xfrm>
           <a:prstGeom prst="line">
             <a:avLst/>
@@ -3578,6 +6284,7 @@
             <a:solidFill>
               <a:srgbClr val="0070C0"/>
             </a:solidFill>
+            <a:tailEnd type="stealth" w="sm" len="med"/>
           </a:ln>
         </p:spPr>
         <p:style>
@@ -3599,14 +6306,14 @@
       </p:cxnSp>
       <p:cxnSp>
         <p:nvCxnSpPr>
-          <p:cNvPr id="27" name="Connecteur droit 26"/>
+          <p:cNvPr id="23" name="Connecteur droit 22"/>
           <p:cNvCxnSpPr/>
           <p:nvPr/>
         </p:nvCxnSpPr>
         <p:spPr>
-          <a:xfrm flipV="1">
-            <a:off x="3149832" y="980728"/>
-            <a:ext cx="0" cy="288032"/>
+          <a:xfrm>
+            <a:off x="3429186" y="1628800"/>
+            <a:ext cx="134702" cy="0"/>
           </a:xfrm>
           <a:prstGeom prst="line">
             <a:avLst/>
@@ -3635,26 +6342,25 @@
           </a:fontRef>
         </p:style>
       </p:cxnSp>
-      <p:cxnSp>
-        <p:nvCxnSpPr>
-          <p:cNvPr id="28" name="Connecteur droit 27"/>
-          <p:cNvCxnSpPr/>
-          <p:nvPr/>
-        </p:nvCxnSpPr>
-        <p:spPr>
-          <a:xfrm flipH="1" flipV="1">
-            <a:off x="1709672" y="1056928"/>
-            <a:ext cx="0" cy="135632"/>
-          </a:xfrm>
-          <a:prstGeom prst="line">
-            <a:avLst/>
-          </a:prstGeom>
-          <a:noFill/>
-          <a:ln w="12700">
-            <a:solidFill>
-              <a:srgbClr val="0070C0"/>
-            </a:solidFill>
-            <a:tailEnd type="triangle"/>
+      <p:sp>
+        <p:nvSpPr>
+          <p:cNvPr id="24" name="Ellipse 23"/>
+          <p:cNvSpPr/>
+          <p:nvPr/>
+        </p:nvSpPr>
+        <p:spPr>
+          <a:xfrm>
+            <a:off x="3549770" y="1594892"/>
+            <a:ext cx="67816" cy="67816"/>
+          </a:xfrm>
+          <a:prstGeom prst="ellipse">
+            <a:avLst/>
+          </a:prstGeom>
+          <a:solidFill>
+            <a:srgbClr val="0070C0"/>
+          </a:solidFill>
+          <a:ln>
+            <a:noFill/>
           </a:ln>
         </p:spPr>
         <p:style>
@@ -3673,17 +6379,58 @@
             <a:schemeClr val="lt1"/>
           </a:fontRef>
         </p:style>
-      </p:cxnSp>
+        <p:txBody>
+          <a:bodyPr rtlCol="0" anchor="ctr"/>
+          <a:lstStyle/>
+          <a:p>
+            <a:pPr algn="ctr"/>
+            <a:endParaRPr lang="fr-FR"/>
+          </a:p>
+        </p:txBody>
+      </p:sp>
+      <p:sp>
+        <p:nvSpPr>
+          <p:cNvPr id="25" name="ZoneTexte 24"/>
+          <p:cNvSpPr txBox="1"/>
+          <p:nvPr/>
+        </p:nvSpPr>
+        <p:spPr>
+          <a:xfrm>
+            <a:off x="3447769" y="1367190"/>
+            <a:ext cx="504056" cy="261610"/>
+          </a:xfrm>
+          <a:prstGeom prst="rect">
+            <a:avLst/>
+          </a:prstGeom>
+          <a:noFill/>
+          <a:ln>
+            <a:noFill/>
+          </a:ln>
+        </p:spPr>
+        <p:txBody>
+          <a:bodyPr wrap="square" rtlCol="0">
+            <a:spAutoFit/>
+          </a:bodyPr>
+          <a:lstStyle/>
+          <a:p>
+            <a:r>
+              <a:rPr lang="fr-FR" sz="1100" dirty="0" smtClean="0"/>
+              <a:t>B</a:t>
+            </a:r>
+            <a:endParaRPr lang="fr-FR" sz="1100" baseline="-25000" dirty="0"/>
+          </a:p>
+        </p:txBody>
+      </p:sp>
       <p:cxnSp>
         <p:nvCxnSpPr>
-          <p:cNvPr id="30" name="Connecteur droit 29"/>
+          <p:cNvPr id="26" name="Connecteur droit 25"/>
           <p:cNvCxnSpPr/>
           <p:nvPr/>
         </p:nvCxnSpPr>
         <p:spPr>
-          <a:xfrm flipH="1" flipV="1">
-            <a:off x="2429752" y="1056928"/>
-            <a:ext cx="0" cy="135632"/>
+          <a:xfrm flipV="1">
+            <a:off x="3573590" y="2587664"/>
+            <a:ext cx="0" cy="130805"/>
           </a:xfrm>
           <a:prstGeom prst="line">
             <a:avLst/>
@@ -3693,7 +6440,172 @@
             <a:solidFill>
               <a:srgbClr val="0070C0"/>
             </a:solidFill>
-            <a:tailEnd type="triangle"/>
+          </a:ln>
+        </p:spPr>
+        <p:style>
+          <a:lnRef idx="2">
+            <a:schemeClr val="accent1">
+              <a:shade val="50000"/>
+            </a:schemeClr>
+          </a:lnRef>
+          <a:fillRef idx="1">
+            <a:schemeClr val="accent1"/>
+          </a:fillRef>
+          <a:effectRef idx="0">
+            <a:schemeClr val="accent1"/>
+          </a:effectRef>
+          <a:fontRef idx="minor">
+            <a:schemeClr val="lt1"/>
+          </a:fontRef>
+        </p:style>
+      </p:cxnSp>
+      <p:sp>
+        <p:nvSpPr>
+          <p:cNvPr id="27" name="Ellipse 26"/>
+          <p:cNvSpPr/>
+          <p:nvPr/>
+        </p:nvSpPr>
+        <p:spPr>
+          <a:xfrm>
+            <a:off x="3540426" y="2553756"/>
+            <a:ext cx="67816" cy="67816"/>
+          </a:xfrm>
+          <a:prstGeom prst="ellipse">
+            <a:avLst/>
+          </a:prstGeom>
+          <a:solidFill>
+            <a:srgbClr val="0070C0"/>
+          </a:solidFill>
+          <a:ln>
+            <a:noFill/>
+          </a:ln>
+        </p:spPr>
+        <p:style>
+          <a:lnRef idx="2">
+            <a:schemeClr val="accent1">
+              <a:shade val="50000"/>
+            </a:schemeClr>
+          </a:lnRef>
+          <a:fillRef idx="1">
+            <a:schemeClr val="accent1"/>
+          </a:fillRef>
+          <a:effectRef idx="0">
+            <a:schemeClr val="accent1"/>
+          </a:effectRef>
+          <a:fontRef idx="minor">
+            <a:schemeClr val="lt1"/>
+          </a:fontRef>
+        </p:style>
+        <p:txBody>
+          <a:bodyPr rtlCol="0" anchor="ctr"/>
+          <a:lstStyle/>
+          <a:p>
+            <a:pPr algn="ctr"/>
+            <a:endParaRPr lang="fr-FR"/>
+          </a:p>
+        </p:txBody>
+      </p:sp>
+      <p:sp>
+        <p:nvSpPr>
+          <p:cNvPr id="28" name="ZoneTexte 27"/>
+          <p:cNvSpPr txBox="1"/>
+          <p:nvPr/>
+        </p:nvSpPr>
+        <p:spPr>
+          <a:xfrm>
+            <a:off x="3429186" y="2348880"/>
+            <a:ext cx="290905" cy="205184"/>
+          </a:xfrm>
+          <a:prstGeom prst="rect">
+            <a:avLst/>
+          </a:prstGeom>
+          <a:noFill/>
+        </p:spPr>
+        <p:txBody>
+          <a:bodyPr wrap="square" rtlCol="0">
+            <a:spAutoFit/>
+          </a:bodyPr>
+          <a:lstStyle/>
+          <a:p>
+            <a:pPr algn="ctr"/>
+            <a:r>
+              <a:rPr lang="fr-FR" sz="1100" baseline="-25000" dirty="0" smtClean="0"/>
+              <a:t>M</a:t>
+            </a:r>
+            <a:endParaRPr lang="fr-FR" sz="1100" baseline="-25000" dirty="0"/>
+          </a:p>
+        </p:txBody>
+      </p:sp>
+      <p:sp>
+        <p:nvSpPr>
+          <p:cNvPr id="29" name="Rectangle 28"/>
+          <p:cNvSpPr/>
+          <p:nvPr/>
+        </p:nvSpPr>
+        <p:spPr>
+          <a:xfrm rot="5400000">
+            <a:off x="3519590" y="2664469"/>
+            <a:ext cx="108000" cy="216000"/>
+          </a:xfrm>
+          <a:prstGeom prst="rect">
+            <a:avLst/>
+          </a:prstGeom>
+          <a:pattFill prst="ltUpDiag">
+            <a:fgClr>
+              <a:schemeClr val="accent1"/>
+            </a:fgClr>
+            <a:bgClr>
+              <a:schemeClr val="bg1"/>
+            </a:bgClr>
+          </a:pattFill>
+          <a:ln w="12700">
+            <a:noFill/>
+          </a:ln>
+        </p:spPr>
+        <p:style>
+          <a:lnRef idx="2">
+            <a:schemeClr val="accent1">
+              <a:shade val="50000"/>
+            </a:schemeClr>
+          </a:lnRef>
+          <a:fillRef idx="1">
+            <a:schemeClr val="accent1"/>
+          </a:fillRef>
+          <a:effectRef idx="0">
+            <a:schemeClr val="accent1"/>
+          </a:effectRef>
+          <a:fontRef idx="minor">
+            <a:schemeClr val="lt1"/>
+          </a:fontRef>
+        </p:style>
+        <p:txBody>
+          <a:bodyPr rtlCol="0" anchor="ctr"/>
+          <a:lstStyle/>
+          <a:p>
+            <a:pPr algn="ctr"/>
+            <a:endParaRPr lang="fr-FR"/>
+          </a:p>
+        </p:txBody>
+      </p:sp>
+      <p:cxnSp>
+        <p:nvCxnSpPr>
+          <p:cNvPr id="30" name="Connecteur droit 29"/>
+          <p:cNvCxnSpPr/>
+          <p:nvPr/>
+        </p:nvCxnSpPr>
+        <p:spPr>
+          <a:xfrm rot="5400000" flipV="1">
+            <a:off x="3573590" y="2610469"/>
+            <a:ext cx="0" cy="216000"/>
+          </a:xfrm>
+          <a:prstGeom prst="line">
+            <a:avLst/>
+          </a:prstGeom>
+          <a:noFill/>
+          <a:ln w="12700">
+            <a:solidFill>
+              <a:srgbClr val="0070C0"/>
+            </a:solidFill>
           </a:ln>
         </p:spPr>
         <p:style>
@@ -3720,9 +6632,9 @@
           <p:nvPr/>
         </p:nvCxnSpPr>
         <p:spPr>
-          <a:xfrm flipH="1">
-            <a:off x="3149832" y="1056928"/>
-            <a:ext cx="0" cy="135632"/>
+          <a:xfrm flipV="1">
+            <a:off x="3681590" y="1636366"/>
+            <a:ext cx="0" cy="951298"/>
           </a:xfrm>
           <a:prstGeom prst="line">
             <a:avLst/>
@@ -3732,7 +6644,303 @@
             <a:solidFill>
               <a:srgbClr val="0070C0"/>
             </a:solidFill>
-            <a:tailEnd type="triangle"/>
+            <a:tailEnd type="stealth" w="med" len="lg"/>
+          </a:ln>
+        </p:spPr>
+        <p:style>
+          <a:lnRef idx="2">
+            <a:schemeClr val="accent1">
+              <a:shade val="50000"/>
+            </a:schemeClr>
+          </a:lnRef>
+          <a:fillRef idx="1">
+            <a:schemeClr val="accent1"/>
+          </a:fillRef>
+          <a:effectRef idx="0">
+            <a:schemeClr val="accent1"/>
+          </a:effectRef>
+          <a:fontRef idx="minor">
+            <a:schemeClr val="lt1"/>
+          </a:fontRef>
+        </p:style>
+      </p:cxnSp>
+      <p:sp>
+        <p:nvSpPr>
+          <p:cNvPr id="32" name="ZoneTexte 31"/>
+          <p:cNvSpPr txBox="1"/>
+          <p:nvPr/>
+        </p:nvSpPr>
+        <p:spPr>
+          <a:xfrm>
+            <a:off x="3706818" y="1979242"/>
+            <a:ext cx="504056" cy="261610"/>
+          </a:xfrm>
+          <a:prstGeom prst="rect">
+            <a:avLst/>
+          </a:prstGeom>
+          <a:noFill/>
+        </p:spPr>
+        <p:txBody>
+          <a:bodyPr wrap="square" rtlCol="0">
+            <a:spAutoFit/>
+          </a:bodyPr>
+          <a:lstStyle/>
+          <a:p>
+            <a:r>
+              <a:rPr lang="fr-FR" sz="1100" dirty="0" smtClean="0"/>
+              <a:t>V</a:t>
+            </a:r>
+            <a:r>
+              <a:rPr lang="fr-FR" sz="1100" baseline="-25000" dirty="0" smtClean="0"/>
+              <a:t>S</a:t>
+            </a:r>
+            <a:endParaRPr lang="fr-FR" sz="1100" baseline="-25000" dirty="0"/>
+          </a:p>
+        </p:txBody>
+      </p:sp>
+      <p:cxnSp>
+        <p:nvCxnSpPr>
+          <p:cNvPr id="38" name="Connecteur droit 37"/>
+          <p:cNvCxnSpPr/>
+          <p:nvPr/>
+        </p:nvCxnSpPr>
+        <p:spPr>
+          <a:xfrm flipV="1">
+            <a:off x="5921396" y="2758147"/>
+            <a:ext cx="0" cy="130805"/>
+          </a:xfrm>
+          <a:prstGeom prst="line">
+            <a:avLst/>
+          </a:prstGeom>
+          <a:noFill/>
+          <a:ln w="12700">
+            <a:solidFill>
+              <a:srgbClr val="0070C0"/>
+            </a:solidFill>
+          </a:ln>
+        </p:spPr>
+        <p:style>
+          <a:lnRef idx="2">
+            <a:schemeClr val="accent1">
+              <a:shade val="50000"/>
+            </a:schemeClr>
+          </a:lnRef>
+          <a:fillRef idx="1">
+            <a:schemeClr val="accent1"/>
+          </a:fillRef>
+          <a:effectRef idx="0">
+            <a:schemeClr val="accent1"/>
+          </a:effectRef>
+          <a:fontRef idx="minor">
+            <a:schemeClr val="lt1"/>
+          </a:fontRef>
+        </p:style>
+      </p:cxnSp>
+      <p:sp>
+        <p:nvSpPr>
+          <p:cNvPr id="39" name="Rectangle 38"/>
+          <p:cNvSpPr/>
+          <p:nvPr/>
+        </p:nvSpPr>
+        <p:spPr>
+          <a:xfrm>
+            <a:off x="4860032" y="1731299"/>
+            <a:ext cx="180000" cy="360000"/>
+          </a:xfrm>
+          <a:prstGeom prst="rect">
+            <a:avLst/>
+          </a:prstGeom>
+          <a:noFill/>
+          <a:ln w="12700">
+            <a:solidFill>
+              <a:srgbClr val="0070C0"/>
+            </a:solidFill>
+          </a:ln>
+        </p:spPr>
+        <p:style>
+          <a:lnRef idx="2">
+            <a:schemeClr val="accent1">
+              <a:shade val="50000"/>
+            </a:schemeClr>
+          </a:lnRef>
+          <a:fillRef idx="1">
+            <a:schemeClr val="accent1"/>
+          </a:fillRef>
+          <a:effectRef idx="0">
+            <a:schemeClr val="accent1"/>
+          </a:effectRef>
+          <a:fontRef idx="minor">
+            <a:schemeClr val="lt1"/>
+          </a:fontRef>
+        </p:style>
+        <p:txBody>
+          <a:bodyPr rtlCol="0" anchor="ctr"/>
+          <a:lstStyle/>
+          <a:p>
+            <a:pPr algn="ctr"/>
+            <a:endParaRPr lang="fr-FR"/>
+          </a:p>
+        </p:txBody>
+      </p:sp>
+      <p:sp>
+        <p:nvSpPr>
+          <p:cNvPr id="40" name="Rectangle 39"/>
+          <p:cNvSpPr/>
+          <p:nvPr/>
+        </p:nvSpPr>
+        <p:spPr>
+          <a:xfrm>
+            <a:off x="5580112" y="1731299"/>
+            <a:ext cx="180000" cy="360000"/>
+          </a:xfrm>
+          <a:prstGeom prst="rect">
+            <a:avLst/>
+          </a:prstGeom>
+          <a:noFill/>
+          <a:ln w="12700">
+            <a:solidFill>
+              <a:srgbClr val="0070C0"/>
+            </a:solidFill>
+          </a:ln>
+        </p:spPr>
+        <p:style>
+          <a:lnRef idx="2">
+            <a:schemeClr val="accent1">
+              <a:shade val="50000"/>
+            </a:schemeClr>
+          </a:lnRef>
+          <a:fillRef idx="1">
+            <a:schemeClr val="accent1"/>
+          </a:fillRef>
+          <a:effectRef idx="0">
+            <a:schemeClr val="accent1"/>
+          </a:effectRef>
+          <a:fontRef idx="minor">
+            <a:schemeClr val="lt1"/>
+          </a:fontRef>
+        </p:style>
+        <p:txBody>
+          <a:bodyPr rtlCol="0" anchor="ctr"/>
+          <a:lstStyle/>
+          <a:p>
+            <a:pPr algn="ctr"/>
+            <a:endParaRPr lang="fr-FR"/>
+          </a:p>
+        </p:txBody>
+      </p:sp>
+      <p:sp>
+        <p:nvSpPr>
+          <p:cNvPr id="41" name="Ellipse 40"/>
+          <p:cNvSpPr/>
+          <p:nvPr/>
+        </p:nvSpPr>
+        <p:spPr>
+          <a:xfrm>
+            <a:off x="4815012" y="2235355"/>
+            <a:ext cx="270040" cy="270040"/>
+          </a:xfrm>
+          <a:prstGeom prst="ellipse">
+            <a:avLst/>
+          </a:prstGeom>
+          <a:noFill/>
+          <a:ln w="12700">
+            <a:solidFill>
+              <a:srgbClr val="0070C0"/>
+            </a:solidFill>
+          </a:ln>
+        </p:spPr>
+        <p:style>
+          <a:lnRef idx="2">
+            <a:schemeClr val="accent1">
+              <a:shade val="50000"/>
+            </a:schemeClr>
+          </a:lnRef>
+          <a:fillRef idx="1">
+            <a:schemeClr val="accent1"/>
+          </a:fillRef>
+          <a:effectRef idx="0">
+            <a:schemeClr val="accent1"/>
+          </a:effectRef>
+          <a:fontRef idx="minor">
+            <a:schemeClr val="lt1"/>
+          </a:fontRef>
+        </p:style>
+        <p:txBody>
+          <a:bodyPr rtlCol="0" anchor="ctr"/>
+          <a:lstStyle/>
+          <a:p>
+            <a:pPr algn="ctr"/>
+            <a:endParaRPr lang="fr-FR"/>
+          </a:p>
+        </p:txBody>
+      </p:sp>
+      <p:sp>
+        <p:nvSpPr>
+          <p:cNvPr id="42" name="Ellipse 41"/>
+          <p:cNvSpPr/>
+          <p:nvPr/>
+        </p:nvSpPr>
+        <p:spPr>
+          <a:xfrm>
+            <a:off x="5535092" y="2235355"/>
+            <a:ext cx="270040" cy="270040"/>
+          </a:xfrm>
+          <a:prstGeom prst="ellipse">
+            <a:avLst/>
+          </a:prstGeom>
+          <a:noFill/>
+          <a:ln w="12700">
+            <a:solidFill>
+              <a:srgbClr val="0070C0"/>
+            </a:solidFill>
+          </a:ln>
+        </p:spPr>
+        <p:style>
+          <a:lnRef idx="2">
+            <a:schemeClr val="accent1">
+              <a:shade val="50000"/>
+            </a:schemeClr>
+          </a:lnRef>
+          <a:fillRef idx="1">
+            <a:schemeClr val="accent1"/>
+          </a:fillRef>
+          <a:effectRef idx="0">
+            <a:schemeClr val="accent1"/>
+          </a:effectRef>
+          <a:fontRef idx="minor">
+            <a:schemeClr val="lt1"/>
+          </a:fontRef>
+        </p:style>
+        <p:txBody>
+          <a:bodyPr rtlCol="0" anchor="ctr"/>
+          <a:lstStyle/>
+          <a:p>
+            <a:pPr algn="ctr"/>
+            <a:endParaRPr lang="fr-FR"/>
+          </a:p>
+        </p:txBody>
+      </p:sp>
+      <p:cxnSp>
+        <p:nvCxnSpPr>
+          <p:cNvPr id="43" name="Connecteur droit 42"/>
+          <p:cNvCxnSpPr>
+            <a:endCxn id="39" idx="2"/>
+          </p:cNvCxnSpPr>
+          <p:nvPr/>
+        </p:nvCxnSpPr>
+        <p:spPr>
+          <a:xfrm flipV="1">
+            <a:off x="4950032" y="2091299"/>
+            <a:ext cx="0" cy="666848"/>
+          </a:xfrm>
+          <a:prstGeom prst="line">
+            <a:avLst/>
+          </a:prstGeom>
+          <a:noFill/>
+          <a:ln w="12700">
+            <a:solidFill>
+              <a:srgbClr val="0070C0"/>
+            </a:solidFill>
           </a:ln>
         </p:spPr>
         <p:style>
@@ -3754,14 +6962,14 @@
       </p:cxnSp>
       <p:cxnSp>
         <p:nvCxnSpPr>
-          <p:cNvPr id="32" name="Connecteur droit 31"/>
+          <p:cNvPr id="44" name="Connecteur droit 43"/>
           <p:cNvCxnSpPr/>
           <p:nvPr/>
         </p:nvCxnSpPr>
         <p:spPr>
           <a:xfrm flipV="1">
-            <a:off x="1481287" y="1736812"/>
-            <a:ext cx="0" cy="342048"/>
+            <a:off x="5670112" y="2091299"/>
+            <a:ext cx="0" cy="666848"/>
           </a:xfrm>
           <a:prstGeom prst="line">
             <a:avLst/>
@@ -3771,7 +6979,6 @@
             <a:solidFill>
               <a:srgbClr val="0070C0"/>
             </a:solidFill>
-            <a:tailEnd type="stealth" w="med" len="lg"/>
           </a:ln>
         </p:spPr>
         <p:style>
@@ -3793,13 +7000,249 @@
       </p:cxnSp>
       <p:cxnSp>
         <p:nvCxnSpPr>
-          <p:cNvPr id="34" name="Connecteur droit 33"/>
+          <p:cNvPr id="45" name="Connecteur droit 44"/>
+          <p:cNvCxnSpPr>
+            <a:endCxn id="58" idx="2"/>
+          </p:cNvCxnSpPr>
+          <p:nvPr/>
+        </p:nvCxnSpPr>
+        <p:spPr>
+          <a:xfrm>
+            <a:off x="4950032" y="2758147"/>
+            <a:ext cx="938200" cy="0"/>
+          </a:xfrm>
+          <a:prstGeom prst="line">
+            <a:avLst/>
+          </a:prstGeom>
+          <a:noFill/>
+          <a:ln w="12700">
+            <a:solidFill>
+              <a:srgbClr val="0070C0"/>
+            </a:solidFill>
+          </a:ln>
+        </p:spPr>
+        <p:style>
+          <a:lnRef idx="2">
+            <a:schemeClr val="accent1">
+              <a:shade val="50000"/>
+            </a:schemeClr>
+          </a:lnRef>
+          <a:fillRef idx="1">
+            <a:schemeClr val="accent1"/>
+          </a:fillRef>
+          <a:effectRef idx="0">
+            <a:schemeClr val="accent1"/>
+          </a:effectRef>
+          <a:fontRef idx="minor">
+            <a:schemeClr val="lt1"/>
+          </a:fontRef>
+        </p:style>
+      </p:cxnSp>
+      <p:cxnSp>
+        <p:nvCxnSpPr>
+          <p:cNvPr id="46" name="Connecteur droit 45"/>
           <p:cNvCxnSpPr/>
           <p:nvPr/>
         </p:nvCxnSpPr>
         <p:spPr>
+          <a:xfrm>
+            <a:off x="4950032" y="1443267"/>
+            <a:ext cx="938200" cy="0"/>
+          </a:xfrm>
+          <a:prstGeom prst="line">
+            <a:avLst/>
+          </a:prstGeom>
+          <a:noFill/>
+          <a:ln w="12700">
+            <a:solidFill>
+              <a:srgbClr val="0070C0"/>
+            </a:solidFill>
+          </a:ln>
+        </p:spPr>
+        <p:style>
+          <a:lnRef idx="2">
+            <a:schemeClr val="accent1">
+              <a:shade val="50000"/>
+            </a:schemeClr>
+          </a:lnRef>
+          <a:fillRef idx="1">
+            <a:schemeClr val="accent1"/>
+          </a:fillRef>
+          <a:effectRef idx="0">
+            <a:schemeClr val="accent1"/>
+          </a:effectRef>
+          <a:fontRef idx="minor">
+            <a:schemeClr val="lt1"/>
+          </a:fontRef>
+        </p:style>
+      </p:cxnSp>
+      <p:cxnSp>
+        <p:nvCxnSpPr>
+          <p:cNvPr id="47" name="Connecteur droit 46"/>
+          <p:cNvCxnSpPr>
+            <a:stCxn id="39" idx="0"/>
+          </p:cNvCxnSpPr>
+          <p:nvPr/>
+        </p:nvCxnSpPr>
+        <p:spPr>
           <a:xfrm flipV="1">
-            <a:off x="2195736" y="1736812"/>
+            <a:off x="4950032" y="1443267"/>
+            <a:ext cx="0" cy="288032"/>
+          </a:xfrm>
+          <a:prstGeom prst="line">
+            <a:avLst/>
+          </a:prstGeom>
+          <a:noFill/>
+          <a:ln w="12700">
+            <a:solidFill>
+              <a:srgbClr val="0070C0"/>
+            </a:solidFill>
+          </a:ln>
+        </p:spPr>
+        <p:style>
+          <a:lnRef idx="2">
+            <a:schemeClr val="accent1">
+              <a:shade val="50000"/>
+            </a:schemeClr>
+          </a:lnRef>
+          <a:fillRef idx="1">
+            <a:schemeClr val="accent1"/>
+          </a:fillRef>
+          <a:effectRef idx="0">
+            <a:schemeClr val="accent1"/>
+          </a:effectRef>
+          <a:fontRef idx="minor">
+            <a:schemeClr val="lt1"/>
+          </a:fontRef>
+        </p:style>
+      </p:cxnSp>
+      <p:cxnSp>
+        <p:nvCxnSpPr>
+          <p:cNvPr id="48" name="Connecteur droit 47"/>
+          <p:cNvCxnSpPr>
+            <a:stCxn id="40" idx="0"/>
+          </p:cNvCxnSpPr>
+          <p:nvPr/>
+        </p:nvCxnSpPr>
+        <p:spPr>
+          <a:xfrm flipV="1">
+            <a:off x="5670112" y="1443267"/>
+            <a:ext cx="0" cy="288032"/>
+          </a:xfrm>
+          <a:prstGeom prst="line">
+            <a:avLst/>
+          </a:prstGeom>
+          <a:noFill/>
+          <a:ln w="12700">
+            <a:solidFill>
+              <a:srgbClr val="0070C0"/>
+            </a:solidFill>
+          </a:ln>
+        </p:spPr>
+        <p:style>
+          <a:lnRef idx="2">
+            <a:schemeClr val="accent1">
+              <a:shade val="50000"/>
+            </a:schemeClr>
+          </a:lnRef>
+          <a:fillRef idx="1">
+            <a:schemeClr val="accent1"/>
+          </a:fillRef>
+          <a:effectRef idx="0">
+            <a:schemeClr val="accent1"/>
+          </a:effectRef>
+          <a:fontRef idx="minor">
+            <a:schemeClr val="lt1"/>
+          </a:fontRef>
+        </p:style>
+      </p:cxnSp>
+      <p:cxnSp>
+        <p:nvCxnSpPr>
+          <p:cNvPr id="49" name="Connecteur droit 48"/>
+          <p:cNvCxnSpPr/>
+          <p:nvPr/>
+        </p:nvCxnSpPr>
+        <p:spPr>
+          <a:xfrm flipH="1" flipV="1">
+            <a:off x="4950032" y="1519467"/>
+            <a:ext cx="0" cy="135632"/>
+          </a:xfrm>
+          <a:prstGeom prst="line">
+            <a:avLst/>
+          </a:prstGeom>
+          <a:noFill/>
+          <a:ln w="12700">
+            <a:solidFill>
+              <a:srgbClr val="0070C0"/>
+            </a:solidFill>
+            <a:tailEnd type="triangle"/>
+          </a:ln>
+        </p:spPr>
+        <p:style>
+          <a:lnRef idx="2">
+            <a:schemeClr val="accent1">
+              <a:shade val="50000"/>
+            </a:schemeClr>
+          </a:lnRef>
+          <a:fillRef idx="1">
+            <a:schemeClr val="accent1"/>
+          </a:fillRef>
+          <a:effectRef idx="0">
+            <a:schemeClr val="accent1"/>
+          </a:effectRef>
+          <a:fontRef idx="minor">
+            <a:schemeClr val="lt1"/>
+          </a:fontRef>
+        </p:style>
+      </p:cxnSp>
+      <p:cxnSp>
+        <p:nvCxnSpPr>
+          <p:cNvPr id="50" name="Connecteur droit 49"/>
+          <p:cNvCxnSpPr/>
+          <p:nvPr/>
+        </p:nvCxnSpPr>
+        <p:spPr>
+          <a:xfrm flipH="1" flipV="1">
+            <a:off x="5670112" y="1519467"/>
+            <a:ext cx="0" cy="135632"/>
+          </a:xfrm>
+          <a:prstGeom prst="line">
+            <a:avLst/>
+          </a:prstGeom>
+          <a:noFill/>
+          <a:ln w="12700">
+            <a:solidFill>
+              <a:srgbClr val="0070C0"/>
+            </a:solidFill>
+            <a:tailEnd type="triangle"/>
+          </a:ln>
+        </p:spPr>
+        <p:style>
+          <a:lnRef idx="2">
+            <a:schemeClr val="accent1">
+              <a:shade val="50000"/>
+            </a:schemeClr>
+          </a:lnRef>
+          <a:fillRef idx="1">
+            <a:schemeClr val="accent1"/>
+          </a:fillRef>
+          <a:effectRef idx="0">
+            <a:schemeClr val="accent1"/>
+          </a:effectRef>
+          <a:fontRef idx="minor">
+            <a:schemeClr val="lt1"/>
+          </a:fontRef>
+        </p:style>
+      </p:cxnSp>
+      <p:cxnSp>
+        <p:nvCxnSpPr>
+          <p:cNvPr id="51" name="Connecteur droit 50"/>
+          <p:cNvCxnSpPr/>
+          <p:nvPr/>
+        </p:nvCxnSpPr>
+        <p:spPr>
+          <a:xfrm flipV="1">
+            <a:off x="4721647" y="2199351"/>
             <a:ext cx="0" cy="342048"/>
           </a:xfrm>
           <a:prstGeom prst="line">
@@ -3830,15 +7273,54 @@
           </a:fontRef>
         </p:style>
       </p:cxnSp>
-      <p:sp>
-        <p:nvSpPr>
-          <p:cNvPr id="35" name="ZoneTexte 34"/>
+      <p:cxnSp>
+        <p:nvCxnSpPr>
+          <p:cNvPr id="52" name="Connecteur droit 51"/>
+          <p:cNvCxnSpPr/>
+          <p:nvPr/>
+        </p:nvCxnSpPr>
+        <p:spPr>
+          <a:xfrm flipV="1">
+            <a:off x="5436096" y="2199351"/>
+            <a:ext cx="0" cy="342048"/>
+          </a:xfrm>
+          <a:prstGeom prst="line">
+            <a:avLst/>
+          </a:prstGeom>
+          <a:noFill/>
+          <a:ln w="12700">
+            <a:solidFill>
+              <a:srgbClr val="0070C0"/>
+            </a:solidFill>
+            <a:tailEnd type="stealth" w="med" len="lg"/>
+          </a:ln>
+        </p:spPr>
+        <p:style>
+          <a:lnRef idx="2">
+            <a:schemeClr val="accent1">
+              <a:shade val="50000"/>
+            </a:schemeClr>
+          </a:lnRef>
+          <a:fillRef idx="1">
+            <a:schemeClr val="accent1"/>
+          </a:fillRef>
+          <a:effectRef idx="0">
+            <a:schemeClr val="accent1"/>
+          </a:effectRef>
+          <a:fontRef idx="minor">
+            <a:schemeClr val="lt1"/>
+          </a:fontRef>
+        </p:style>
+      </p:cxnSp>
+      <p:sp>
+        <p:nvSpPr>
+          <p:cNvPr id="53" name="ZoneTexte 52"/>
           <p:cNvSpPr txBox="1"/>
           <p:nvPr/>
         </p:nvSpPr>
         <p:spPr>
           <a:xfrm>
-            <a:off x="1205616" y="1781246"/>
+            <a:off x="4445976" y="2243785"/>
             <a:ext cx="504056" cy="261610"/>
           </a:xfrm>
           <a:prstGeom prst="rect">
@@ -3866,13 +7348,13 @@
       </p:sp>
       <p:sp>
         <p:nvSpPr>
-          <p:cNvPr id="36" name="ZoneTexte 35"/>
+          <p:cNvPr id="54" name="ZoneTexte 53"/>
           <p:cNvSpPr txBox="1"/>
           <p:nvPr/>
         </p:nvSpPr>
         <p:spPr>
           <a:xfrm>
-            <a:off x="1943708" y="1781246"/>
+            <a:off x="5184068" y="2243785"/>
             <a:ext cx="504056" cy="261610"/>
           </a:xfrm>
           <a:prstGeom prst="rect">
@@ -3900,13 +7382,13 @@
       </p:sp>
       <p:sp>
         <p:nvSpPr>
-          <p:cNvPr id="37" name="ZoneTexte 36"/>
+          <p:cNvPr id="55" name="ZoneTexte 54"/>
           <p:cNvSpPr txBox="1"/>
           <p:nvPr/>
         </p:nvSpPr>
         <p:spPr>
           <a:xfrm>
-            <a:off x="1295616" y="1317955"/>
+            <a:off x="4535976" y="1780494"/>
             <a:ext cx="504056" cy="261610"/>
           </a:xfrm>
           <a:prstGeom prst="rect">
@@ -3934,13 +7416,13 @@
       </p:sp>
       <p:sp>
         <p:nvSpPr>
-          <p:cNvPr id="38" name="ZoneTexte 37"/>
+          <p:cNvPr id="56" name="ZoneTexte 55"/>
           <p:cNvSpPr txBox="1"/>
           <p:nvPr/>
         </p:nvSpPr>
         <p:spPr>
           <a:xfrm>
-            <a:off x="2015696" y="1318749"/>
+            <a:off x="5256056" y="1781288"/>
             <a:ext cx="504056" cy="261610"/>
           </a:xfrm>
           <a:prstGeom prst="rect">
@@ -3968,148 +7450,13 @@
       </p:sp>
       <p:sp>
         <p:nvSpPr>
-          <p:cNvPr id="39" name="ZoneTexte 38"/>
-          <p:cNvSpPr txBox="1"/>
+          <p:cNvPr id="57" name="Ellipse 56"/>
+          <p:cNvSpPr/>
           <p:nvPr/>
         </p:nvSpPr>
         <p:spPr>
           <a:xfrm>
-            <a:off x="2735776" y="1319543"/>
-            <a:ext cx="504056" cy="261610"/>
-          </a:xfrm>
-          <a:prstGeom prst="rect">
-            <a:avLst/>
-          </a:prstGeom>
-          <a:noFill/>
-        </p:spPr>
-        <p:txBody>
-          <a:bodyPr wrap="square" rtlCol="0">
-            <a:spAutoFit/>
-          </a:bodyPr>
-          <a:lstStyle/>
-          <a:p>
-            <a:r>
-              <a:rPr lang="fr-FR" sz="1100" dirty="0" smtClean="0"/>
-              <a:t>R</a:t>
-            </a:r>
-            <a:r>
-              <a:rPr lang="fr-FR" sz="1100" baseline="-25000" dirty="0" smtClean="0"/>
-              <a:t>3</a:t>
-            </a:r>
-            <a:endParaRPr lang="fr-FR" sz="1100" baseline="-25000" dirty="0"/>
-          </a:p>
-        </p:txBody>
-      </p:sp>
-      <p:sp>
-        <p:nvSpPr>
-          <p:cNvPr id="40" name="ZoneTexte 39"/>
-          <p:cNvSpPr txBox="1"/>
-          <p:nvPr/>
-        </p:nvSpPr>
-        <p:spPr>
-          <a:xfrm>
-            <a:off x="1457644" y="1007150"/>
-            <a:ext cx="504056" cy="261610"/>
-          </a:xfrm>
-          <a:prstGeom prst="rect">
-            <a:avLst/>
-          </a:prstGeom>
-          <a:noFill/>
-        </p:spPr>
-        <p:txBody>
-          <a:bodyPr wrap="square" rtlCol="0">
-            <a:spAutoFit/>
-          </a:bodyPr>
-          <a:lstStyle/>
-          <a:p>
-            <a:r>
-              <a:rPr lang="fr-FR" sz="1100" dirty="0" smtClean="0"/>
-              <a:t>I</a:t>
-            </a:r>
-            <a:r>
-              <a:rPr lang="fr-FR" sz="1100" baseline="-25000" dirty="0" smtClean="0"/>
-              <a:t>1</a:t>
-            </a:r>
-            <a:endParaRPr lang="fr-FR" sz="1100" baseline="-25000" dirty="0"/>
-          </a:p>
-        </p:txBody>
-      </p:sp>
-      <p:sp>
-        <p:nvSpPr>
-          <p:cNvPr id="41" name="ZoneTexte 40"/>
-          <p:cNvSpPr txBox="1"/>
-          <p:nvPr/>
-        </p:nvSpPr>
-        <p:spPr>
-          <a:xfrm>
-            <a:off x="2177724" y="993939"/>
-            <a:ext cx="504056" cy="261610"/>
-          </a:xfrm>
-          <a:prstGeom prst="rect">
-            <a:avLst/>
-          </a:prstGeom>
-          <a:noFill/>
-        </p:spPr>
-        <p:txBody>
-          <a:bodyPr wrap="square" rtlCol="0">
-            <a:spAutoFit/>
-          </a:bodyPr>
-          <a:lstStyle/>
-          <a:p>
-            <a:r>
-              <a:rPr lang="fr-FR" sz="1100" dirty="0" smtClean="0"/>
-              <a:t>I</a:t>
-            </a:r>
-            <a:r>
-              <a:rPr lang="fr-FR" sz="1100" baseline="-25000" dirty="0" smtClean="0"/>
-              <a:t>2</a:t>
-            </a:r>
-            <a:endParaRPr lang="fr-FR" sz="1100" baseline="-25000" dirty="0"/>
-          </a:p>
-        </p:txBody>
-      </p:sp>
-      <p:sp>
-        <p:nvSpPr>
-          <p:cNvPr id="42" name="ZoneTexte 41"/>
-          <p:cNvSpPr txBox="1"/>
-          <p:nvPr/>
-        </p:nvSpPr>
-        <p:spPr>
-          <a:xfrm>
-            <a:off x="2897804" y="980728"/>
-            <a:ext cx="504056" cy="261610"/>
-          </a:xfrm>
-          <a:prstGeom prst="rect">
-            <a:avLst/>
-          </a:prstGeom>
-          <a:noFill/>
-        </p:spPr>
-        <p:txBody>
-          <a:bodyPr wrap="square" rtlCol="0">
-            <a:spAutoFit/>
-          </a:bodyPr>
-          <a:lstStyle/>
-          <a:p>
-            <a:r>
-              <a:rPr lang="fr-FR" sz="1100" dirty="0" smtClean="0"/>
-              <a:t>I</a:t>
-            </a:r>
-            <a:r>
-              <a:rPr lang="fr-FR" sz="1100" baseline="-25000" dirty="0"/>
-              <a:t>3</a:t>
-            </a:r>
-          </a:p>
-        </p:txBody>
-      </p:sp>
-      <p:sp>
-        <p:nvSpPr>
-          <p:cNvPr id="43" name="Ellipse 42"/>
-          <p:cNvSpPr/>
-          <p:nvPr/>
-        </p:nvSpPr>
-        <p:spPr>
-          <a:xfrm>
-            <a:off x="2647872" y="946820"/>
+            <a:off x="5888232" y="1409359"/>
             <a:ext cx="67816" cy="67816"/>
           </a:xfrm>
           <a:prstGeom prst="ellipse">
@@ -4149,13 +7496,13 @@
       </p:sp>
       <p:sp>
         <p:nvSpPr>
-          <p:cNvPr id="44" name="Ellipse 43"/>
+          <p:cNvPr id="58" name="Ellipse 57"/>
           <p:cNvSpPr/>
           <p:nvPr/>
         </p:nvSpPr>
         <p:spPr>
           <a:xfrm>
-            <a:off x="2647872" y="2261700"/>
+            <a:off x="5888232" y="2724239"/>
             <a:ext cx="67816" cy="67816"/>
           </a:xfrm>
           <a:prstGeom prst="ellipse">
@@ -4195,43 +7542,13 @@
       </p:sp>
       <p:sp>
         <p:nvSpPr>
-          <p:cNvPr id="45" name="ZoneTexte 44"/>
+          <p:cNvPr id="59" name="ZoneTexte 58"/>
           <p:cNvSpPr txBox="1"/>
           <p:nvPr/>
         </p:nvSpPr>
         <p:spPr>
           <a:xfrm>
-            <a:off x="2545871" y="719118"/>
-            <a:ext cx="504056" cy="261610"/>
-          </a:xfrm>
-          <a:prstGeom prst="rect">
-            <a:avLst/>
-          </a:prstGeom>
-          <a:noFill/>
-        </p:spPr>
-        <p:txBody>
-          <a:bodyPr wrap="square" rtlCol="0">
-            <a:spAutoFit/>
-          </a:bodyPr>
-          <a:lstStyle/>
-          <a:p>
-            <a:r>
-              <a:rPr lang="fr-FR" sz="1100" dirty="0" smtClean="0"/>
-              <a:t>A</a:t>
-            </a:r>
-            <a:endParaRPr lang="fr-FR" sz="1100" baseline="-25000" dirty="0"/>
-          </a:p>
-        </p:txBody>
-      </p:sp>
-      <p:sp>
-        <p:nvSpPr>
-          <p:cNvPr id="46" name="ZoneTexte 45"/>
-          <p:cNvSpPr txBox="1"/>
-          <p:nvPr/>
-        </p:nvSpPr>
-        <p:spPr>
-          <a:xfrm>
-            <a:off x="2564772" y="2042856"/>
+            <a:off x="5786231" y="1181657"/>
             <a:ext cx="504056" cy="261610"/>
           </a:xfrm>
           <a:prstGeom prst="rect">
@@ -4253,10 +7570,1629 @@
           </a:p>
         </p:txBody>
       </p:sp>
+      <p:sp>
+        <p:nvSpPr>
+          <p:cNvPr id="60" name="ZoneTexte 59"/>
+          <p:cNvSpPr txBox="1"/>
+          <p:nvPr/>
+        </p:nvSpPr>
+        <p:spPr>
+          <a:xfrm>
+            <a:off x="5805132" y="2505395"/>
+            <a:ext cx="504056" cy="205184"/>
+          </a:xfrm>
+          <a:prstGeom prst="rect">
+            <a:avLst/>
+          </a:prstGeom>
+          <a:noFill/>
+        </p:spPr>
+        <p:txBody>
+          <a:bodyPr wrap="square" rtlCol="0">
+            <a:spAutoFit/>
+          </a:bodyPr>
+          <a:lstStyle/>
+          <a:p>
+            <a:r>
+              <a:rPr lang="fr-FR" sz="1100" baseline="-25000" dirty="0" smtClean="0"/>
+              <a:t>M</a:t>
+            </a:r>
+            <a:endParaRPr lang="fr-FR" sz="1100" baseline="-25000" dirty="0"/>
+          </a:p>
+        </p:txBody>
+      </p:sp>
+      <p:sp>
+        <p:nvSpPr>
+          <p:cNvPr id="61" name="Rectangle 60"/>
+          <p:cNvSpPr/>
+          <p:nvPr/>
+        </p:nvSpPr>
+        <p:spPr>
+          <a:xfrm rot="5400000">
+            <a:off x="5867396" y="2834952"/>
+            <a:ext cx="108000" cy="216000"/>
+          </a:xfrm>
+          <a:prstGeom prst="rect">
+            <a:avLst/>
+          </a:prstGeom>
+          <a:pattFill prst="ltUpDiag">
+            <a:fgClr>
+              <a:schemeClr val="accent1"/>
+            </a:fgClr>
+            <a:bgClr>
+              <a:schemeClr val="bg1"/>
+            </a:bgClr>
+          </a:pattFill>
+          <a:ln w="12700">
+            <a:noFill/>
+          </a:ln>
+        </p:spPr>
+        <p:style>
+          <a:lnRef idx="2">
+            <a:schemeClr val="accent1">
+              <a:shade val="50000"/>
+            </a:schemeClr>
+          </a:lnRef>
+          <a:fillRef idx="1">
+            <a:schemeClr val="accent1"/>
+          </a:fillRef>
+          <a:effectRef idx="0">
+            <a:schemeClr val="accent1"/>
+          </a:effectRef>
+          <a:fontRef idx="minor">
+            <a:schemeClr val="lt1"/>
+          </a:fontRef>
+        </p:style>
+        <p:txBody>
+          <a:bodyPr rtlCol="0" anchor="ctr"/>
+          <a:lstStyle/>
+          <a:p>
+            <a:pPr algn="ctr"/>
+            <a:endParaRPr lang="fr-FR"/>
+          </a:p>
+        </p:txBody>
+      </p:sp>
+      <p:cxnSp>
+        <p:nvCxnSpPr>
+          <p:cNvPr id="62" name="Connecteur droit 61"/>
+          <p:cNvCxnSpPr/>
+          <p:nvPr/>
+        </p:nvCxnSpPr>
+        <p:spPr>
+          <a:xfrm rot="5400000" flipV="1">
+            <a:off x="5921396" y="2780952"/>
+            <a:ext cx="0" cy="216000"/>
+          </a:xfrm>
+          <a:prstGeom prst="line">
+            <a:avLst/>
+          </a:prstGeom>
+          <a:noFill/>
+          <a:ln w="12700">
+            <a:solidFill>
+              <a:srgbClr val="0070C0"/>
+            </a:solidFill>
+          </a:ln>
+        </p:spPr>
+        <p:style>
+          <a:lnRef idx="2">
+            <a:schemeClr val="accent1">
+              <a:shade val="50000"/>
+            </a:schemeClr>
+          </a:lnRef>
+          <a:fillRef idx="1">
+            <a:schemeClr val="accent1"/>
+          </a:fillRef>
+          <a:effectRef idx="0">
+            <a:schemeClr val="accent1"/>
+          </a:effectRef>
+          <a:fontRef idx="minor">
+            <a:schemeClr val="lt1"/>
+          </a:fontRef>
+        </p:style>
+      </p:cxnSp>
+      <p:cxnSp>
+        <p:nvCxnSpPr>
+          <p:cNvPr id="63" name="Connecteur droit 62"/>
+          <p:cNvCxnSpPr/>
+          <p:nvPr/>
+        </p:nvCxnSpPr>
+        <p:spPr>
+          <a:xfrm flipV="1">
+            <a:off x="6084763" y="1450813"/>
+            <a:ext cx="0" cy="1280972"/>
+          </a:xfrm>
+          <a:prstGeom prst="line">
+            <a:avLst/>
+          </a:prstGeom>
+          <a:noFill/>
+          <a:ln w="12700">
+            <a:solidFill>
+              <a:srgbClr val="0070C0"/>
+            </a:solidFill>
+            <a:tailEnd type="stealth" w="med" len="lg"/>
+          </a:ln>
+        </p:spPr>
+        <p:style>
+          <a:lnRef idx="2">
+            <a:schemeClr val="accent1">
+              <a:shade val="50000"/>
+            </a:schemeClr>
+          </a:lnRef>
+          <a:fillRef idx="1">
+            <a:schemeClr val="accent1"/>
+          </a:fillRef>
+          <a:effectRef idx="0">
+            <a:schemeClr val="accent1"/>
+          </a:effectRef>
+          <a:fontRef idx="minor">
+            <a:schemeClr val="lt1"/>
+          </a:fontRef>
+        </p:style>
+      </p:cxnSp>
+      <p:sp>
+        <p:nvSpPr>
+          <p:cNvPr id="64" name="ZoneTexte 63"/>
+          <p:cNvSpPr txBox="1"/>
+          <p:nvPr/>
+        </p:nvSpPr>
+        <p:spPr>
+          <a:xfrm>
+            <a:off x="6156176" y="1911299"/>
+            <a:ext cx="504056" cy="261610"/>
+          </a:xfrm>
+          <a:prstGeom prst="rect">
+            <a:avLst/>
+          </a:prstGeom>
+          <a:noFill/>
+        </p:spPr>
+        <p:txBody>
+          <a:bodyPr wrap="square" rtlCol="0">
+            <a:spAutoFit/>
+          </a:bodyPr>
+          <a:lstStyle/>
+          <a:p>
+            <a:r>
+              <a:rPr lang="fr-FR" sz="1100" dirty="0" smtClean="0"/>
+              <a:t>V</a:t>
+            </a:r>
+            <a:r>
+              <a:rPr lang="fr-FR" sz="1100" baseline="-25000" dirty="0" smtClean="0"/>
+              <a:t>S</a:t>
+            </a:r>
+            <a:endParaRPr lang="fr-FR" sz="1100" baseline="-25000" dirty="0"/>
+          </a:p>
+        </p:txBody>
+      </p:sp>
+      <p:sp>
+        <p:nvSpPr>
+          <p:cNvPr id="65" name="Rectangle 64"/>
+          <p:cNvSpPr/>
+          <p:nvPr/>
+        </p:nvSpPr>
+        <p:spPr>
+          <a:xfrm rot="5400000">
+            <a:off x="2265423" y="1068082"/>
+            <a:ext cx="436710" cy="1584156"/>
+          </a:xfrm>
+          <a:prstGeom prst="rect">
+            <a:avLst/>
+          </a:prstGeom>
+          <a:noFill/>
+          <a:ln w="6350">
+            <a:solidFill>
+              <a:srgbClr val="7030A0"/>
+            </a:solidFill>
+            <a:prstDash val="dash"/>
+          </a:ln>
+        </p:spPr>
+        <p:style>
+          <a:lnRef idx="2">
+            <a:schemeClr val="accent1">
+              <a:shade val="50000"/>
+            </a:schemeClr>
+          </a:lnRef>
+          <a:fillRef idx="1">
+            <a:schemeClr val="accent1"/>
+          </a:fillRef>
+          <a:effectRef idx="0">
+            <a:schemeClr val="accent1"/>
+          </a:effectRef>
+          <a:fontRef idx="minor">
+            <a:schemeClr val="lt1"/>
+          </a:fontRef>
+        </p:style>
+        <p:txBody>
+          <a:bodyPr rtlCol="0" anchor="ctr"/>
+          <a:lstStyle/>
+          <a:p>
+            <a:pPr algn="ctr"/>
+            <a:endParaRPr lang="fr-FR"/>
+          </a:p>
+        </p:txBody>
+      </p:sp>
+      <p:sp>
+        <p:nvSpPr>
+          <p:cNvPr id="66" name="Rectangle 65"/>
+          <p:cNvSpPr/>
+          <p:nvPr/>
+        </p:nvSpPr>
+        <p:spPr>
+          <a:xfrm rot="5400000">
+            <a:off x="2328920" y="1445572"/>
+            <a:ext cx="499394" cy="1773945"/>
+          </a:xfrm>
+          <a:prstGeom prst="rect">
+            <a:avLst/>
+          </a:prstGeom>
+          <a:noFill/>
+          <a:ln w="6350">
+            <a:solidFill>
+              <a:srgbClr val="00B050"/>
+            </a:solidFill>
+            <a:prstDash val="dash"/>
+          </a:ln>
+        </p:spPr>
+        <p:style>
+          <a:lnRef idx="2">
+            <a:schemeClr val="accent1">
+              <a:shade val="50000"/>
+            </a:schemeClr>
+          </a:lnRef>
+          <a:fillRef idx="1">
+            <a:schemeClr val="accent1"/>
+          </a:fillRef>
+          <a:effectRef idx="0">
+            <a:schemeClr val="accent1"/>
+          </a:effectRef>
+          <a:fontRef idx="minor">
+            <a:schemeClr val="lt1"/>
+          </a:fontRef>
+        </p:style>
+        <p:txBody>
+          <a:bodyPr rtlCol="0" anchor="ctr"/>
+          <a:lstStyle/>
+          <a:p>
+            <a:pPr algn="ctr"/>
+            <a:endParaRPr lang="fr-FR"/>
+          </a:p>
+        </p:txBody>
+      </p:sp>
+      <p:sp>
+        <p:nvSpPr>
+          <p:cNvPr id="67" name="Rectangle 66"/>
+          <p:cNvSpPr/>
+          <p:nvPr/>
+        </p:nvSpPr>
+        <p:spPr>
+          <a:xfrm rot="5400000">
+            <a:off x="4147369" y="1765144"/>
+            <a:ext cx="1449932" cy="672718"/>
+          </a:xfrm>
+          <a:prstGeom prst="rect">
+            <a:avLst/>
+          </a:prstGeom>
+          <a:noFill/>
+          <a:ln w="6350">
+            <a:solidFill>
+              <a:srgbClr val="7030A0"/>
+            </a:solidFill>
+            <a:prstDash val="dash"/>
+          </a:ln>
+        </p:spPr>
+        <p:style>
+          <a:lnRef idx="2">
+            <a:schemeClr val="accent1">
+              <a:shade val="50000"/>
+            </a:schemeClr>
+          </a:lnRef>
+          <a:fillRef idx="1">
+            <a:schemeClr val="accent1"/>
+          </a:fillRef>
+          <a:effectRef idx="0">
+            <a:schemeClr val="accent1"/>
+          </a:effectRef>
+          <a:fontRef idx="minor">
+            <a:schemeClr val="lt1"/>
+          </a:fontRef>
+        </p:style>
+        <p:txBody>
+          <a:bodyPr rtlCol="0" anchor="ctr"/>
+          <a:lstStyle/>
+          <a:p>
+            <a:pPr algn="ctr"/>
+            <a:endParaRPr lang="fr-FR"/>
+          </a:p>
+        </p:txBody>
+      </p:sp>
+      <p:sp>
+        <p:nvSpPr>
+          <p:cNvPr id="68" name="Rectangle 67"/>
+          <p:cNvSpPr/>
+          <p:nvPr/>
+        </p:nvSpPr>
+        <p:spPr>
+          <a:xfrm rot="5400000">
+            <a:off x="4811042" y="1824117"/>
+            <a:ext cx="1447368" cy="557339"/>
+          </a:xfrm>
+          <a:prstGeom prst="rect">
+            <a:avLst/>
+          </a:prstGeom>
+          <a:noFill/>
+          <a:ln w="6350">
+            <a:solidFill>
+              <a:srgbClr val="00B050"/>
+            </a:solidFill>
+            <a:prstDash val="dash"/>
+          </a:ln>
+        </p:spPr>
+        <p:style>
+          <a:lnRef idx="2">
+            <a:schemeClr val="accent1">
+              <a:shade val="50000"/>
+            </a:schemeClr>
+          </a:lnRef>
+          <a:fillRef idx="1">
+            <a:schemeClr val="accent1"/>
+          </a:fillRef>
+          <a:effectRef idx="0">
+            <a:schemeClr val="accent1"/>
+          </a:effectRef>
+          <a:fontRef idx="minor">
+            <a:schemeClr val="lt1"/>
+          </a:fontRef>
+        </p:style>
+        <p:txBody>
+          <a:bodyPr rtlCol="0" anchor="ctr"/>
+          <a:lstStyle/>
+          <a:p>
+            <a:pPr algn="ctr"/>
+            <a:endParaRPr lang="fr-FR"/>
+          </a:p>
+        </p:txBody>
+      </p:sp>
+      <p:sp>
+        <p:nvSpPr>
+          <p:cNvPr id="69" name="Arc 68"/>
+          <p:cNvSpPr/>
+          <p:nvPr/>
+        </p:nvSpPr>
+        <p:spPr>
+          <a:xfrm>
+            <a:off x="3131840" y="1367189"/>
+            <a:ext cx="1656646" cy="742857"/>
+          </a:xfrm>
+          <a:prstGeom prst="arc">
+            <a:avLst>
+              <a:gd name="adj1" fmla="val 11403900"/>
+              <a:gd name="adj2" fmla="val 20047618"/>
+            </a:avLst>
+          </a:prstGeom>
+          <a:ln w="19050" cmpd="dbl">
+            <a:solidFill>
+              <a:srgbClr val="7030A0"/>
+            </a:solidFill>
+            <a:tailEnd type="stealth" w="sm" len="med"/>
+          </a:ln>
+        </p:spPr>
+        <p:style>
+          <a:lnRef idx="1">
+            <a:schemeClr val="accent1"/>
+          </a:lnRef>
+          <a:fillRef idx="0">
+            <a:schemeClr val="accent1"/>
+          </a:fillRef>
+          <a:effectRef idx="0">
+            <a:schemeClr val="accent1"/>
+          </a:effectRef>
+          <a:fontRef idx="minor">
+            <a:schemeClr val="tx1"/>
+          </a:fontRef>
+        </p:style>
+        <p:txBody>
+          <a:bodyPr rtlCol="0" anchor="ctr"/>
+          <a:lstStyle/>
+          <a:p>
+            <a:pPr algn="ctr"/>
+            <a:endParaRPr lang="fr-FR"/>
+          </a:p>
+        </p:txBody>
+      </p:sp>
+      <p:sp>
+        <p:nvSpPr>
+          <p:cNvPr id="70" name="Arc 69"/>
+          <p:cNvSpPr/>
+          <p:nvPr/>
+        </p:nvSpPr>
+        <p:spPr>
+          <a:xfrm flipV="1">
+            <a:off x="3073798" y="2024304"/>
+            <a:ext cx="2596314" cy="1044656"/>
+          </a:xfrm>
+          <a:prstGeom prst="arc">
+            <a:avLst>
+              <a:gd name="adj1" fmla="val 10981149"/>
+              <a:gd name="adj2" fmla="val 20680351"/>
+            </a:avLst>
+          </a:prstGeom>
+          <a:ln w="19050" cmpd="dbl">
+            <a:solidFill>
+              <a:srgbClr val="00B050"/>
+            </a:solidFill>
+            <a:tailEnd type="stealth" w="sm" len="med"/>
+          </a:ln>
+        </p:spPr>
+        <p:style>
+          <a:lnRef idx="1">
+            <a:schemeClr val="accent1"/>
+          </a:lnRef>
+          <a:fillRef idx="0">
+            <a:schemeClr val="accent1"/>
+          </a:fillRef>
+          <a:effectRef idx="0">
+            <a:schemeClr val="accent1"/>
+          </a:effectRef>
+          <a:fontRef idx="minor">
+            <a:schemeClr val="tx1"/>
+          </a:fontRef>
+        </p:style>
+        <p:txBody>
+          <a:bodyPr rtlCol="0" anchor="ctr"/>
+          <a:lstStyle/>
+          <a:p>
+            <a:pPr algn="ctr"/>
+            <a:endParaRPr lang="fr-FR"/>
+          </a:p>
+        </p:txBody>
+      </p:sp>
+      <p:sp>
+        <p:nvSpPr>
+          <p:cNvPr id="71" name="ZoneTexte 70"/>
+          <p:cNvSpPr txBox="1"/>
+          <p:nvPr/>
+        </p:nvSpPr>
+        <p:spPr>
+          <a:xfrm>
+            <a:off x="1755761" y="3072619"/>
+            <a:ext cx="1692007" cy="261610"/>
+          </a:xfrm>
+          <a:prstGeom prst="rect">
+            <a:avLst/>
+          </a:prstGeom>
+          <a:noFill/>
+        </p:spPr>
+        <p:txBody>
+          <a:bodyPr wrap="square" rtlCol="0">
+            <a:spAutoFit/>
+          </a:bodyPr>
+          <a:lstStyle/>
+          <a:p>
+            <a:pPr algn="ctr"/>
+            <a:r>
+              <a:rPr lang="fr-FR" sz="1100" dirty="0" smtClean="0"/>
+              <a:t>Capteur </a:t>
+            </a:r>
+            <a:r>
+              <a:rPr lang="fr-FR" sz="1100" dirty="0" err="1" smtClean="0"/>
+              <a:t>potentiométrique</a:t>
+            </a:r>
+            <a:endParaRPr lang="fr-FR" sz="1100" baseline="-25000" dirty="0"/>
+          </a:p>
+        </p:txBody>
+      </p:sp>
+      <p:sp>
+        <p:nvSpPr>
+          <p:cNvPr id="72" name="ZoneTexte 71"/>
+          <p:cNvSpPr txBox="1"/>
+          <p:nvPr/>
+        </p:nvSpPr>
+        <p:spPr>
+          <a:xfrm>
+            <a:off x="4536177" y="3068960"/>
+            <a:ext cx="1692007" cy="261610"/>
+          </a:xfrm>
+          <a:prstGeom prst="rect">
+            <a:avLst/>
+          </a:prstGeom>
+          <a:noFill/>
+        </p:spPr>
+        <p:txBody>
+          <a:bodyPr wrap="square" rtlCol="0">
+            <a:spAutoFit/>
+          </a:bodyPr>
+          <a:lstStyle/>
+          <a:p>
+            <a:pPr algn="ctr"/>
+            <a:r>
+              <a:rPr lang="fr-FR" sz="1100" dirty="0" smtClean="0"/>
+              <a:t>Modélisation</a:t>
+            </a:r>
+            <a:endParaRPr lang="fr-FR" sz="1100" baseline="-25000" dirty="0"/>
+          </a:p>
+        </p:txBody>
+      </p:sp>
+      <p:grpSp>
+        <p:nvGrpSpPr>
+          <p:cNvPr id="73" name="Groupe 72"/>
+          <p:cNvGrpSpPr/>
+          <p:nvPr/>
+        </p:nvGrpSpPr>
+        <p:grpSpPr>
+          <a:xfrm>
+            <a:off x="6804248" y="1196275"/>
+            <a:ext cx="2214256" cy="1815295"/>
+            <a:chOff x="1205616" y="719118"/>
+            <a:chExt cx="2214256" cy="1815295"/>
+          </a:xfrm>
+        </p:grpSpPr>
+        <p:cxnSp>
+          <p:nvCxnSpPr>
+            <p:cNvPr id="74" name="Connecteur droit 73"/>
+            <p:cNvCxnSpPr/>
+            <p:nvPr/>
+          </p:nvCxnSpPr>
+          <p:spPr>
+            <a:xfrm flipV="1">
+              <a:off x="2681036" y="2295608"/>
+              <a:ext cx="0" cy="130805"/>
+            </a:xfrm>
+            <a:prstGeom prst="line">
+              <a:avLst/>
+            </a:prstGeom>
+            <a:noFill/>
+            <a:ln w="12700">
+              <a:solidFill>
+                <a:srgbClr val="0070C0"/>
+              </a:solidFill>
+            </a:ln>
+          </p:spPr>
+          <p:style>
+            <a:lnRef idx="2">
+              <a:schemeClr val="accent1">
+                <a:shade val="50000"/>
+              </a:schemeClr>
+            </a:lnRef>
+            <a:fillRef idx="1">
+              <a:schemeClr val="accent1"/>
+            </a:fillRef>
+            <a:effectRef idx="0">
+              <a:schemeClr val="accent1"/>
+            </a:effectRef>
+            <a:fontRef idx="minor">
+              <a:schemeClr val="lt1"/>
+            </a:fontRef>
+          </p:style>
+        </p:cxnSp>
+        <p:sp>
+          <p:nvSpPr>
+            <p:cNvPr id="75" name="Rectangle 74"/>
+            <p:cNvSpPr/>
+            <p:nvPr/>
+          </p:nvSpPr>
+          <p:spPr>
+            <a:xfrm>
+              <a:off x="1619672" y="1268760"/>
+              <a:ext cx="180000" cy="360000"/>
+            </a:xfrm>
+            <a:prstGeom prst="rect">
+              <a:avLst/>
+            </a:prstGeom>
+            <a:noFill/>
+            <a:ln w="12700">
+              <a:solidFill>
+                <a:srgbClr val="0070C0"/>
+              </a:solidFill>
+            </a:ln>
+          </p:spPr>
+          <p:style>
+            <a:lnRef idx="2">
+              <a:schemeClr val="accent1">
+                <a:shade val="50000"/>
+              </a:schemeClr>
+            </a:lnRef>
+            <a:fillRef idx="1">
+              <a:schemeClr val="accent1"/>
+            </a:fillRef>
+            <a:effectRef idx="0">
+              <a:schemeClr val="accent1"/>
+            </a:effectRef>
+            <a:fontRef idx="minor">
+              <a:schemeClr val="lt1"/>
+            </a:fontRef>
+          </p:style>
+          <p:txBody>
+            <a:bodyPr rtlCol="0" anchor="ctr"/>
+            <a:lstStyle/>
+            <a:p>
+              <a:pPr algn="ctr"/>
+              <a:endParaRPr lang="fr-FR"/>
+            </a:p>
+          </p:txBody>
+        </p:sp>
+        <p:sp>
+          <p:nvSpPr>
+            <p:cNvPr id="76" name="Rectangle 75"/>
+            <p:cNvSpPr/>
+            <p:nvPr/>
+          </p:nvSpPr>
+          <p:spPr>
+            <a:xfrm>
+              <a:off x="2339752" y="1268760"/>
+              <a:ext cx="180000" cy="360000"/>
+            </a:xfrm>
+            <a:prstGeom prst="rect">
+              <a:avLst/>
+            </a:prstGeom>
+            <a:noFill/>
+            <a:ln w="12700">
+              <a:solidFill>
+                <a:srgbClr val="0070C0"/>
+              </a:solidFill>
+            </a:ln>
+          </p:spPr>
+          <p:style>
+            <a:lnRef idx="2">
+              <a:schemeClr val="accent1">
+                <a:shade val="50000"/>
+              </a:schemeClr>
+            </a:lnRef>
+            <a:fillRef idx="1">
+              <a:schemeClr val="accent1"/>
+            </a:fillRef>
+            <a:effectRef idx="0">
+              <a:schemeClr val="accent1"/>
+            </a:effectRef>
+            <a:fontRef idx="minor">
+              <a:schemeClr val="lt1"/>
+            </a:fontRef>
+          </p:style>
+          <p:txBody>
+            <a:bodyPr rtlCol="0" anchor="ctr"/>
+            <a:lstStyle/>
+            <a:p>
+              <a:pPr algn="ctr"/>
+              <a:endParaRPr lang="fr-FR"/>
+            </a:p>
+          </p:txBody>
+        </p:sp>
+        <p:sp>
+          <p:nvSpPr>
+            <p:cNvPr id="77" name="Ellipse 76"/>
+            <p:cNvSpPr/>
+            <p:nvPr/>
+          </p:nvSpPr>
+          <p:spPr>
+            <a:xfrm>
+              <a:off x="1574652" y="1772816"/>
+              <a:ext cx="270040" cy="270040"/>
+            </a:xfrm>
+            <a:prstGeom prst="ellipse">
+              <a:avLst/>
+            </a:prstGeom>
+            <a:noFill/>
+            <a:ln w="12700">
+              <a:solidFill>
+                <a:srgbClr val="0070C0"/>
+              </a:solidFill>
+            </a:ln>
+          </p:spPr>
+          <p:style>
+            <a:lnRef idx="2">
+              <a:schemeClr val="accent1">
+                <a:shade val="50000"/>
+              </a:schemeClr>
+            </a:lnRef>
+            <a:fillRef idx="1">
+              <a:schemeClr val="accent1"/>
+            </a:fillRef>
+            <a:effectRef idx="0">
+              <a:schemeClr val="accent1"/>
+            </a:effectRef>
+            <a:fontRef idx="minor">
+              <a:schemeClr val="lt1"/>
+            </a:fontRef>
+          </p:style>
+          <p:txBody>
+            <a:bodyPr rtlCol="0" anchor="ctr"/>
+            <a:lstStyle/>
+            <a:p>
+              <a:pPr algn="ctr"/>
+              <a:endParaRPr lang="fr-FR"/>
+            </a:p>
+          </p:txBody>
+        </p:sp>
+        <p:sp>
+          <p:nvSpPr>
+            <p:cNvPr id="78" name="Ellipse 77"/>
+            <p:cNvSpPr/>
+            <p:nvPr/>
+          </p:nvSpPr>
+          <p:spPr>
+            <a:xfrm>
+              <a:off x="2294732" y="1772816"/>
+              <a:ext cx="270040" cy="270040"/>
+            </a:xfrm>
+            <a:prstGeom prst="ellipse">
+              <a:avLst/>
+            </a:prstGeom>
+            <a:noFill/>
+            <a:ln w="12700">
+              <a:solidFill>
+                <a:srgbClr val="0070C0"/>
+              </a:solidFill>
+            </a:ln>
+          </p:spPr>
+          <p:style>
+            <a:lnRef idx="2">
+              <a:schemeClr val="accent1">
+                <a:shade val="50000"/>
+              </a:schemeClr>
+            </a:lnRef>
+            <a:fillRef idx="1">
+              <a:schemeClr val="accent1"/>
+            </a:fillRef>
+            <a:effectRef idx="0">
+              <a:schemeClr val="accent1"/>
+            </a:effectRef>
+            <a:fontRef idx="minor">
+              <a:schemeClr val="lt1"/>
+            </a:fontRef>
+          </p:style>
+          <p:txBody>
+            <a:bodyPr rtlCol="0" anchor="ctr"/>
+            <a:lstStyle/>
+            <a:p>
+              <a:pPr algn="ctr"/>
+              <a:endParaRPr lang="fr-FR"/>
+            </a:p>
+          </p:txBody>
+        </p:sp>
+        <p:cxnSp>
+          <p:nvCxnSpPr>
+            <p:cNvPr id="79" name="Connecteur droit 78"/>
+            <p:cNvCxnSpPr>
+              <a:endCxn id="75" idx="2"/>
+            </p:cNvCxnSpPr>
+            <p:nvPr/>
+          </p:nvCxnSpPr>
+          <p:spPr>
+            <a:xfrm flipV="1">
+              <a:off x="1709672" y="1628760"/>
+              <a:ext cx="0" cy="666848"/>
+            </a:xfrm>
+            <a:prstGeom prst="line">
+              <a:avLst/>
+            </a:prstGeom>
+            <a:noFill/>
+            <a:ln w="12700">
+              <a:solidFill>
+                <a:srgbClr val="0070C0"/>
+              </a:solidFill>
+            </a:ln>
+          </p:spPr>
+          <p:style>
+            <a:lnRef idx="2">
+              <a:schemeClr val="accent1">
+                <a:shade val="50000"/>
+              </a:schemeClr>
+            </a:lnRef>
+            <a:fillRef idx="1">
+              <a:schemeClr val="accent1"/>
+            </a:fillRef>
+            <a:effectRef idx="0">
+              <a:schemeClr val="accent1"/>
+            </a:effectRef>
+            <a:fontRef idx="minor">
+              <a:schemeClr val="lt1"/>
+            </a:fontRef>
+          </p:style>
+        </p:cxnSp>
+        <p:cxnSp>
+          <p:nvCxnSpPr>
+            <p:cNvPr id="80" name="Connecteur droit 79"/>
+            <p:cNvCxnSpPr/>
+            <p:nvPr/>
+          </p:nvCxnSpPr>
+          <p:spPr>
+            <a:xfrm flipV="1">
+              <a:off x="2429752" y="1628760"/>
+              <a:ext cx="0" cy="666848"/>
+            </a:xfrm>
+            <a:prstGeom prst="line">
+              <a:avLst/>
+            </a:prstGeom>
+            <a:noFill/>
+            <a:ln w="12700">
+              <a:solidFill>
+                <a:srgbClr val="0070C0"/>
+              </a:solidFill>
+            </a:ln>
+          </p:spPr>
+          <p:style>
+            <a:lnRef idx="2">
+              <a:schemeClr val="accent1">
+                <a:shade val="50000"/>
+              </a:schemeClr>
+            </a:lnRef>
+            <a:fillRef idx="1">
+              <a:schemeClr val="accent1"/>
+            </a:fillRef>
+            <a:effectRef idx="0">
+              <a:schemeClr val="accent1"/>
+            </a:effectRef>
+            <a:fontRef idx="minor">
+              <a:schemeClr val="lt1"/>
+            </a:fontRef>
+          </p:style>
+        </p:cxnSp>
+        <p:cxnSp>
+          <p:nvCxnSpPr>
+            <p:cNvPr id="81" name="Connecteur droit 80"/>
+            <p:cNvCxnSpPr>
+              <a:endCxn id="94" idx="2"/>
+            </p:cNvCxnSpPr>
+            <p:nvPr/>
+          </p:nvCxnSpPr>
+          <p:spPr>
+            <a:xfrm>
+              <a:off x="1709672" y="2295608"/>
+              <a:ext cx="938200" cy="0"/>
+            </a:xfrm>
+            <a:prstGeom prst="line">
+              <a:avLst/>
+            </a:prstGeom>
+            <a:noFill/>
+            <a:ln w="12700">
+              <a:solidFill>
+                <a:srgbClr val="0070C0"/>
+              </a:solidFill>
+            </a:ln>
+          </p:spPr>
+          <p:style>
+            <a:lnRef idx="2">
+              <a:schemeClr val="accent1">
+                <a:shade val="50000"/>
+              </a:schemeClr>
+            </a:lnRef>
+            <a:fillRef idx="1">
+              <a:schemeClr val="accent1"/>
+            </a:fillRef>
+            <a:effectRef idx="0">
+              <a:schemeClr val="accent1"/>
+            </a:effectRef>
+            <a:fontRef idx="minor">
+              <a:schemeClr val="lt1"/>
+            </a:fontRef>
+          </p:style>
+        </p:cxnSp>
+        <p:cxnSp>
+          <p:nvCxnSpPr>
+            <p:cNvPr id="82" name="Connecteur droit 81"/>
+            <p:cNvCxnSpPr/>
+            <p:nvPr/>
+          </p:nvCxnSpPr>
+          <p:spPr>
+            <a:xfrm>
+              <a:off x="1709672" y="980728"/>
+              <a:ext cx="938200" cy="0"/>
+            </a:xfrm>
+            <a:prstGeom prst="line">
+              <a:avLst/>
+            </a:prstGeom>
+            <a:noFill/>
+            <a:ln w="12700">
+              <a:solidFill>
+                <a:srgbClr val="0070C0"/>
+              </a:solidFill>
+            </a:ln>
+          </p:spPr>
+          <p:style>
+            <a:lnRef idx="2">
+              <a:schemeClr val="accent1">
+                <a:shade val="50000"/>
+              </a:schemeClr>
+            </a:lnRef>
+            <a:fillRef idx="1">
+              <a:schemeClr val="accent1"/>
+            </a:fillRef>
+            <a:effectRef idx="0">
+              <a:schemeClr val="accent1"/>
+            </a:effectRef>
+            <a:fontRef idx="minor">
+              <a:schemeClr val="lt1"/>
+            </a:fontRef>
+          </p:style>
+        </p:cxnSp>
+        <p:cxnSp>
+          <p:nvCxnSpPr>
+            <p:cNvPr id="83" name="Connecteur droit 82"/>
+            <p:cNvCxnSpPr>
+              <a:stCxn id="75" idx="0"/>
+            </p:cNvCxnSpPr>
+            <p:nvPr/>
+          </p:nvCxnSpPr>
+          <p:spPr>
+            <a:xfrm flipV="1">
+              <a:off x="1709672" y="980728"/>
+              <a:ext cx="0" cy="288032"/>
+            </a:xfrm>
+            <a:prstGeom prst="line">
+              <a:avLst/>
+            </a:prstGeom>
+            <a:noFill/>
+            <a:ln w="12700">
+              <a:solidFill>
+                <a:srgbClr val="0070C0"/>
+              </a:solidFill>
+            </a:ln>
+          </p:spPr>
+          <p:style>
+            <a:lnRef idx="2">
+              <a:schemeClr val="accent1">
+                <a:shade val="50000"/>
+              </a:schemeClr>
+            </a:lnRef>
+            <a:fillRef idx="1">
+              <a:schemeClr val="accent1"/>
+            </a:fillRef>
+            <a:effectRef idx="0">
+              <a:schemeClr val="accent1"/>
+            </a:effectRef>
+            <a:fontRef idx="minor">
+              <a:schemeClr val="lt1"/>
+            </a:fontRef>
+          </p:style>
+        </p:cxnSp>
+        <p:cxnSp>
+          <p:nvCxnSpPr>
+            <p:cNvPr id="84" name="Connecteur droit 83"/>
+            <p:cNvCxnSpPr>
+              <a:stCxn id="76" idx="0"/>
+            </p:cNvCxnSpPr>
+            <p:nvPr/>
+          </p:nvCxnSpPr>
+          <p:spPr>
+            <a:xfrm flipV="1">
+              <a:off x="2429752" y="980728"/>
+              <a:ext cx="0" cy="288032"/>
+            </a:xfrm>
+            <a:prstGeom prst="line">
+              <a:avLst/>
+            </a:prstGeom>
+            <a:noFill/>
+            <a:ln w="12700">
+              <a:solidFill>
+                <a:srgbClr val="0070C0"/>
+              </a:solidFill>
+            </a:ln>
+          </p:spPr>
+          <p:style>
+            <a:lnRef idx="2">
+              <a:schemeClr val="accent1">
+                <a:shade val="50000"/>
+              </a:schemeClr>
+            </a:lnRef>
+            <a:fillRef idx="1">
+              <a:schemeClr val="accent1"/>
+            </a:fillRef>
+            <a:effectRef idx="0">
+              <a:schemeClr val="accent1"/>
+            </a:effectRef>
+            <a:fontRef idx="minor">
+              <a:schemeClr val="lt1"/>
+            </a:fontRef>
+          </p:style>
+        </p:cxnSp>
+        <p:cxnSp>
+          <p:nvCxnSpPr>
+            <p:cNvPr id="85" name="Connecteur droit 84"/>
+            <p:cNvCxnSpPr/>
+            <p:nvPr/>
+          </p:nvCxnSpPr>
+          <p:spPr>
+            <a:xfrm flipH="1" flipV="1">
+              <a:off x="1709672" y="1056928"/>
+              <a:ext cx="0" cy="135632"/>
+            </a:xfrm>
+            <a:prstGeom prst="line">
+              <a:avLst/>
+            </a:prstGeom>
+            <a:noFill/>
+            <a:ln w="12700">
+              <a:solidFill>
+                <a:srgbClr val="0070C0"/>
+              </a:solidFill>
+              <a:tailEnd type="triangle"/>
+            </a:ln>
+          </p:spPr>
+          <p:style>
+            <a:lnRef idx="2">
+              <a:schemeClr val="accent1">
+                <a:shade val="50000"/>
+              </a:schemeClr>
+            </a:lnRef>
+            <a:fillRef idx="1">
+              <a:schemeClr val="accent1"/>
+            </a:fillRef>
+            <a:effectRef idx="0">
+              <a:schemeClr val="accent1"/>
+            </a:effectRef>
+            <a:fontRef idx="minor">
+              <a:schemeClr val="lt1"/>
+            </a:fontRef>
+          </p:style>
+        </p:cxnSp>
+        <p:cxnSp>
+          <p:nvCxnSpPr>
+            <p:cNvPr id="86" name="Connecteur droit 85"/>
+            <p:cNvCxnSpPr/>
+            <p:nvPr/>
+          </p:nvCxnSpPr>
+          <p:spPr>
+            <a:xfrm flipH="1" flipV="1">
+              <a:off x="2429752" y="1056928"/>
+              <a:ext cx="0" cy="135632"/>
+            </a:xfrm>
+            <a:prstGeom prst="line">
+              <a:avLst/>
+            </a:prstGeom>
+            <a:noFill/>
+            <a:ln w="12700">
+              <a:solidFill>
+                <a:srgbClr val="0070C0"/>
+              </a:solidFill>
+              <a:tailEnd type="triangle"/>
+            </a:ln>
+          </p:spPr>
+          <p:style>
+            <a:lnRef idx="2">
+              <a:schemeClr val="accent1">
+                <a:shade val="50000"/>
+              </a:schemeClr>
+            </a:lnRef>
+            <a:fillRef idx="1">
+              <a:schemeClr val="accent1"/>
+            </a:fillRef>
+            <a:effectRef idx="0">
+              <a:schemeClr val="accent1"/>
+            </a:effectRef>
+            <a:fontRef idx="minor">
+              <a:schemeClr val="lt1"/>
+            </a:fontRef>
+          </p:style>
+        </p:cxnSp>
+        <p:cxnSp>
+          <p:nvCxnSpPr>
+            <p:cNvPr id="87" name="Connecteur droit 86"/>
+            <p:cNvCxnSpPr/>
+            <p:nvPr/>
+          </p:nvCxnSpPr>
+          <p:spPr>
+            <a:xfrm flipV="1">
+              <a:off x="1481287" y="1736812"/>
+              <a:ext cx="0" cy="342048"/>
+            </a:xfrm>
+            <a:prstGeom prst="line">
+              <a:avLst/>
+            </a:prstGeom>
+            <a:noFill/>
+            <a:ln w="12700">
+              <a:solidFill>
+                <a:srgbClr val="0070C0"/>
+              </a:solidFill>
+              <a:tailEnd type="stealth" w="med" len="lg"/>
+            </a:ln>
+          </p:spPr>
+          <p:style>
+            <a:lnRef idx="2">
+              <a:schemeClr val="accent1">
+                <a:shade val="50000"/>
+              </a:schemeClr>
+            </a:lnRef>
+            <a:fillRef idx="1">
+              <a:schemeClr val="accent1"/>
+            </a:fillRef>
+            <a:effectRef idx="0">
+              <a:schemeClr val="accent1"/>
+            </a:effectRef>
+            <a:fontRef idx="minor">
+              <a:schemeClr val="lt1"/>
+            </a:fontRef>
+          </p:style>
+        </p:cxnSp>
+        <p:cxnSp>
+          <p:nvCxnSpPr>
+            <p:cNvPr id="88" name="Connecteur droit 87"/>
+            <p:cNvCxnSpPr/>
+            <p:nvPr/>
+          </p:nvCxnSpPr>
+          <p:spPr>
+            <a:xfrm flipV="1">
+              <a:off x="2195736" y="1736812"/>
+              <a:ext cx="0" cy="342048"/>
+            </a:xfrm>
+            <a:prstGeom prst="line">
+              <a:avLst/>
+            </a:prstGeom>
+            <a:noFill/>
+            <a:ln w="12700">
+              <a:solidFill>
+                <a:srgbClr val="0070C0"/>
+              </a:solidFill>
+              <a:tailEnd type="stealth" w="med" len="lg"/>
+            </a:ln>
+          </p:spPr>
+          <p:style>
+            <a:lnRef idx="2">
+              <a:schemeClr val="accent1">
+                <a:shade val="50000"/>
+              </a:schemeClr>
+            </a:lnRef>
+            <a:fillRef idx="1">
+              <a:schemeClr val="accent1"/>
+            </a:fillRef>
+            <a:effectRef idx="0">
+              <a:schemeClr val="accent1"/>
+            </a:effectRef>
+            <a:fontRef idx="minor">
+              <a:schemeClr val="lt1"/>
+            </a:fontRef>
+          </p:style>
+        </p:cxnSp>
+        <p:sp>
+          <p:nvSpPr>
+            <p:cNvPr id="89" name="ZoneTexte 88"/>
+            <p:cNvSpPr txBox="1"/>
+            <p:nvPr/>
+          </p:nvSpPr>
+          <p:spPr>
+            <a:xfrm>
+              <a:off x="1205616" y="1781246"/>
+              <a:ext cx="504056" cy="261610"/>
+            </a:xfrm>
+            <a:prstGeom prst="rect">
+              <a:avLst/>
+            </a:prstGeom>
+            <a:noFill/>
+          </p:spPr>
+          <p:txBody>
+            <a:bodyPr wrap="square" rtlCol="0">
+              <a:spAutoFit/>
+            </a:bodyPr>
+            <a:lstStyle/>
+            <a:p>
+              <a:r>
+                <a:rPr lang="fr-FR" sz="1100" dirty="0" smtClean="0"/>
+                <a:t>E</a:t>
+              </a:r>
+              <a:r>
+                <a:rPr lang="fr-FR" sz="1100" baseline="-25000" dirty="0" smtClean="0"/>
+                <a:t>1</a:t>
+              </a:r>
+              <a:endParaRPr lang="fr-FR" sz="1100" baseline="-25000" dirty="0"/>
+            </a:p>
+          </p:txBody>
+        </p:sp>
+        <p:sp>
+          <p:nvSpPr>
+            <p:cNvPr id="90" name="ZoneTexte 89"/>
+            <p:cNvSpPr txBox="1"/>
+            <p:nvPr/>
+          </p:nvSpPr>
+          <p:spPr>
+            <a:xfrm>
+              <a:off x="1943708" y="1781246"/>
+              <a:ext cx="504056" cy="261610"/>
+            </a:xfrm>
+            <a:prstGeom prst="rect">
+              <a:avLst/>
+            </a:prstGeom>
+            <a:noFill/>
+          </p:spPr>
+          <p:txBody>
+            <a:bodyPr wrap="square" rtlCol="0">
+              <a:spAutoFit/>
+            </a:bodyPr>
+            <a:lstStyle/>
+            <a:p>
+              <a:r>
+                <a:rPr lang="fr-FR" sz="1100" dirty="0" smtClean="0"/>
+                <a:t>E</a:t>
+              </a:r>
+              <a:r>
+                <a:rPr lang="fr-FR" sz="1100" baseline="-25000" dirty="0" smtClean="0"/>
+                <a:t>2</a:t>
+              </a:r>
+              <a:endParaRPr lang="fr-FR" sz="1100" baseline="-25000" dirty="0"/>
+            </a:p>
+          </p:txBody>
+        </p:sp>
+        <p:sp>
+          <p:nvSpPr>
+            <p:cNvPr id="91" name="ZoneTexte 90"/>
+            <p:cNvSpPr txBox="1"/>
+            <p:nvPr/>
+          </p:nvSpPr>
+          <p:spPr>
+            <a:xfrm>
+              <a:off x="1295616" y="1317955"/>
+              <a:ext cx="504056" cy="261610"/>
+            </a:xfrm>
+            <a:prstGeom prst="rect">
+              <a:avLst/>
+            </a:prstGeom>
+            <a:noFill/>
+          </p:spPr>
+          <p:txBody>
+            <a:bodyPr wrap="square" rtlCol="0">
+              <a:spAutoFit/>
+            </a:bodyPr>
+            <a:lstStyle/>
+            <a:p>
+              <a:r>
+                <a:rPr lang="fr-FR" sz="1100" dirty="0" smtClean="0"/>
+                <a:t>R</a:t>
+              </a:r>
+              <a:r>
+                <a:rPr lang="fr-FR" sz="1100" baseline="-25000" dirty="0" smtClean="0"/>
+                <a:t>1</a:t>
+              </a:r>
+              <a:endParaRPr lang="fr-FR" sz="1100" baseline="-25000" dirty="0"/>
+            </a:p>
+          </p:txBody>
+        </p:sp>
+        <p:sp>
+          <p:nvSpPr>
+            <p:cNvPr id="92" name="ZoneTexte 91"/>
+            <p:cNvSpPr txBox="1"/>
+            <p:nvPr/>
+          </p:nvSpPr>
+          <p:spPr>
+            <a:xfrm>
+              <a:off x="2015696" y="1318749"/>
+              <a:ext cx="504056" cy="261610"/>
+            </a:xfrm>
+            <a:prstGeom prst="rect">
+              <a:avLst/>
+            </a:prstGeom>
+            <a:noFill/>
+          </p:spPr>
+          <p:txBody>
+            <a:bodyPr wrap="square" rtlCol="0">
+              <a:spAutoFit/>
+            </a:bodyPr>
+            <a:lstStyle/>
+            <a:p>
+              <a:r>
+                <a:rPr lang="fr-FR" sz="1100" dirty="0" smtClean="0"/>
+                <a:t>R</a:t>
+              </a:r>
+              <a:r>
+                <a:rPr lang="fr-FR" sz="1100" baseline="-25000" dirty="0" smtClean="0"/>
+                <a:t>2</a:t>
+              </a:r>
+              <a:endParaRPr lang="fr-FR" sz="1100" baseline="-25000" dirty="0"/>
+            </a:p>
+          </p:txBody>
+        </p:sp>
+        <p:sp>
+          <p:nvSpPr>
+            <p:cNvPr id="93" name="Ellipse 92"/>
+            <p:cNvSpPr/>
+            <p:nvPr/>
+          </p:nvSpPr>
+          <p:spPr>
+            <a:xfrm>
+              <a:off x="2647872" y="946820"/>
+              <a:ext cx="67816" cy="67816"/>
+            </a:xfrm>
+            <a:prstGeom prst="ellipse">
+              <a:avLst/>
+            </a:prstGeom>
+            <a:solidFill>
+              <a:schemeClr val="accent1"/>
+            </a:solidFill>
+            <a:ln>
+              <a:noFill/>
+            </a:ln>
+          </p:spPr>
+          <p:style>
+            <a:lnRef idx="2">
+              <a:schemeClr val="accent1">
+                <a:shade val="50000"/>
+              </a:schemeClr>
+            </a:lnRef>
+            <a:fillRef idx="1">
+              <a:schemeClr val="accent1"/>
+            </a:fillRef>
+            <a:effectRef idx="0">
+              <a:schemeClr val="accent1"/>
+            </a:effectRef>
+            <a:fontRef idx="minor">
+              <a:schemeClr val="lt1"/>
+            </a:fontRef>
+          </p:style>
+          <p:txBody>
+            <a:bodyPr rtlCol="0" anchor="ctr"/>
+            <a:lstStyle/>
+            <a:p>
+              <a:pPr algn="ctr"/>
+              <a:endParaRPr lang="fr-FR"/>
+            </a:p>
+          </p:txBody>
+        </p:sp>
+        <p:sp>
+          <p:nvSpPr>
+            <p:cNvPr id="94" name="Ellipse 93"/>
+            <p:cNvSpPr/>
+            <p:nvPr/>
+          </p:nvSpPr>
+          <p:spPr>
+            <a:xfrm>
+              <a:off x="2647872" y="2261700"/>
+              <a:ext cx="67816" cy="67816"/>
+            </a:xfrm>
+            <a:prstGeom prst="ellipse">
+              <a:avLst/>
+            </a:prstGeom>
+            <a:solidFill>
+              <a:schemeClr val="accent1"/>
+            </a:solidFill>
+            <a:ln>
+              <a:noFill/>
+            </a:ln>
+          </p:spPr>
+          <p:style>
+            <a:lnRef idx="2">
+              <a:schemeClr val="accent1">
+                <a:shade val="50000"/>
+              </a:schemeClr>
+            </a:lnRef>
+            <a:fillRef idx="1">
+              <a:schemeClr val="accent1"/>
+            </a:fillRef>
+            <a:effectRef idx="0">
+              <a:schemeClr val="accent1"/>
+            </a:effectRef>
+            <a:fontRef idx="minor">
+              <a:schemeClr val="lt1"/>
+            </a:fontRef>
+          </p:style>
+          <p:txBody>
+            <a:bodyPr rtlCol="0" anchor="ctr"/>
+            <a:lstStyle/>
+            <a:p>
+              <a:pPr algn="ctr"/>
+              <a:endParaRPr lang="fr-FR"/>
+            </a:p>
+          </p:txBody>
+        </p:sp>
+        <p:sp>
+          <p:nvSpPr>
+            <p:cNvPr id="95" name="ZoneTexte 94"/>
+            <p:cNvSpPr txBox="1"/>
+            <p:nvPr/>
+          </p:nvSpPr>
+          <p:spPr>
+            <a:xfrm>
+              <a:off x="2545871" y="719118"/>
+              <a:ext cx="504056" cy="261610"/>
+            </a:xfrm>
+            <a:prstGeom prst="rect">
+              <a:avLst/>
+            </a:prstGeom>
+            <a:noFill/>
+          </p:spPr>
+          <p:txBody>
+            <a:bodyPr wrap="square" rtlCol="0">
+              <a:spAutoFit/>
+            </a:bodyPr>
+            <a:lstStyle/>
+            <a:p>
+              <a:r>
+                <a:rPr lang="fr-FR" sz="1100" dirty="0" smtClean="0"/>
+                <a:t>B</a:t>
+              </a:r>
+              <a:endParaRPr lang="fr-FR" sz="1100" baseline="-25000" dirty="0"/>
+            </a:p>
+          </p:txBody>
+        </p:sp>
+        <p:sp>
+          <p:nvSpPr>
+            <p:cNvPr id="96" name="ZoneTexte 95"/>
+            <p:cNvSpPr txBox="1"/>
+            <p:nvPr/>
+          </p:nvSpPr>
+          <p:spPr>
+            <a:xfrm>
+              <a:off x="2564772" y="2042856"/>
+              <a:ext cx="504056" cy="205184"/>
+            </a:xfrm>
+            <a:prstGeom prst="rect">
+              <a:avLst/>
+            </a:prstGeom>
+            <a:noFill/>
+          </p:spPr>
+          <p:txBody>
+            <a:bodyPr wrap="square" rtlCol="0">
+              <a:spAutoFit/>
+            </a:bodyPr>
+            <a:lstStyle/>
+            <a:p>
+              <a:r>
+                <a:rPr lang="fr-FR" sz="1100" baseline="-25000" dirty="0" smtClean="0"/>
+                <a:t>M</a:t>
+              </a:r>
+              <a:endParaRPr lang="fr-FR" sz="1100" baseline="-25000" dirty="0"/>
+            </a:p>
+          </p:txBody>
+        </p:sp>
+        <p:sp>
+          <p:nvSpPr>
+            <p:cNvPr id="97" name="Rectangle 96"/>
+            <p:cNvSpPr/>
+            <p:nvPr/>
+          </p:nvSpPr>
+          <p:spPr>
+            <a:xfrm rot="5400000">
+              <a:off x="2627036" y="2372413"/>
+              <a:ext cx="108000" cy="216000"/>
+            </a:xfrm>
+            <a:prstGeom prst="rect">
+              <a:avLst/>
+            </a:prstGeom>
+            <a:pattFill prst="ltUpDiag">
+              <a:fgClr>
+                <a:schemeClr val="accent1"/>
+              </a:fgClr>
+              <a:bgClr>
+                <a:schemeClr val="bg1"/>
+              </a:bgClr>
+            </a:pattFill>
+            <a:ln w="12700">
+              <a:noFill/>
+            </a:ln>
+          </p:spPr>
+          <p:style>
+            <a:lnRef idx="2">
+              <a:schemeClr val="accent1">
+                <a:shade val="50000"/>
+              </a:schemeClr>
+            </a:lnRef>
+            <a:fillRef idx="1">
+              <a:schemeClr val="accent1"/>
+            </a:fillRef>
+            <a:effectRef idx="0">
+              <a:schemeClr val="accent1"/>
+            </a:effectRef>
+            <a:fontRef idx="minor">
+              <a:schemeClr val="lt1"/>
+            </a:fontRef>
+          </p:style>
+          <p:txBody>
+            <a:bodyPr rtlCol="0" anchor="ctr"/>
+            <a:lstStyle/>
+            <a:p>
+              <a:pPr algn="ctr"/>
+              <a:endParaRPr lang="fr-FR"/>
+            </a:p>
+          </p:txBody>
+        </p:sp>
+        <p:cxnSp>
+          <p:nvCxnSpPr>
+            <p:cNvPr id="98" name="Connecteur droit 97"/>
+            <p:cNvCxnSpPr/>
+            <p:nvPr/>
+          </p:nvCxnSpPr>
+          <p:spPr>
+            <a:xfrm rot="5400000" flipV="1">
+              <a:off x="2681036" y="2318413"/>
+              <a:ext cx="0" cy="216000"/>
+            </a:xfrm>
+            <a:prstGeom prst="line">
+              <a:avLst/>
+            </a:prstGeom>
+            <a:noFill/>
+            <a:ln w="12700">
+              <a:solidFill>
+                <a:srgbClr val="0070C0"/>
+              </a:solidFill>
+            </a:ln>
+          </p:spPr>
+          <p:style>
+            <a:lnRef idx="2">
+              <a:schemeClr val="accent1">
+                <a:shade val="50000"/>
+              </a:schemeClr>
+            </a:lnRef>
+            <a:fillRef idx="1">
+              <a:schemeClr val="accent1"/>
+            </a:fillRef>
+            <a:effectRef idx="0">
+              <a:schemeClr val="accent1"/>
+            </a:effectRef>
+            <a:fontRef idx="minor">
+              <a:schemeClr val="lt1"/>
+            </a:fontRef>
+          </p:style>
+        </p:cxnSp>
+        <p:cxnSp>
+          <p:nvCxnSpPr>
+            <p:cNvPr id="99" name="Connecteur droit 98"/>
+            <p:cNvCxnSpPr/>
+            <p:nvPr/>
+          </p:nvCxnSpPr>
+          <p:spPr>
+            <a:xfrm flipV="1">
+              <a:off x="2844403" y="988274"/>
+              <a:ext cx="0" cy="1280972"/>
+            </a:xfrm>
+            <a:prstGeom prst="line">
+              <a:avLst/>
+            </a:prstGeom>
+            <a:noFill/>
+            <a:ln w="12700">
+              <a:solidFill>
+                <a:srgbClr val="0070C0"/>
+              </a:solidFill>
+              <a:tailEnd type="stealth" w="med" len="lg"/>
+            </a:ln>
+          </p:spPr>
+          <p:style>
+            <a:lnRef idx="2">
+              <a:schemeClr val="accent1">
+                <a:shade val="50000"/>
+              </a:schemeClr>
+            </a:lnRef>
+            <a:fillRef idx="1">
+              <a:schemeClr val="accent1"/>
+            </a:fillRef>
+            <a:effectRef idx="0">
+              <a:schemeClr val="accent1"/>
+            </a:effectRef>
+            <a:fontRef idx="minor">
+              <a:schemeClr val="lt1"/>
+            </a:fontRef>
+          </p:style>
+        </p:cxnSp>
+        <p:sp>
+          <p:nvSpPr>
+            <p:cNvPr id="100" name="ZoneTexte 99"/>
+            <p:cNvSpPr txBox="1"/>
+            <p:nvPr/>
+          </p:nvSpPr>
+          <p:spPr>
+            <a:xfrm>
+              <a:off x="2915816" y="1448760"/>
+              <a:ext cx="504056" cy="261610"/>
+            </a:xfrm>
+            <a:prstGeom prst="rect">
+              <a:avLst/>
+            </a:prstGeom>
+            <a:noFill/>
+          </p:spPr>
+          <p:txBody>
+            <a:bodyPr wrap="square" rtlCol="0">
+              <a:spAutoFit/>
+            </a:bodyPr>
+            <a:lstStyle/>
+            <a:p>
+              <a:r>
+                <a:rPr lang="fr-FR" sz="1100" dirty="0" smtClean="0"/>
+                <a:t>V</a:t>
+              </a:r>
+              <a:r>
+                <a:rPr lang="fr-FR" sz="1100" baseline="-25000" dirty="0" smtClean="0"/>
+                <a:t>S</a:t>
+              </a:r>
+              <a:endParaRPr lang="fr-FR" sz="1100" baseline="-25000" dirty="0"/>
+            </a:p>
+          </p:txBody>
+        </p:sp>
+      </p:grpSp>
     </p:spTree>
     <p:extLst>
       <p:ext uri="{BB962C8B-B14F-4D97-AF65-F5344CB8AC3E}">
-        <p14:creationId xmlns:p14="http://schemas.microsoft.com/office/powerpoint/2010/main" val="4178650199"/>
+        <p14:creationId xmlns:p14="http://schemas.microsoft.com/office/powerpoint/2010/main" val="1769286779"/>
       </p:ext>
     </p:extLst>
   </p:cSld>

--- a/01_DipolesSources/TD_01_Girouette/images/Figures.pptx
+++ b/01_DipolesSources/TD_01_Girouette/images/Figures.pptx
@@ -290,6 +290,7 @@
           <a:p>
             <a:fld id="{47C414CA-3B1E-4C42-B862-7A4C61ED653A}" type="datetimeFigureOut">
               <a:rPr lang="fr-FR" smtClean="0"/>
+              <a:pPr/>
               <a:t>22/09/2014</a:t>
             </a:fld>
             <a:endParaRPr lang="fr-FR"/>
@@ -332,6 +333,7 @@
           <a:p>
             <a:fld id="{760DCB3C-A888-44ED-8671-AEAFC9894E1D}" type="slidenum">
               <a:rPr lang="fr-FR" smtClean="0"/>
+              <a:pPr/>
               <a:t>‹N°›</a:t>
             </a:fld>
             <a:endParaRPr lang="fr-FR"/>
@@ -341,7 +343,7 @@
     </p:spTree>
     <p:extLst>
       <p:ext uri="{BB962C8B-B14F-4D97-AF65-F5344CB8AC3E}">
-        <p14:creationId xmlns:p14="http://schemas.microsoft.com/office/powerpoint/2010/main" val="2856293908"/>
+        <p14:creationId xmlns="" xmlns:p14="http://schemas.microsoft.com/office/powerpoint/2010/main" val="2856293908"/>
       </p:ext>
     </p:extLst>
   </p:cSld>
@@ -460,6 +462,7 @@
           <a:p>
             <a:fld id="{47C414CA-3B1E-4C42-B862-7A4C61ED653A}" type="datetimeFigureOut">
               <a:rPr lang="fr-FR" smtClean="0"/>
+              <a:pPr/>
               <a:t>22/09/2014</a:t>
             </a:fld>
             <a:endParaRPr lang="fr-FR"/>
@@ -502,6 +505,7 @@
           <a:p>
             <a:fld id="{760DCB3C-A888-44ED-8671-AEAFC9894E1D}" type="slidenum">
               <a:rPr lang="fr-FR" smtClean="0"/>
+              <a:pPr/>
               <a:t>‹N°›</a:t>
             </a:fld>
             <a:endParaRPr lang="fr-FR"/>
@@ -511,7 +515,7 @@
     </p:spTree>
     <p:extLst>
       <p:ext uri="{BB962C8B-B14F-4D97-AF65-F5344CB8AC3E}">
-        <p14:creationId xmlns:p14="http://schemas.microsoft.com/office/powerpoint/2010/main" val="1582927163"/>
+        <p14:creationId xmlns="" xmlns:p14="http://schemas.microsoft.com/office/powerpoint/2010/main" val="1582927163"/>
       </p:ext>
     </p:extLst>
   </p:cSld>
@@ -640,6 +644,7 @@
           <a:p>
             <a:fld id="{47C414CA-3B1E-4C42-B862-7A4C61ED653A}" type="datetimeFigureOut">
               <a:rPr lang="fr-FR" smtClean="0"/>
+              <a:pPr/>
               <a:t>22/09/2014</a:t>
             </a:fld>
             <a:endParaRPr lang="fr-FR"/>
@@ -682,6 +687,7 @@
           <a:p>
             <a:fld id="{760DCB3C-A888-44ED-8671-AEAFC9894E1D}" type="slidenum">
               <a:rPr lang="fr-FR" smtClean="0"/>
+              <a:pPr/>
               <a:t>‹N°›</a:t>
             </a:fld>
             <a:endParaRPr lang="fr-FR"/>
@@ -691,7 +697,7 @@
     </p:spTree>
     <p:extLst>
       <p:ext uri="{BB962C8B-B14F-4D97-AF65-F5344CB8AC3E}">
-        <p14:creationId xmlns:p14="http://schemas.microsoft.com/office/powerpoint/2010/main" val="1059976137"/>
+        <p14:creationId xmlns="" xmlns:p14="http://schemas.microsoft.com/office/powerpoint/2010/main" val="1059976137"/>
       </p:ext>
     </p:extLst>
   </p:cSld>
@@ -810,6 +816,7 @@
           <a:p>
             <a:fld id="{47C414CA-3B1E-4C42-B862-7A4C61ED653A}" type="datetimeFigureOut">
               <a:rPr lang="fr-FR" smtClean="0"/>
+              <a:pPr/>
               <a:t>22/09/2014</a:t>
             </a:fld>
             <a:endParaRPr lang="fr-FR"/>
@@ -852,6 +859,7 @@
           <a:p>
             <a:fld id="{760DCB3C-A888-44ED-8671-AEAFC9894E1D}" type="slidenum">
               <a:rPr lang="fr-FR" smtClean="0"/>
+              <a:pPr/>
               <a:t>‹N°›</a:t>
             </a:fld>
             <a:endParaRPr lang="fr-FR"/>
@@ -861,7 +869,7 @@
     </p:spTree>
     <p:extLst>
       <p:ext uri="{BB962C8B-B14F-4D97-AF65-F5344CB8AC3E}">
-        <p14:creationId xmlns:p14="http://schemas.microsoft.com/office/powerpoint/2010/main" val="4269837739"/>
+        <p14:creationId xmlns="" xmlns:p14="http://schemas.microsoft.com/office/powerpoint/2010/main" val="4269837739"/>
       </p:ext>
     </p:extLst>
   </p:cSld>
@@ -1056,6 +1064,7 @@
           <a:p>
             <a:fld id="{47C414CA-3B1E-4C42-B862-7A4C61ED653A}" type="datetimeFigureOut">
               <a:rPr lang="fr-FR" smtClean="0"/>
+              <a:pPr/>
               <a:t>22/09/2014</a:t>
             </a:fld>
             <a:endParaRPr lang="fr-FR"/>
@@ -1098,6 +1107,7 @@
           <a:p>
             <a:fld id="{760DCB3C-A888-44ED-8671-AEAFC9894E1D}" type="slidenum">
               <a:rPr lang="fr-FR" smtClean="0"/>
+              <a:pPr/>
               <a:t>‹N°›</a:t>
             </a:fld>
             <a:endParaRPr lang="fr-FR"/>
@@ -1107,7 +1117,7 @@
     </p:spTree>
     <p:extLst>
       <p:ext uri="{BB962C8B-B14F-4D97-AF65-F5344CB8AC3E}">
-        <p14:creationId xmlns:p14="http://schemas.microsoft.com/office/powerpoint/2010/main" val="2897250723"/>
+        <p14:creationId xmlns="" xmlns:p14="http://schemas.microsoft.com/office/powerpoint/2010/main" val="2897250723"/>
       </p:ext>
     </p:extLst>
   </p:cSld>
@@ -1344,6 +1354,7 @@
           <a:p>
             <a:fld id="{47C414CA-3B1E-4C42-B862-7A4C61ED653A}" type="datetimeFigureOut">
               <a:rPr lang="fr-FR" smtClean="0"/>
+              <a:pPr/>
               <a:t>22/09/2014</a:t>
             </a:fld>
             <a:endParaRPr lang="fr-FR"/>
@@ -1386,6 +1397,7 @@
           <a:p>
             <a:fld id="{760DCB3C-A888-44ED-8671-AEAFC9894E1D}" type="slidenum">
               <a:rPr lang="fr-FR" smtClean="0"/>
+              <a:pPr/>
               <a:t>‹N°›</a:t>
             </a:fld>
             <a:endParaRPr lang="fr-FR"/>
@@ -1395,7 +1407,7 @@
     </p:spTree>
     <p:extLst>
       <p:ext uri="{BB962C8B-B14F-4D97-AF65-F5344CB8AC3E}">
-        <p14:creationId xmlns:p14="http://schemas.microsoft.com/office/powerpoint/2010/main" val="3582910325"/>
+        <p14:creationId xmlns="" xmlns:p14="http://schemas.microsoft.com/office/powerpoint/2010/main" val="3582910325"/>
       </p:ext>
     </p:extLst>
   </p:cSld>
@@ -1766,6 +1778,7 @@
           <a:p>
             <a:fld id="{47C414CA-3B1E-4C42-B862-7A4C61ED653A}" type="datetimeFigureOut">
               <a:rPr lang="fr-FR" smtClean="0"/>
+              <a:pPr/>
               <a:t>22/09/2014</a:t>
             </a:fld>
             <a:endParaRPr lang="fr-FR"/>
@@ -1808,6 +1821,7 @@
           <a:p>
             <a:fld id="{760DCB3C-A888-44ED-8671-AEAFC9894E1D}" type="slidenum">
               <a:rPr lang="fr-FR" smtClean="0"/>
+              <a:pPr/>
               <a:t>‹N°›</a:t>
             </a:fld>
             <a:endParaRPr lang="fr-FR"/>
@@ -1817,7 +1831,7 @@
     </p:spTree>
     <p:extLst>
       <p:ext uri="{BB962C8B-B14F-4D97-AF65-F5344CB8AC3E}">
-        <p14:creationId xmlns:p14="http://schemas.microsoft.com/office/powerpoint/2010/main" val="1324806398"/>
+        <p14:creationId xmlns="" xmlns:p14="http://schemas.microsoft.com/office/powerpoint/2010/main" val="1324806398"/>
       </p:ext>
     </p:extLst>
   </p:cSld>
@@ -1884,6 +1898,7 @@
           <a:p>
             <a:fld id="{47C414CA-3B1E-4C42-B862-7A4C61ED653A}" type="datetimeFigureOut">
               <a:rPr lang="fr-FR" smtClean="0"/>
+              <a:pPr/>
               <a:t>22/09/2014</a:t>
             </a:fld>
             <a:endParaRPr lang="fr-FR"/>
@@ -1926,6 +1941,7 @@
           <a:p>
             <a:fld id="{760DCB3C-A888-44ED-8671-AEAFC9894E1D}" type="slidenum">
               <a:rPr lang="fr-FR" smtClean="0"/>
+              <a:pPr/>
               <a:t>‹N°›</a:t>
             </a:fld>
             <a:endParaRPr lang="fr-FR"/>
@@ -1935,7 +1951,7 @@
     </p:spTree>
     <p:extLst>
       <p:ext uri="{BB962C8B-B14F-4D97-AF65-F5344CB8AC3E}">
-        <p14:creationId xmlns:p14="http://schemas.microsoft.com/office/powerpoint/2010/main" val="2168317633"/>
+        <p14:creationId xmlns="" xmlns:p14="http://schemas.microsoft.com/office/powerpoint/2010/main" val="2168317633"/>
       </p:ext>
     </p:extLst>
   </p:cSld>
@@ -1979,6 +1995,7 @@
           <a:p>
             <a:fld id="{47C414CA-3B1E-4C42-B862-7A4C61ED653A}" type="datetimeFigureOut">
               <a:rPr lang="fr-FR" smtClean="0"/>
+              <a:pPr/>
               <a:t>22/09/2014</a:t>
             </a:fld>
             <a:endParaRPr lang="fr-FR"/>
@@ -2021,6 +2038,7 @@
           <a:p>
             <a:fld id="{760DCB3C-A888-44ED-8671-AEAFC9894E1D}" type="slidenum">
               <a:rPr lang="fr-FR" smtClean="0"/>
+              <a:pPr/>
               <a:t>‹N°›</a:t>
             </a:fld>
             <a:endParaRPr lang="fr-FR"/>
@@ -2030,7 +2048,7 @@
     </p:spTree>
     <p:extLst>
       <p:ext uri="{BB962C8B-B14F-4D97-AF65-F5344CB8AC3E}">
-        <p14:creationId xmlns:p14="http://schemas.microsoft.com/office/powerpoint/2010/main" val="721889609"/>
+        <p14:creationId xmlns="" xmlns:p14="http://schemas.microsoft.com/office/powerpoint/2010/main" val="721889609"/>
       </p:ext>
     </p:extLst>
   </p:cSld>
@@ -2256,6 +2274,7 @@
           <a:p>
             <a:fld id="{47C414CA-3B1E-4C42-B862-7A4C61ED653A}" type="datetimeFigureOut">
               <a:rPr lang="fr-FR" smtClean="0"/>
+              <a:pPr/>
               <a:t>22/09/2014</a:t>
             </a:fld>
             <a:endParaRPr lang="fr-FR"/>
@@ -2298,6 +2317,7 @@
           <a:p>
             <a:fld id="{760DCB3C-A888-44ED-8671-AEAFC9894E1D}" type="slidenum">
               <a:rPr lang="fr-FR" smtClean="0"/>
+              <a:pPr/>
               <a:t>‹N°›</a:t>
             </a:fld>
             <a:endParaRPr lang="fr-FR"/>
@@ -2307,7 +2327,7 @@
     </p:spTree>
     <p:extLst>
       <p:ext uri="{BB962C8B-B14F-4D97-AF65-F5344CB8AC3E}">
-        <p14:creationId xmlns:p14="http://schemas.microsoft.com/office/powerpoint/2010/main" val="2704931599"/>
+        <p14:creationId xmlns="" xmlns:p14="http://schemas.microsoft.com/office/powerpoint/2010/main" val="2704931599"/>
       </p:ext>
     </p:extLst>
   </p:cSld>
@@ -2509,6 +2529,7 @@
           <a:p>
             <a:fld id="{47C414CA-3B1E-4C42-B862-7A4C61ED653A}" type="datetimeFigureOut">
               <a:rPr lang="fr-FR" smtClean="0"/>
+              <a:pPr/>
               <a:t>22/09/2014</a:t>
             </a:fld>
             <a:endParaRPr lang="fr-FR"/>
@@ -2551,6 +2572,7 @@
           <a:p>
             <a:fld id="{760DCB3C-A888-44ED-8671-AEAFC9894E1D}" type="slidenum">
               <a:rPr lang="fr-FR" smtClean="0"/>
+              <a:pPr/>
               <a:t>‹N°›</a:t>
             </a:fld>
             <a:endParaRPr lang="fr-FR"/>
@@ -2560,7 +2582,7 @@
     </p:spTree>
     <p:extLst>
       <p:ext uri="{BB962C8B-B14F-4D97-AF65-F5344CB8AC3E}">
-        <p14:creationId xmlns:p14="http://schemas.microsoft.com/office/powerpoint/2010/main" val="2299115974"/>
+        <p14:creationId xmlns="" xmlns:p14="http://schemas.microsoft.com/office/powerpoint/2010/main" val="2299115974"/>
       </p:ext>
     </p:extLst>
   </p:cSld>
@@ -2722,6 +2744,7 @@
           <a:p>
             <a:fld id="{47C414CA-3B1E-4C42-B862-7A4C61ED653A}" type="datetimeFigureOut">
               <a:rPr lang="fr-FR" smtClean="0"/>
+              <a:pPr/>
               <a:t>22/09/2014</a:t>
             </a:fld>
             <a:endParaRPr lang="fr-FR"/>
@@ -2800,6 +2823,7 @@
           <a:p>
             <a:fld id="{760DCB3C-A888-44ED-8671-AEAFC9894E1D}" type="slidenum">
               <a:rPr lang="fr-FR" smtClean="0"/>
+              <a:pPr/>
               <a:t>‹N°›</a:t>
             </a:fld>
             <a:endParaRPr lang="fr-FR"/>
@@ -2809,7 +2833,7 @@
     </p:spTree>
     <p:extLst>
       <p:ext uri="{BB962C8B-B14F-4D97-AF65-F5344CB8AC3E}">
-        <p14:creationId xmlns:p14="http://schemas.microsoft.com/office/powerpoint/2010/main" val="407458268"/>
+        <p14:creationId xmlns="" xmlns:p14="http://schemas.microsoft.com/office/powerpoint/2010/main" val="407458268"/>
       </p:ext>
     </p:extLst>
   </p:cSld>
@@ -4179,7 +4203,7 @@
     </p:spTree>
     <p:extLst>
       <p:ext uri="{BB962C8B-B14F-4D97-AF65-F5344CB8AC3E}">
-        <p14:creationId xmlns:p14="http://schemas.microsoft.com/office/powerpoint/2010/main" val="4178650199"/>
+        <p14:creationId xmlns="" xmlns:p14="http://schemas.microsoft.com/office/powerpoint/2010/main" val="4178650199"/>
       </p:ext>
     </p:extLst>
   </p:cSld>
@@ -4572,7 +4596,7 @@
         <p:spPr>
           <a:xfrm>
             <a:off x="2051700" y="1700808"/>
-            <a:ext cx="504056" cy="205184"/>
+            <a:ext cx="504056" cy="261610"/>
           </a:xfrm>
           <a:prstGeom prst="rect">
             <a:avLst/>
@@ -4587,10 +4611,10 @@
           <a:p>
             <a:pPr algn="ctr"/>
             <a:r>
-              <a:rPr lang="fr-FR" sz="1100" baseline="-25000" dirty="0" smtClean="0"/>
+              <a:rPr lang="fr-FR" sz="1100" dirty="0" smtClean="0"/>
               <a:t>R</a:t>
             </a:r>
-            <a:endParaRPr lang="fr-FR" sz="1100" baseline="-25000" dirty="0"/>
+            <a:endParaRPr lang="fr-FR" sz="1100" dirty="0"/>
           </a:p>
         </p:txBody>
       </p:sp>
@@ -4603,7 +4627,7 @@
         <p:spPr>
           <a:xfrm>
             <a:off x="2051700" y="2204864"/>
-            <a:ext cx="504056" cy="205184"/>
+            <a:ext cx="504056" cy="261610"/>
           </a:xfrm>
           <a:prstGeom prst="rect">
             <a:avLst/>
@@ -4618,10 +4642,10 @@
           <a:p>
             <a:pPr algn="ctr"/>
             <a:r>
-              <a:rPr lang="fr-FR" sz="1100" baseline="-25000" dirty="0" smtClean="0"/>
+              <a:rPr lang="fr-FR" sz="1100" dirty="0" smtClean="0"/>
               <a:t>R</a:t>
             </a:r>
-            <a:endParaRPr lang="fr-FR" sz="1100" baseline="-25000" dirty="0"/>
+            <a:endParaRPr lang="fr-FR" sz="1100" dirty="0"/>
           </a:p>
         </p:txBody>
       </p:sp>
@@ -5055,7 +5079,7 @@
         </p:nvSpPr>
         <p:spPr>
           <a:xfrm>
-            <a:off x="3447769" y="1367190"/>
+            <a:off x="2428860" y="1714488"/>
             <a:ext cx="504056" cy="261610"/>
           </a:xfrm>
           <a:prstGeom prst="rect">
@@ -5074,7 +5098,7 @@
           <a:p>
             <a:r>
               <a:rPr lang="fr-FR" sz="1100" dirty="0" smtClean="0"/>
-              <a:t>B</a:t>
+              <a:t>C</a:t>
             </a:r>
             <a:endParaRPr lang="fr-FR" sz="1100" baseline="-25000" dirty="0"/>
           </a:p>
@@ -5161,37 +5185,6 @@
           <a:p>
             <a:pPr algn="ctr"/>
             <a:endParaRPr lang="fr-FR"/>
-          </a:p>
-        </p:txBody>
-      </p:sp>
-      <p:sp>
-        <p:nvSpPr>
-          <p:cNvPr id="52" name="ZoneTexte 51"/>
-          <p:cNvSpPr txBox="1"/>
-          <p:nvPr/>
-        </p:nvSpPr>
-        <p:spPr>
-          <a:xfrm>
-            <a:off x="3429186" y="2348880"/>
-            <a:ext cx="290905" cy="205184"/>
-          </a:xfrm>
-          <a:prstGeom prst="rect">
-            <a:avLst/>
-          </a:prstGeom>
-          <a:noFill/>
-        </p:spPr>
-        <p:txBody>
-          <a:bodyPr wrap="square" rtlCol="0">
-            <a:spAutoFit/>
-          </a:bodyPr>
-          <a:lstStyle/>
-          <a:p>
-            <a:pPr algn="ctr"/>
-            <a:r>
-              <a:rPr lang="fr-FR" sz="1100" baseline="-25000" dirty="0" smtClean="0"/>
-              <a:t>M</a:t>
-            </a:r>
-            <a:endParaRPr lang="fr-FR" sz="1100" baseline="-25000" dirty="0"/>
           </a:p>
         </p:txBody>
       </p:sp>
@@ -5445,7 +5438,7 @@
         </p:nvSpPr>
         <p:spPr>
           <a:xfrm>
-            <a:off x="4004283" y="2553756"/>
+            <a:off x="3000364" y="2857496"/>
             <a:ext cx="1368152" cy="261610"/>
           </a:xfrm>
           <a:prstGeom prst="rect">
@@ -5475,13 +5468,13 @@
         </p:nvSpPr>
         <p:spPr>
           <a:xfrm>
-            <a:off x="3449137" y="2431680"/>
-            <a:ext cx="248905" cy="286789"/>
+            <a:off x="3449137" y="2500306"/>
+            <a:ext cx="248905" cy="357190"/>
           </a:xfrm>
           <a:prstGeom prst="wedgeEllipseCallout">
             <a:avLst>
-              <a:gd name="adj1" fmla="val 167611"/>
-              <a:gd name="adj2" fmla="val 37850"/>
+              <a:gd name="adj1" fmla="val -83042"/>
+              <a:gd name="adj2" fmla="val 62516"/>
             </a:avLst>
           </a:prstGeom>
           <a:noFill/>
@@ -5517,10 +5510,193 @@
           </a:p>
         </p:txBody>
       </p:sp>
+      <p:sp>
+        <p:nvSpPr>
+          <p:cNvPr id="35" name="Arc 34"/>
+          <p:cNvSpPr/>
+          <p:nvPr/>
+        </p:nvSpPr>
+        <p:spPr>
+          <a:xfrm>
+            <a:off x="2830958" y="1895129"/>
+            <a:ext cx="383720" cy="383720"/>
+          </a:xfrm>
+          <a:prstGeom prst="arc">
+            <a:avLst>
+              <a:gd name="adj1" fmla="val 18864814"/>
+              <a:gd name="adj2" fmla="val 21521515"/>
+            </a:avLst>
+          </a:prstGeom>
+          <a:noFill/>
+          <a:ln w="9525" cmpd="sng">
+            <a:solidFill>
+              <a:srgbClr val="0070C0"/>
+            </a:solidFill>
+            <a:headEnd type="stealth" w="sm" len="med"/>
+            <a:tailEnd type="none"/>
+          </a:ln>
+        </p:spPr>
+        <p:style>
+          <a:lnRef idx="2">
+            <a:schemeClr val="accent1">
+              <a:shade val="50000"/>
+            </a:schemeClr>
+          </a:lnRef>
+          <a:fillRef idx="1">
+            <a:schemeClr val="accent1"/>
+          </a:fillRef>
+          <a:effectRef idx="0">
+            <a:schemeClr val="accent1"/>
+          </a:effectRef>
+          <a:fontRef idx="minor">
+            <a:schemeClr val="lt1"/>
+          </a:fontRef>
+        </p:style>
+        <p:txBody>
+          <a:bodyPr rtlCol="0" anchor="ctr"/>
+          <a:lstStyle/>
+          <a:p>
+            <a:pPr algn="ctr"/>
+            <a:endParaRPr lang="fr-FR" dirty="0"/>
+          </a:p>
+        </p:txBody>
+      </p:sp>
+      <p:sp>
+        <p:nvSpPr>
+          <p:cNvPr id="52" name="ZoneTexte 51"/>
+          <p:cNvSpPr txBox="1"/>
+          <p:nvPr/>
+        </p:nvSpPr>
+        <p:spPr>
+          <a:xfrm>
+            <a:off x="3423839" y="2310134"/>
+            <a:ext cx="290905" cy="261610"/>
+          </a:xfrm>
+          <a:prstGeom prst="rect">
+            <a:avLst/>
+          </a:prstGeom>
+          <a:noFill/>
+        </p:spPr>
+        <p:txBody>
+          <a:bodyPr wrap="square" rtlCol="0">
+            <a:spAutoFit/>
+          </a:bodyPr>
+          <a:lstStyle/>
+          <a:p>
+            <a:pPr algn="ctr"/>
+            <a:r>
+              <a:rPr lang="fr-FR" sz="1100" dirty="0" smtClean="0"/>
+              <a:t>M</a:t>
+            </a:r>
+            <a:endParaRPr lang="fr-FR" sz="1100" dirty="0"/>
+          </a:p>
+        </p:txBody>
+      </p:sp>
+      <p:sp>
+        <p:nvSpPr>
+          <p:cNvPr id="36" name="ZoneTexte 35"/>
+          <p:cNvSpPr txBox="1"/>
+          <p:nvPr/>
+        </p:nvSpPr>
+        <p:spPr>
+          <a:xfrm>
+            <a:off x="3143240" y="1857364"/>
+            <a:ext cx="504056" cy="246221"/>
+          </a:xfrm>
+          <a:prstGeom prst="rect">
+            <a:avLst/>
+          </a:prstGeom>
+          <a:noFill/>
+          <a:ln>
+            <a:noFill/>
+          </a:ln>
+        </p:spPr>
+        <p:txBody>
+          <a:bodyPr wrap="square" rtlCol="0">
+            <a:spAutoFit/>
+          </a:bodyPr>
+          <a:lstStyle/>
+          <a:p>
+            <a:r>
+              <a:rPr lang="fr-FR" sz="1000" i="1" dirty="0" smtClean="0">
+                <a:sym typeface="Symbol"/>
+              </a:rPr>
+              <a:t></a:t>
+            </a:r>
+            <a:endParaRPr lang="fr-FR" sz="1000" i="1" baseline="-25000" dirty="0"/>
+          </a:p>
+        </p:txBody>
+      </p:sp>
+      <p:sp>
+        <p:nvSpPr>
+          <p:cNvPr id="38" name="ZoneTexte 37"/>
+          <p:cNvSpPr txBox="1"/>
+          <p:nvPr/>
+        </p:nvSpPr>
+        <p:spPr>
+          <a:xfrm>
+            <a:off x="3600169" y="1519590"/>
+            <a:ext cx="504056" cy="261610"/>
+          </a:xfrm>
+          <a:prstGeom prst="rect">
+            <a:avLst/>
+          </a:prstGeom>
+          <a:noFill/>
+          <a:ln>
+            <a:noFill/>
+          </a:ln>
+        </p:spPr>
+        <p:txBody>
+          <a:bodyPr wrap="square" rtlCol="0">
+            <a:spAutoFit/>
+          </a:bodyPr>
+          <a:lstStyle/>
+          <a:p>
+            <a:r>
+              <a:rPr lang="fr-FR" sz="1100" dirty="0" smtClean="0"/>
+              <a:t>B</a:t>
+            </a:r>
+            <a:endParaRPr lang="fr-FR" sz="1100" baseline="-25000" dirty="0"/>
+          </a:p>
+        </p:txBody>
+      </p:sp>
+      <p:sp>
+        <p:nvSpPr>
+          <p:cNvPr id="39" name="ZoneTexte 38"/>
+          <p:cNvSpPr txBox="1"/>
+          <p:nvPr/>
+        </p:nvSpPr>
+        <p:spPr>
+          <a:xfrm>
+            <a:off x="2438379" y="2143116"/>
+            <a:ext cx="504056" cy="261610"/>
+          </a:xfrm>
+          <a:prstGeom prst="rect">
+            <a:avLst/>
+          </a:prstGeom>
+          <a:noFill/>
+          <a:ln>
+            <a:noFill/>
+          </a:ln>
+        </p:spPr>
+        <p:txBody>
+          <a:bodyPr wrap="square" rtlCol="0">
+            <a:spAutoFit/>
+          </a:bodyPr>
+          <a:lstStyle/>
+          <a:p>
+            <a:r>
+              <a:rPr lang="fr-FR" sz="1100" dirty="0" smtClean="0"/>
+              <a:t>A</a:t>
+            </a:r>
+            <a:endParaRPr lang="fr-FR" sz="1100" baseline="-25000" dirty="0"/>
+          </a:p>
+        </p:txBody>
+      </p:sp>
     </p:spTree>
     <p:extLst>
       <p:ext uri="{BB962C8B-B14F-4D97-AF65-F5344CB8AC3E}">
-        <p14:creationId xmlns:p14="http://schemas.microsoft.com/office/powerpoint/2010/main" val="2633434160"/>
+        <p14:creationId xmlns="" xmlns:p14="http://schemas.microsoft.com/office/powerpoint/2010/main" val="2633434160"/>
       </p:ext>
     </p:extLst>
   </p:cSld>
@@ -9192,7 +9368,7 @@
     </p:spTree>
     <p:extLst>
       <p:ext uri="{BB962C8B-B14F-4D97-AF65-F5344CB8AC3E}">
-        <p14:creationId xmlns:p14="http://schemas.microsoft.com/office/powerpoint/2010/main" val="1769286779"/>
+        <p14:creationId xmlns="" xmlns:p14="http://schemas.microsoft.com/office/powerpoint/2010/main" val="1769286779"/>
       </p:ext>
     </p:extLst>
   </p:cSld>
